--- a/documentation/11 SOA Services - Static Data.pptx
+++ b/documentation/11 SOA Services - Static Data.pptx
@@ -5,27 +5,23 @@
     <p:sldMasterId id="2147483648" r:id="rId4"/>
   </p:sldMasterIdLst>
   <p:notesMasterIdLst>
-    <p:notesMasterId r:id="rId20"/>
+    <p:notesMasterId r:id="rId16"/>
   </p:notesMasterIdLst>
   <p:handoutMasterIdLst>
-    <p:handoutMasterId r:id="rId21"/>
+    <p:handoutMasterId r:id="rId17"/>
   </p:handoutMasterIdLst>
   <p:sldIdLst>
     <p:sldId id="256" r:id="rId5"/>
     <p:sldId id="258" r:id="rId6"/>
     <p:sldId id="261" r:id="rId7"/>
     <p:sldId id="287" r:id="rId8"/>
-    <p:sldId id="288" r:id="rId9"/>
-    <p:sldId id="292" r:id="rId10"/>
-    <p:sldId id="289" r:id="rId11"/>
-    <p:sldId id="293" r:id="rId12"/>
-    <p:sldId id="290" r:id="rId13"/>
-    <p:sldId id="294" r:id="rId14"/>
-    <p:sldId id="295" r:id="rId15"/>
-    <p:sldId id="291" r:id="rId16"/>
-    <p:sldId id="296" r:id="rId17"/>
-    <p:sldId id="297" r:id="rId18"/>
-    <p:sldId id="264" r:id="rId19"/>
+    <p:sldId id="292" r:id="rId9"/>
+    <p:sldId id="293" r:id="rId10"/>
+    <p:sldId id="294" r:id="rId11"/>
+    <p:sldId id="295" r:id="rId12"/>
+    <p:sldId id="296" r:id="rId13"/>
+    <p:sldId id="297" r:id="rId14"/>
+    <p:sldId id="264" r:id="rId15"/>
   </p:sldIdLst>
   <p:sldSz cx="12192000" cy="6858000"/>
   <p:notesSz cx="6858000" cy="9144000"/>
@@ -126,7 +122,7 @@
   </p:defaultTextStyle>
   <p:extLst>
     <p:ext uri="{EFAFB233-063F-42B5-8137-9DF3F51BA10A}">
-      <p15:sldGuideLst xmlns:p15="http://schemas.microsoft.com/office/powerpoint/2012/main" xmlns="">
+      <p15:sldGuideLst xmlns:p15="http://schemas.microsoft.com/office/powerpoint/2012/main">
         <p15:guide id="2" pos="3840" userDrawn="1">
           <p15:clr>
             <a:srgbClr val="A4A3A4"/>
@@ -140,7 +136,7 @@
       </p15:sldGuideLst>
     </p:ext>
     <p:ext uri="{2D200454-40CA-4A62-9FC3-DE9A4176ACB9}">
-      <p15:notesGuideLst xmlns:p15="http://schemas.microsoft.com/office/powerpoint/2012/main" xmlns=""/>
+      <p15:notesGuideLst xmlns:p15="http://schemas.microsoft.com/office/powerpoint/2012/main"/>
     </p:ext>
   </p:extLst>
 </p:presentation>
@@ -228,7 +224,7 @@
           <a:p>
             <a:fld id="{CE53DE84-D7B3-4797-B14D-77424657396D}" type="datetimeFigureOut">
               <a:rPr lang="en-GB" smtClean="0"/>
-              <a:t>09/02/2018</a:t>
+              <a:t>10/03/2018</a:t>
             </a:fld>
             <a:endParaRPr lang="en-GB" dirty="0"/>
           </a:p>
@@ -393,7 +389,7 @@
           <a:p>
             <a:fld id="{D1C597EC-6BB0-461C-B045-D257C6C8821E}" type="datetimeFigureOut">
               <a:rPr lang="en-GB" smtClean="0"/>
-              <a:t>09/02/2018</a:t>
+              <a:t>10/03/2018</a:t>
             </a:fld>
             <a:endParaRPr lang="en-GB" dirty="0"/>
           </a:p>
@@ -726,7 +722,7 @@
           <a:p>
             <a:fld id="{699BB14C-7D58-4C6F-8674-35D4E28D7AD6}" type="slidenum">
               <a:rPr lang="en-GB" smtClean="0"/>
-              <a:t>14</a:t>
+              <a:t>10</a:t>
             </a:fld>
             <a:endParaRPr lang="en-GB" dirty="0"/>
           </a:p>
@@ -810,7 +806,7 @@
           <a:p>
             <a:fld id="{699BB14C-7D58-4C6F-8674-35D4E28D7AD6}" type="slidenum">
               <a:rPr lang="en-GB" smtClean="0"/>
-              <a:t>15</a:t>
+              <a:t>11</a:t>
             </a:fld>
             <a:endParaRPr lang="en-GB" dirty="0"/>
           </a:p>
@@ -1247,7 +1243,7 @@
           <a:p>
             <a:fld id="{22E7AA2F-F619-4723-B6E7-545F24B9918D}" type="datetime4">
               <a:rPr lang="en-GB" smtClean="0"/>
-              <a:t>09 February 2018</a:t>
+              <a:t>10 March 2018</a:t>
             </a:fld>
             <a:endParaRPr lang="en-GB" dirty="0"/>
           </a:p>
@@ -1451,7 +1447,7 @@
           <a:p>
             <a:fld id="{2A4201E0-34F3-46A7-AE44-D99163B13904}" type="datetime4">
               <a:rPr lang="en-GB" smtClean="0"/>
-              <a:t>09 February 2018</a:t>
+              <a:t>10 March 2018</a:t>
             </a:fld>
             <a:endParaRPr lang="en-GB" dirty="0"/>
           </a:p>
@@ -1543,7 +1539,7 @@
   </p:clrMapOvr>
   <p:extLst mod="1">
     <p:ext uri="{DCECCB84-F9BA-43D5-87BE-67443E8EF086}">
-      <p15:sldGuideLst xmlns:p15="http://schemas.microsoft.com/office/powerpoint/2012/main" xmlns=""/>
+      <p15:sldGuideLst xmlns:p15="http://schemas.microsoft.com/office/powerpoint/2012/main"/>
     </p:ext>
   </p:extLst>
 </p:sldLayout>
@@ -1699,7 +1695,7 @@
           <a:p>
             <a:fld id="{4FAE0867-24A8-448F-B507-CC8586AA6B96}" type="datetime4">
               <a:rPr lang="en-GB" smtClean="0"/>
-              <a:t>09 February 2018</a:t>
+              <a:t>10 March 2018</a:t>
             </a:fld>
             <a:endParaRPr lang="en-GB" dirty="0"/>
           </a:p>
@@ -1883,7 +1879,7 @@
           <a:p>
             <a:fld id="{54BE1DED-F17D-40BA-964F-A1C8DEDCEF61}" type="datetime4">
               <a:rPr lang="en-GB" smtClean="0"/>
-              <a:t>09 February 2018</a:t>
+              <a:t>10 March 2018</a:t>
             </a:fld>
             <a:endParaRPr lang="en-GB" dirty="0"/>
           </a:p>
@@ -2259,7 +2255,7 @@
             <a:fld id="{D9FBC6CA-9941-44FF-B65D-C7A23CB5A4BE}" type="datetime4">
               <a:rPr lang="en-GB" smtClean="0"/>
               <a:pPr/>
-              <a:t>09 February 2018</a:t>
+              <a:t>10 March 2018</a:t>
             </a:fld>
             <a:endParaRPr lang="en-GB" dirty="0"/>
           </a:p>
@@ -2445,7 +2441,7 @@
           <a:p>
             <a:fld id="{D473304B-F8FC-4BC7-8FE8-C50BC87E1FAB}" type="datetime4">
               <a:rPr lang="en-GB" smtClean="0"/>
-              <a:t>09 February 2018</a:t>
+              <a:t>10 March 2018</a:t>
             </a:fld>
             <a:endParaRPr lang="en-GB" dirty="0"/>
           </a:p>
@@ -2540,7 +2536,7 @@
           <a:p>
             <a:fld id="{D3D7C3DF-C1B2-4C30-9BDA-F5EE790E7213}" type="datetime4">
               <a:rPr lang="en-GB" smtClean="0"/>
-              <a:t>09 February 2018</a:t>
+              <a:t>10 March 2018</a:t>
             </a:fld>
             <a:endParaRPr lang="en-GB" dirty="0"/>
           </a:p>
@@ -2765,7 +2761,7 @@
           <a:p>
             <a:fld id="{7A1E630C-C3F3-4A66-A20B-F3CE4CC3331D}" type="datetime4">
               <a:rPr lang="en-GB" smtClean="0"/>
-              <a:t>09 February 2018</a:t>
+              <a:t>10 March 2018</a:t>
             </a:fld>
             <a:endParaRPr lang="en-GB" dirty="0"/>
           </a:p>
@@ -3399,7 +3395,7 @@
           <a:p>
             <a:fld id="{D22C19FE-D082-4640-BFED-203C0E583774}" type="datetime4">
               <a:rPr lang="en-GB" smtClean="0"/>
-              <a:t>09 February 2018</a:t>
+              <a:t>10 March 2018</a:t>
             </a:fld>
             <a:endParaRPr lang="en-GB" dirty="0"/>
           </a:p>
@@ -3875,7 +3871,7 @@
   </p:txStyles>
   <p:extLst mod="1">
     <p:ext uri="{27BBF7A9-308A-43DC-89C8-2F10F3537804}">
-      <p15:sldGuideLst xmlns:p15="http://schemas.microsoft.com/office/powerpoint/2012/main" xmlns="">
+      <p15:sldGuideLst xmlns:p15="http://schemas.microsoft.com/office/powerpoint/2012/main">
         <p15:guide id="1" pos="3772" userDrawn="1">
           <p15:clr>
             <a:srgbClr val="F26B43"/>
@@ -4064,148 +4060,34 @@
       </p:grpSpPr>
       <p:sp>
         <p:nvSpPr>
-          <p:cNvPr id="3" name="Content Placeholder 2"/>
+          <p:cNvPr id="11" name="Title 1"/>
           <p:cNvSpPr>
             <a:spLocks noGrp="1"/>
           </p:cNvSpPr>
           <p:nvPr>
-            <p:ph idx="1"/>
-          </p:nvPr>
-        </p:nvSpPr>
-        <p:spPr>
-          <a:xfrm>
-            <a:off x="955343" y="1296538"/>
-            <a:ext cx="10727140" cy="2129051"/>
-          </a:xfrm>
-        </p:spPr>
+            <p:ph type="title"/>
+          </p:nvPr>
+        </p:nvSpPr>
+        <p:spPr/>
         <p:txBody>
           <a:bodyPr/>
           <a:lstStyle/>
           <a:p>
-            <a:pPr marL="411163" indent="-411163">
-              <a:spcBef>
-                <a:spcPts val="1500"/>
-              </a:spcBef>
-              <a:buSzPct val="150000"/>
-              <a:buBlip>
-                <a:blip r:embed="rId2"/>
-              </a:buBlip>
-            </a:pPr>
-            <a:r>
-              <a:rPr lang="en-IN" sz="2400" b="0" dirty="0"/>
-              <a:t>This service enables a third party application to perform different actions on a static data profile, such as </a:t>
-            </a:r>
-            <a:r>
-              <a:rPr lang="en-IN" sz="2400" dirty="0">
-                <a:solidFill>
-                  <a:schemeClr val="accent4">
-                    <a:lumMod val="75000"/>
-                  </a:schemeClr>
+            <a:r>
+              <a:rPr lang="en-US" dirty="0" smtClean="0">
+                <a:solidFill>
+                  <a:schemeClr val="accent2"/>
                 </a:solidFill>
               </a:rPr>
-              <a:t>Save</a:t>
-            </a:r>
-            <a:r>
-              <a:rPr lang="en-IN" sz="2400" b="0" dirty="0"/>
-              <a:t>, </a:t>
-            </a:r>
-            <a:r>
-              <a:rPr lang="en-IN" sz="2400" dirty="0">
-                <a:solidFill>
-                  <a:schemeClr val="accent4">
-                    <a:lumMod val="75000"/>
-                  </a:schemeClr>
-                </a:solidFill>
-              </a:rPr>
-              <a:t>Hold</a:t>
-            </a:r>
-            <a:r>
-              <a:rPr lang="en-IN" sz="2400" b="0" dirty="0"/>
-              <a:t>, </a:t>
-            </a:r>
-            <a:r>
-              <a:rPr lang="en-IN" sz="2400" dirty="0">
-                <a:solidFill>
-                  <a:schemeClr val="accent4">
-                    <a:lumMod val="75000"/>
-                  </a:schemeClr>
-                </a:solidFill>
-              </a:rPr>
-              <a:t>Delete</a:t>
-            </a:r>
-            <a:r>
-              <a:rPr lang="en-IN" sz="2400" b="0" dirty="0">
-                <a:solidFill>
-                  <a:schemeClr val="accent4">
-                    <a:lumMod val="75000"/>
-                  </a:schemeClr>
-                </a:solidFill>
-              </a:rPr>
-              <a:t> </a:t>
-            </a:r>
-            <a:r>
-              <a:rPr lang="en-IN" sz="2400" b="0" dirty="0"/>
-              <a:t>and </a:t>
-            </a:r>
-            <a:r>
-              <a:rPr lang="en-IN" sz="2400" dirty="0">
-                <a:solidFill>
-                  <a:schemeClr val="accent4">
-                    <a:lumMod val="75000"/>
-                  </a:schemeClr>
-                </a:solidFill>
-              </a:rPr>
-              <a:t>Activate</a:t>
-            </a:r>
-            <a:r>
-              <a:rPr lang="en-IN" sz="2400" b="0" dirty="0"/>
-              <a:t>. </a:t>
-            </a:r>
-            <a:endParaRPr lang="en-IN" sz="2400" b="0" dirty="0" smtClean="0"/>
-          </a:p>
-          <a:p>
-            <a:pPr marL="411163" indent="-411163">
-              <a:spcBef>
-                <a:spcPts val="1500"/>
-              </a:spcBef>
-              <a:buSzPct val="150000"/>
-              <a:buBlip>
-                <a:blip r:embed="rId2"/>
-              </a:buBlip>
-            </a:pPr>
-            <a:r>
-              <a:rPr lang="en-IN" sz="2400" b="0" dirty="0" smtClean="0"/>
-              <a:t>These </a:t>
-            </a:r>
-            <a:r>
-              <a:rPr lang="en-IN" sz="2400" b="0" dirty="0"/>
-              <a:t>action buttons are taken from </a:t>
-            </a:r>
-            <a:r>
-              <a:rPr lang="en-IN" sz="2400" dirty="0">
-                <a:solidFill>
-                  <a:schemeClr val="accent4">
-                    <a:lumMod val="75000"/>
-                  </a:schemeClr>
-                </a:solidFill>
-              </a:rPr>
-              <a:t>GPP user interface</a:t>
-            </a:r>
-            <a:r>
-              <a:rPr lang="en-IN" sz="2400" b="0" dirty="0"/>
-              <a:t>. </a:t>
-            </a:r>
-            <a:r>
-              <a:rPr lang="en-IN" sz="2000" b="0" dirty="0" smtClean="0"/>
-              <a:t> </a:t>
-            </a:r>
-            <a:endParaRPr lang="en-IN" sz="2000" b="0" dirty="0"/>
-          </a:p>
-        </p:txBody>
-      </p:sp>
-      <p:sp>
-        <p:nvSpPr>
-          <p:cNvPr id="4" name="Date Placeholder 3"/>
+              <a:t>Examples summary</a:t>
+            </a:r>
+            <a:endParaRPr lang="en-GB" dirty="0"/>
+          </a:p>
+        </p:txBody>
+      </p:sp>
+      <p:sp>
+        <p:nvSpPr>
+          <p:cNvPr id="5" name="Date Placeholder 4"/>
           <p:cNvSpPr>
             <a:spLocks noGrp="1"/>
           </p:cNvSpPr>
@@ -4218,9 +4100,10 @@
           <a:bodyPr/>
           <a:lstStyle/>
           <a:p>
-            <a:fld id="{4FAE0867-24A8-448F-B507-CC8586AA6B96}" type="datetime4">
+            <a:fld id="{BC3F1638-3586-4527-A760-38AC15BFC248}" type="datetime4">
               <a:rPr lang="en-GB" smtClean="0"/>
-              <a:t>09 February 2018</a:t>
+              <a:pPr/>
+              <a:t>10 March 2018</a:t>
             </a:fld>
             <a:endParaRPr lang="en-GB" dirty="0"/>
           </a:p>
@@ -4228,7 +4111,7 @@
       </p:sp>
       <p:sp>
         <p:nvSpPr>
-          <p:cNvPr id="5" name="Slide Number Placeholder 4"/>
+          <p:cNvPr id="6" name="Slide Number Placeholder 5"/>
           <p:cNvSpPr>
             <a:spLocks noGrp="1"/>
           </p:cNvSpPr>
@@ -4250,586 +4133,23 @@
           </a:p>
         </p:txBody>
       </p:sp>
-      <p:sp>
-        <p:nvSpPr>
-          <p:cNvPr id="6" name="Content Placeholder 2"/>
-          <p:cNvSpPr txBox="1">
-            <a:spLocks/>
-          </p:cNvSpPr>
-          <p:nvPr/>
-        </p:nvSpPr>
-        <p:spPr>
-          <a:xfrm>
-            <a:off x="1518307" y="4276393"/>
-            <a:ext cx="9523867" cy="1332843"/>
-          </a:xfrm>
-          <a:prstGeom prst="rect">
-            <a:avLst/>
-          </a:prstGeom>
-        </p:spPr>
-        <p:txBody>
-          <a:bodyPr vert="horz" lIns="0" tIns="0" rIns="0" bIns="0" rtlCol="0" anchor="t" anchorCtr="0">
-            <a:noAutofit/>
-          </a:bodyPr>
-          <a:lstStyle>
-            <a:lvl1pPr marL="0" indent="0" algn="l" defTabSz="914400" rtl="0" eaLnBrk="1" latinLnBrk="0" hangingPunct="1">
-              <a:lnSpc>
-                <a:spcPct val="90000"/>
-              </a:lnSpc>
-              <a:spcBef>
-                <a:spcPts val="1200"/>
-              </a:spcBef>
-              <a:buFont typeface="Arial" panose="020B0604020202020204" pitchFamily="34" charset="0"/>
-              <a:buNone/>
-              <a:defRPr sz="3600" b="1" kern="1200">
-                <a:solidFill>
-                  <a:schemeClr val="tx2"/>
-                </a:solidFill>
-                <a:latin typeface="+mn-lt"/>
-                <a:ea typeface="+mn-ea"/>
-                <a:cs typeface="+mn-cs"/>
-              </a:defRPr>
-            </a:lvl1pPr>
-            <a:lvl2pPr marL="0" indent="0" algn="l" defTabSz="914400" rtl="0" eaLnBrk="1" latinLnBrk="0" hangingPunct="1">
-              <a:lnSpc>
-                <a:spcPct val="90000"/>
-              </a:lnSpc>
-              <a:spcBef>
-                <a:spcPts val="1800"/>
-              </a:spcBef>
-              <a:buClr>
-                <a:schemeClr val="tx2"/>
-              </a:buClr>
-              <a:buFont typeface="Arial" panose="020B0604020202020204" pitchFamily="34" charset="0"/>
-              <a:buNone/>
-              <a:defRPr sz="1600" b="0" kern="1200">
-                <a:solidFill>
-                  <a:schemeClr val="tx2"/>
-                </a:solidFill>
-                <a:latin typeface="+mn-lt"/>
-                <a:ea typeface="+mn-ea"/>
-                <a:cs typeface="+mn-cs"/>
-              </a:defRPr>
-            </a:lvl2pPr>
-            <a:lvl3pPr marL="395288" indent="-158750" algn="l" defTabSz="914400" rtl="0" eaLnBrk="1" latinLnBrk="0" hangingPunct="1">
-              <a:lnSpc>
-                <a:spcPct val="90000"/>
-              </a:lnSpc>
-              <a:spcBef>
-                <a:spcPts val="500"/>
-              </a:spcBef>
-              <a:buClr>
-                <a:schemeClr val="tx2"/>
-              </a:buClr>
-              <a:buFont typeface="Arial" panose="020B0604020202020204" pitchFamily="34" charset="0"/>
-              <a:buChar char="–"/>
-              <a:defRPr sz="1400" kern="1200">
-                <a:solidFill>
-                  <a:schemeClr val="tx2"/>
-                </a:solidFill>
-                <a:latin typeface="+mn-lt"/>
-                <a:ea typeface="+mn-ea"/>
-                <a:cs typeface="+mn-cs"/>
-              </a:defRPr>
-            </a:lvl3pPr>
-            <a:lvl4pPr marL="587375" indent="-144463" algn="l" defTabSz="914400" rtl="0" eaLnBrk="1" latinLnBrk="0" hangingPunct="1">
-              <a:lnSpc>
-                <a:spcPct val="90000"/>
-              </a:lnSpc>
-              <a:spcBef>
-                <a:spcPts val="300"/>
-              </a:spcBef>
-              <a:buClr>
-                <a:schemeClr val="tx2"/>
-              </a:buClr>
-              <a:buFont typeface="Arial" panose="020B0604020202020204" pitchFamily="34" charset="0"/>
-              <a:buChar char="•"/>
-              <a:defRPr sz="1200" kern="1200">
-                <a:solidFill>
-                  <a:schemeClr val="tx2"/>
-                </a:solidFill>
-                <a:latin typeface="+mn-lt"/>
-                <a:ea typeface="+mn-ea"/>
-                <a:cs typeface="+mn-cs"/>
-              </a:defRPr>
-            </a:lvl4pPr>
-            <a:lvl5pPr marL="766763" indent="-153988" algn="l" defTabSz="914400" rtl="0" eaLnBrk="1" latinLnBrk="0" hangingPunct="1">
-              <a:lnSpc>
-                <a:spcPct val="90000"/>
-              </a:lnSpc>
-              <a:spcBef>
-                <a:spcPts val="300"/>
-              </a:spcBef>
-              <a:buClr>
-                <a:schemeClr val="tx2"/>
-              </a:buClr>
-              <a:buFont typeface="Arial" panose="020B0604020202020204" pitchFamily="34" charset="0"/>
-              <a:buChar char="–"/>
-              <a:defRPr sz="1200" kern="1200">
-                <a:solidFill>
-                  <a:schemeClr val="tx2"/>
-                </a:solidFill>
-                <a:latin typeface="+mn-lt"/>
-                <a:ea typeface="+mn-ea"/>
-                <a:cs typeface="+mn-cs"/>
-              </a:defRPr>
-            </a:lvl5pPr>
-            <a:lvl6pPr marL="2514600" indent="-228600" algn="l" defTabSz="914400" rtl="0" eaLnBrk="1" latinLnBrk="0" hangingPunct="1">
-              <a:lnSpc>
-                <a:spcPct val="90000"/>
-              </a:lnSpc>
-              <a:spcBef>
-                <a:spcPts val="500"/>
-              </a:spcBef>
-              <a:buFont typeface="Arial" panose="020B0604020202020204" pitchFamily="34" charset="0"/>
-              <a:buChar char="•"/>
-              <a:defRPr sz="1800" kern="1200">
-                <a:solidFill>
-                  <a:schemeClr val="tx1"/>
-                </a:solidFill>
-                <a:latin typeface="+mn-lt"/>
-                <a:ea typeface="+mn-ea"/>
-                <a:cs typeface="+mn-cs"/>
-              </a:defRPr>
-            </a:lvl6pPr>
-            <a:lvl7pPr marL="2971800" indent="-228600" algn="l" defTabSz="914400" rtl="0" eaLnBrk="1" latinLnBrk="0" hangingPunct="1">
-              <a:lnSpc>
-                <a:spcPct val="90000"/>
-              </a:lnSpc>
-              <a:spcBef>
-                <a:spcPts val="500"/>
-              </a:spcBef>
-              <a:buFont typeface="Arial" panose="020B0604020202020204" pitchFamily="34" charset="0"/>
-              <a:buChar char="•"/>
-              <a:defRPr sz="1800" kern="1200">
-                <a:solidFill>
-                  <a:schemeClr val="tx1"/>
-                </a:solidFill>
-                <a:latin typeface="+mn-lt"/>
-                <a:ea typeface="+mn-ea"/>
-                <a:cs typeface="+mn-cs"/>
-              </a:defRPr>
-            </a:lvl7pPr>
-            <a:lvl8pPr marL="3429000" indent="-228600" algn="l" defTabSz="914400" rtl="0" eaLnBrk="1" latinLnBrk="0" hangingPunct="1">
-              <a:lnSpc>
-                <a:spcPct val="90000"/>
-              </a:lnSpc>
-              <a:spcBef>
-                <a:spcPts val="500"/>
-              </a:spcBef>
-              <a:buFont typeface="Arial" panose="020B0604020202020204" pitchFamily="34" charset="0"/>
-              <a:buChar char="•"/>
-              <a:defRPr sz="1800" kern="1200">
-                <a:solidFill>
-                  <a:schemeClr val="tx1"/>
-                </a:solidFill>
-                <a:latin typeface="+mn-lt"/>
-                <a:ea typeface="+mn-ea"/>
-                <a:cs typeface="+mn-cs"/>
-              </a:defRPr>
-            </a:lvl8pPr>
-            <a:lvl9pPr marL="3886200" indent="-228600" algn="l" defTabSz="914400" rtl="0" eaLnBrk="1" latinLnBrk="0" hangingPunct="1">
-              <a:lnSpc>
-                <a:spcPct val="90000"/>
-              </a:lnSpc>
-              <a:spcBef>
-                <a:spcPts val="500"/>
-              </a:spcBef>
-              <a:buFont typeface="Arial" panose="020B0604020202020204" pitchFamily="34" charset="0"/>
-              <a:buChar char="•"/>
-              <a:defRPr sz="1800" kern="1200">
-                <a:solidFill>
-                  <a:schemeClr val="tx1"/>
-                </a:solidFill>
-                <a:latin typeface="+mn-lt"/>
-                <a:ea typeface="+mn-ea"/>
-                <a:cs typeface="+mn-cs"/>
-              </a:defRPr>
-            </a:lvl9pPr>
-          </a:lstStyle>
-          <a:p>
-            <a:pPr marL="411163" indent="-411163">
-              <a:spcBef>
-                <a:spcPts val="1500"/>
-              </a:spcBef>
-              <a:buSzPct val="150000"/>
-              <a:buBlip>
-                <a:blip r:embed="rId2"/>
-              </a:buBlip>
-            </a:pPr>
-            <a:r>
-              <a:rPr lang="en-IN" sz="2000" b="0" dirty="0"/>
-              <a:t>The input parameters are validated. </a:t>
-            </a:r>
-          </a:p>
-          <a:p>
-            <a:pPr marL="411163" indent="-411163">
-              <a:spcBef>
-                <a:spcPts val="1500"/>
-              </a:spcBef>
-              <a:buSzPct val="150000"/>
-              <a:buBlip>
-                <a:blip r:embed="rId2"/>
-              </a:buBlip>
-            </a:pPr>
-            <a:r>
-              <a:rPr lang="en-IN" sz="2000" b="0" dirty="0"/>
-              <a:t>Profile query is generated</a:t>
-            </a:r>
-            <a:r>
-              <a:rPr lang="en-IN" sz="2000" b="0" dirty="0" smtClean="0"/>
-              <a:t>.</a:t>
-            </a:r>
-          </a:p>
-          <a:p>
-            <a:pPr marL="411163" indent="-411163">
-              <a:spcBef>
-                <a:spcPts val="1500"/>
-              </a:spcBef>
-              <a:buSzPct val="150000"/>
-              <a:buBlip>
-                <a:blip r:embed="rId2"/>
-              </a:buBlip>
-            </a:pPr>
-            <a:r>
-              <a:rPr lang="en-IN" sz="2000" b="0" dirty="0" smtClean="0"/>
-              <a:t>Response is generated with </a:t>
-            </a:r>
-            <a:r>
-              <a:rPr lang="en-IN" sz="2000" b="0" dirty="0" smtClean="0">
-                <a:solidFill>
-                  <a:schemeClr val="accent4">
-                    <a:lumMod val="75000"/>
-                  </a:schemeClr>
-                </a:solidFill>
-              </a:rPr>
-              <a:t>return code </a:t>
-            </a:r>
-            <a:r>
-              <a:rPr lang="en-IN" sz="2000" b="0" dirty="0" smtClean="0"/>
-              <a:t>as </a:t>
-            </a:r>
-            <a:r>
-              <a:rPr lang="en-IN" sz="2000" b="0" dirty="0" smtClean="0">
-                <a:solidFill>
-                  <a:schemeClr val="accent4">
-                    <a:lumMod val="75000"/>
-                  </a:schemeClr>
-                </a:solidFill>
-              </a:rPr>
-              <a:t>0</a:t>
-            </a:r>
-            <a:r>
-              <a:rPr lang="en-IN" sz="2000" b="0" dirty="0" smtClean="0"/>
-              <a:t> for success.</a:t>
-            </a:r>
-            <a:endParaRPr lang="en-IN" sz="2000" b="0" dirty="0"/>
-          </a:p>
-        </p:txBody>
-      </p:sp>
-      <p:sp>
-        <p:nvSpPr>
-          <p:cNvPr id="7" name="Content Placeholder 2"/>
-          <p:cNvSpPr txBox="1">
-            <a:spLocks/>
-          </p:cNvSpPr>
-          <p:nvPr/>
-        </p:nvSpPr>
-        <p:spPr>
-          <a:xfrm>
-            <a:off x="916671" y="3512084"/>
-            <a:ext cx="10727140" cy="309304"/>
-          </a:xfrm>
-          <a:prstGeom prst="rect">
-            <a:avLst/>
-          </a:prstGeom>
-        </p:spPr>
-        <p:txBody>
-          <a:bodyPr vert="horz" lIns="0" tIns="0" rIns="0" bIns="0" rtlCol="0" anchor="t" anchorCtr="0">
-            <a:noAutofit/>
-          </a:bodyPr>
-          <a:lstStyle>
-            <a:lvl1pPr marL="0" indent="0" algn="l" defTabSz="914400" rtl="0" eaLnBrk="1" latinLnBrk="0" hangingPunct="1">
-              <a:lnSpc>
-                <a:spcPct val="90000"/>
-              </a:lnSpc>
-              <a:spcBef>
-                <a:spcPts val="1200"/>
-              </a:spcBef>
-              <a:buFont typeface="Arial" panose="020B0604020202020204" pitchFamily="34" charset="0"/>
-              <a:buNone/>
-              <a:defRPr sz="3600" b="1" kern="1200">
-                <a:solidFill>
-                  <a:schemeClr val="tx2"/>
-                </a:solidFill>
-                <a:latin typeface="+mn-lt"/>
-                <a:ea typeface="+mn-ea"/>
-                <a:cs typeface="+mn-cs"/>
-              </a:defRPr>
-            </a:lvl1pPr>
-            <a:lvl2pPr marL="0" indent="0" algn="l" defTabSz="914400" rtl="0" eaLnBrk="1" latinLnBrk="0" hangingPunct="1">
-              <a:lnSpc>
-                <a:spcPct val="90000"/>
-              </a:lnSpc>
-              <a:spcBef>
-                <a:spcPts val="1800"/>
-              </a:spcBef>
-              <a:buClr>
-                <a:schemeClr val="tx2"/>
-              </a:buClr>
-              <a:buFont typeface="Arial" panose="020B0604020202020204" pitchFamily="34" charset="0"/>
-              <a:buNone/>
-              <a:defRPr sz="1600" b="0" kern="1200">
-                <a:solidFill>
-                  <a:schemeClr val="tx2"/>
-                </a:solidFill>
-                <a:latin typeface="+mn-lt"/>
-                <a:ea typeface="+mn-ea"/>
-                <a:cs typeface="+mn-cs"/>
-              </a:defRPr>
-            </a:lvl2pPr>
-            <a:lvl3pPr marL="395288" indent="-158750" algn="l" defTabSz="914400" rtl="0" eaLnBrk="1" latinLnBrk="0" hangingPunct="1">
-              <a:lnSpc>
-                <a:spcPct val="90000"/>
-              </a:lnSpc>
-              <a:spcBef>
-                <a:spcPts val="500"/>
-              </a:spcBef>
-              <a:buClr>
-                <a:schemeClr val="tx2"/>
-              </a:buClr>
-              <a:buFont typeface="Arial" panose="020B0604020202020204" pitchFamily="34" charset="0"/>
-              <a:buChar char="–"/>
-              <a:defRPr sz="1400" kern="1200">
-                <a:solidFill>
-                  <a:schemeClr val="tx2"/>
-                </a:solidFill>
-                <a:latin typeface="+mn-lt"/>
-                <a:ea typeface="+mn-ea"/>
-                <a:cs typeface="+mn-cs"/>
-              </a:defRPr>
-            </a:lvl3pPr>
-            <a:lvl4pPr marL="587375" indent="-144463" algn="l" defTabSz="914400" rtl="0" eaLnBrk="1" latinLnBrk="0" hangingPunct="1">
-              <a:lnSpc>
-                <a:spcPct val="90000"/>
-              </a:lnSpc>
-              <a:spcBef>
-                <a:spcPts val="300"/>
-              </a:spcBef>
-              <a:buClr>
-                <a:schemeClr val="tx2"/>
-              </a:buClr>
-              <a:buFont typeface="Arial" panose="020B0604020202020204" pitchFamily="34" charset="0"/>
-              <a:buChar char="•"/>
-              <a:defRPr sz="1200" kern="1200">
-                <a:solidFill>
-                  <a:schemeClr val="tx2"/>
-                </a:solidFill>
-                <a:latin typeface="+mn-lt"/>
-                <a:ea typeface="+mn-ea"/>
-                <a:cs typeface="+mn-cs"/>
-              </a:defRPr>
-            </a:lvl4pPr>
-            <a:lvl5pPr marL="766763" indent="-153988" algn="l" defTabSz="914400" rtl="0" eaLnBrk="1" latinLnBrk="0" hangingPunct="1">
-              <a:lnSpc>
-                <a:spcPct val="90000"/>
-              </a:lnSpc>
-              <a:spcBef>
-                <a:spcPts val="300"/>
-              </a:spcBef>
-              <a:buClr>
-                <a:schemeClr val="tx2"/>
-              </a:buClr>
-              <a:buFont typeface="Arial" panose="020B0604020202020204" pitchFamily="34" charset="0"/>
-              <a:buChar char="–"/>
-              <a:defRPr sz="1200" kern="1200">
-                <a:solidFill>
-                  <a:schemeClr val="tx2"/>
-                </a:solidFill>
-                <a:latin typeface="+mn-lt"/>
-                <a:ea typeface="+mn-ea"/>
-                <a:cs typeface="+mn-cs"/>
-              </a:defRPr>
-            </a:lvl5pPr>
-            <a:lvl6pPr marL="2514600" indent="-228600" algn="l" defTabSz="914400" rtl="0" eaLnBrk="1" latinLnBrk="0" hangingPunct="1">
-              <a:lnSpc>
-                <a:spcPct val="90000"/>
-              </a:lnSpc>
-              <a:spcBef>
-                <a:spcPts val="500"/>
-              </a:spcBef>
-              <a:buFont typeface="Arial" panose="020B0604020202020204" pitchFamily="34" charset="0"/>
-              <a:buChar char="•"/>
-              <a:defRPr sz="1800" kern="1200">
-                <a:solidFill>
-                  <a:schemeClr val="tx1"/>
-                </a:solidFill>
-                <a:latin typeface="+mn-lt"/>
-                <a:ea typeface="+mn-ea"/>
-                <a:cs typeface="+mn-cs"/>
-              </a:defRPr>
-            </a:lvl6pPr>
-            <a:lvl7pPr marL="2971800" indent="-228600" algn="l" defTabSz="914400" rtl="0" eaLnBrk="1" latinLnBrk="0" hangingPunct="1">
-              <a:lnSpc>
-                <a:spcPct val="90000"/>
-              </a:lnSpc>
-              <a:spcBef>
-                <a:spcPts val="500"/>
-              </a:spcBef>
-              <a:buFont typeface="Arial" panose="020B0604020202020204" pitchFamily="34" charset="0"/>
-              <a:buChar char="•"/>
-              <a:defRPr sz="1800" kern="1200">
-                <a:solidFill>
-                  <a:schemeClr val="tx1"/>
-                </a:solidFill>
-                <a:latin typeface="+mn-lt"/>
-                <a:ea typeface="+mn-ea"/>
-                <a:cs typeface="+mn-cs"/>
-              </a:defRPr>
-            </a:lvl7pPr>
-            <a:lvl8pPr marL="3429000" indent="-228600" algn="l" defTabSz="914400" rtl="0" eaLnBrk="1" latinLnBrk="0" hangingPunct="1">
-              <a:lnSpc>
-                <a:spcPct val="90000"/>
-              </a:lnSpc>
-              <a:spcBef>
-                <a:spcPts val="500"/>
-              </a:spcBef>
-              <a:buFont typeface="Arial" panose="020B0604020202020204" pitchFamily="34" charset="0"/>
-              <a:buChar char="•"/>
-              <a:defRPr sz="1800" kern="1200">
-                <a:solidFill>
-                  <a:schemeClr val="tx1"/>
-                </a:solidFill>
-                <a:latin typeface="+mn-lt"/>
-                <a:ea typeface="+mn-ea"/>
-                <a:cs typeface="+mn-cs"/>
-              </a:defRPr>
-            </a:lvl8pPr>
-            <a:lvl9pPr marL="3886200" indent="-228600" algn="l" defTabSz="914400" rtl="0" eaLnBrk="1" latinLnBrk="0" hangingPunct="1">
-              <a:lnSpc>
-                <a:spcPct val="90000"/>
-              </a:lnSpc>
-              <a:spcBef>
-                <a:spcPts val="500"/>
-              </a:spcBef>
-              <a:buFont typeface="Arial" panose="020B0604020202020204" pitchFamily="34" charset="0"/>
-              <a:buChar char="•"/>
-              <a:defRPr sz="1800" kern="1200">
-                <a:solidFill>
-                  <a:schemeClr val="tx1"/>
-                </a:solidFill>
-                <a:latin typeface="+mn-lt"/>
-                <a:ea typeface="+mn-ea"/>
-                <a:cs typeface="+mn-cs"/>
-              </a:defRPr>
-            </a:lvl9pPr>
-          </a:lstStyle>
-          <a:p>
-            <a:pPr>
-              <a:spcBef>
-                <a:spcPts val="1500"/>
-              </a:spcBef>
-              <a:buSzPct val="150000"/>
-            </a:pPr>
-            <a:r>
-              <a:rPr lang="en-IN" sz="2000" b="0" dirty="0" smtClean="0"/>
-              <a:t> </a:t>
-            </a:r>
-            <a:r>
-              <a:rPr lang="en-IN" sz="3200" dirty="0" smtClean="0"/>
-              <a:t>Processing</a:t>
-            </a:r>
-            <a:r>
-              <a:rPr lang="en-IN" sz="2000" b="0" dirty="0" smtClean="0"/>
-              <a:t>. </a:t>
-            </a:r>
-            <a:endParaRPr lang="en-IN" sz="2000" b="0" dirty="0"/>
-          </a:p>
-        </p:txBody>
-      </p:sp>
-    </p:spTree>
-    <p:extLst>
-      <p:ext uri="{BB962C8B-B14F-4D97-AF65-F5344CB8AC3E}">
-        <p14:creationId xmlns:p14="http://schemas.microsoft.com/office/powerpoint/2010/main" val="1839648047"/>
-      </p:ext>
-    </p:extLst>
-  </p:cSld>
-  <p:clrMapOvr>
-    <a:masterClrMapping/>
-  </p:clrMapOvr>
-  <p:timing>
-    <p:tnLst>
-      <p:par>
-        <p:cTn id="1" dur="indefinite" restart="never" nodeType="tmRoot"/>
-      </p:par>
-    </p:tnLst>
-  </p:timing>
-</p:sld>
-</file>
-
-<file path=ppt/slides/slide11.xml><?xml version="1.0" encoding="utf-8"?>
-<p:sld xmlns:a="http://schemas.openxmlformats.org/drawingml/2006/main" xmlns:r="http://schemas.openxmlformats.org/officeDocument/2006/relationships" xmlns:p="http://schemas.openxmlformats.org/presentationml/2006/main">
-  <p:cSld>
-    <p:spTree>
-      <p:nvGrpSpPr>
-        <p:cNvPr id="1" name=""/>
-        <p:cNvGrpSpPr/>
-        <p:nvPr/>
-      </p:nvGrpSpPr>
-      <p:grpSpPr>
-        <a:xfrm>
-          <a:off x="0" y="0"/>
-          <a:ext cx="0" cy="0"/>
-          <a:chOff x="0" y="0"/>
-          <a:chExt cx="0" cy="0"/>
-        </a:xfrm>
-      </p:grpSpPr>
-      <p:sp>
-        <p:nvSpPr>
-          <p:cNvPr id="2" name="Text Placeholder 1"/>
-          <p:cNvSpPr>
-            <a:spLocks noGrp="1"/>
-          </p:cNvSpPr>
-          <p:nvPr>
-            <p:ph type="body" sz="quarter" idx="13"/>
-          </p:nvPr>
-        </p:nvSpPr>
-        <p:spPr>
-          <a:xfrm>
-            <a:off x="1298635" y="856825"/>
-            <a:ext cx="6139395" cy="878865"/>
-          </a:xfrm>
-        </p:spPr>
-        <p:txBody>
-          <a:bodyPr/>
-          <a:lstStyle/>
-          <a:p>
-            <a:r>
-              <a:rPr lang="en-IN" sz="4400" dirty="0" smtClean="0"/>
-              <a:t>Service Function</a:t>
-            </a:r>
-            <a:endParaRPr lang="en-IN" sz="4400" dirty="0"/>
-          </a:p>
-        </p:txBody>
-      </p:sp>
       <p:graphicFrame>
         <p:nvGraphicFramePr>
-          <p:cNvPr id="7" name="Content Placeholder 6"/>
+          <p:cNvPr id="2" name="Table 1"/>
           <p:cNvGraphicFramePr>
             <a:graphicFrameLocks noGrp="1"/>
           </p:cNvGraphicFramePr>
           <p:nvPr>
-            <p:ph idx="1"/>
             <p:extLst>
               <p:ext uri="{D42A27DB-BD31-4B8C-83A1-F6EECF244321}">
-                <p14:modId xmlns:p14="http://schemas.microsoft.com/office/powerpoint/2010/main" val="1310609883"/>
+                <p14:modId xmlns:p14="http://schemas.microsoft.com/office/powerpoint/2010/main" val="1813167394"/>
               </p:ext>
             </p:extLst>
           </p:nvPr>
         </p:nvGraphicFramePr>
         <p:xfrm>
-          <a:off x="1409700" y="2486025"/>
-          <a:ext cx="8561388" cy="3114040"/>
+          <a:off x="1647372" y="1355183"/>
+          <a:ext cx="9423060" cy="3973434"/>
         </p:xfrm>
         <a:graphic>
           <a:graphicData uri="http://schemas.openxmlformats.org/drawingml/2006/table">
@@ -4838,1479 +4158,27 @@
                 <a:tableStyleId>{5C22544A-7EE6-4342-B048-85BDC9FD1C3A}</a:tableStyleId>
               </a:tblPr>
               <a:tblGrid>
-                <a:gridCol w="2853796"/>
-                <a:gridCol w="2853796"/>
-                <a:gridCol w="2853796"/>
-              </a:tblGrid>
-              <a:tr h="370840">
-                <a:tc>
-                  <a:txBody>
-                    <a:bodyPr/>
-                    <a:lstStyle/>
-                    <a:p>
-                      <a:r>
-                        <a:rPr lang="en-IN" dirty="0" smtClean="0"/>
-                        <a:t>Buttons</a:t>
-                      </a:r>
-                      <a:endParaRPr lang="en-IN" dirty="0"/>
-                    </a:p>
-                  </a:txBody>
-                  <a:tcPr/>
-                </a:tc>
-                <a:tc>
-                  <a:txBody>
-                    <a:bodyPr/>
-                    <a:lstStyle/>
-                    <a:p>
-                      <a:r>
-                        <a:rPr lang="en-IN" dirty="0" smtClean="0"/>
-                        <a:t>Description</a:t>
-                      </a:r>
-                      <a:endParaRPr lang="en-IN" dirty="0"/>
-                    </a:p>
-                  </a:txBody>
-                  <a:tcPr/>
-                </a:tc>
-                <a:tc>
-                  <a:txBody>
-                    <a:bodyPr/>
-                    <a:lstStyle/>
-                    <a:p>
-                      <a:r>
-                        <a:rPr lang="en-IN" dirty="0" smtClean="0"/>
-                        <a:t>Function name</a:t>
-                      </a:r>
-                      <a:endParaRPr lang="en-IN" dirty="0"/>
-                    </a:p>
-                  </a:txBody>
-                  <a:tcPr/>
-                </a:tc>
-              </a:tr>
-              <a:tr h="370840">
-                <a:tc>
-                  <a:txBody>
-                    <a:bodyPr/>
-                    <a:lstStyle/>
-                    <a:p>
-                      <a:pPr marL="0" marR="0" indent="0" algn="l" defTabSz="914400" rtl="0" eaLnBrk="1" fontAlgn="auto" latinLnBrk="0" hangingPunct="1">
-                        <a:lnSpc>
-                          <a:spcPct val="100000"/>
-                        </a:lnSpc>
-                        <a:spcBef>
-                          <a:spcPts val="0"/>
-                        </a:spcBef>
-                        <a:spcAft>
-                          <a:spcPts val="0"/>
-                        </a:spcAft>
-                        <a:buClrTx/>
-                        <a:buSzTx/>
-                        <a:buFontTx/>
-                        <a:buNone/>
-                        <a:tabLst/>
-                        <a:defRPr/>
-                      </a:pPr>
-                      <a:r>
-                        <a:rPr lang="en-IN" sz="1800" b="0" i="0" u="none" strike="noStrike" kern="1200" baseline="0" dirty="0" smtClean="0">
-                          <a:solidFill>
-                            <a:schemeClr val="dk1"/>
-                          </a:solidFill>
-                          <a:latin typeface="+mn-lt"/>
-                          <a:ea typeface="+mn-ea"/>
-                          <a:cs typeface="+mn-cs"/>
-                        </a:rPr>
-                        <a:t>Save 	</a:t>
-                      </a:r>
-                    </a:p>
-                    <a:p>
-                      <a:endParaRPr lang="en-IN" dirty="0"/>
-                    </a:p>
-                  </a:txBody>
-                  <a:tcPr/>
-                </a:tc>
-                <a:tc>
-                  <a:txBody>
-                    <a:bodyPr/>
-                    <a:lstStyle/>
-                    <a:p>
-                      <a:pPr marL="0" marR="0" indent="0" algn="l" defTabSz="914400" rtl="0" eaLnBrk="1" fontAlgn="auto" latinLnBrk="0" hangingPunct="1">
-                        <a:lnSpc>
-                          <a:spcPct val="100000"/>
-                        </a:lnSpc>
-                        <a:spcBef>
-                          <a:spcPts val="0"/>
-                        </a:spcBef>
-                        <a:spcAft>
-                          <a:spcPts val="0"/>
-                        </a:spcAft>
-                        <a:buClrTx/>
-                        <a:buSzTx/>
-                        <a:buFontTx/>
-                        <a:buNone/>
-                        <a:tabLst/>
-                        <a:defRPr/>
-                      </a:pPr>
-                      <a:r>
-                        <a:rPr lang="en-IN" sz="1800" b="0" i="0" u="none" strike="noStrike" kern="1200" baseline="0" dirty="0" smtClean="0">
-                          <a:solidFill>
-                            <a:schemeClr val="dk1"/>
-                          </a:solidFill>
-                          <a:latin typeface="+mn-lt"/>
-                          <a:ea typeface="+mn-ea"/>
-                          <a:cs typeface="+mn-cs"/>
-                        </a:rPr>
-                        <a:t>Saves a new profile entry into the database 	</a:t>
-                      </a:r>
-                      <a:endParaRPr lang="en-IN" dirty="0"/>
-                    </a:p>
-                  </a:txBody>
-                  <a:tcPr/>
-                </a:tc>
-                <a:tc>
-                  <a:txBody>
-                    <a:bodyPr/>
-                    <a:lstStyle/>
-                    <a:p>
-                      <a:pPr marL="0" marR="0" indent="0" algn="l" defTabSz="914400" rtl="0" eaLnBrk="1" fontAlgn="auto" latinLnBrk="0" hangingPunct="1">
-                        <a:lnSpc>
-                          <a:spcPct val="100000"/>
-                        </a:lnSpc>
-                        <a:spcBef>
-                          <a:spcPts val="0"/>
-                        </a:spcBef>
-                        <a:spcAft>
-                          <a:spcPts val="0"/>
-                        </a:spcAft>
-                        <a:buClrTx/>
-                        <a:buSzTx/>
-                        <a:buFontTx/>
-                        <a:buNone/>
-                        <a:tabLst/>
-                        <a:defRPr/>
-                      </a:pPr>
-                      <a:r>
-                        <a:rPr lang="en-IN" sz="1800" b="0" i="0" u="none" strike="noStrike" kern="1200" baseline="0" dirty="0" err="1" smtClean="0">
-                          <a:solidFill>
-                            <a:schemeClr val="dk1"/>
-                          </a:solidFill>
-                          <a:latin typeface="+mn-lt"/>
-                          <a:ea typeface="+mn-ea"/>
-                          <a:cs typeface="+mn-cs"/>
-                        </a:rPr>
-                        <a:t>profileSave</a:t>
-                      </a:r>
-                      <a:r>
-                        <a:rPr lang="en-IN" sz="1800" b="0" i="0" u="none" strike="noStrike" kern="1200" baseline="0" dirty="0" smtClean="0">
-                          <a:solidFill>
-                            <a:schemeClr val="dk1"/>
-                          </a:solidFill>
-                          <a:latin typeface="+mn-lt"/>
-                          <a:ea typeface="+mn-ea"/>
-                          <a:cs typeface="+mn-cs"/>
-                        </a:rPr>
-                        <a:t> 	</a:t>
-                      </a:r>
-                    </a:p>
-                    <a:p>
-                      <a:endParaRPr lang="en-IN" dirty="0"/>
-                    </a:p>
-                  </a:txBody>
-                  <a:tcPr/>
-                </a:tc>
-              </a:tr>
-              <a:tr h="370840">
-                <a:tc>
-                  <a:txBody>
-                    <a:bodyPr/>
-                    <a:lstStyle/>
-                    <a:p>
-                      <a:pPr marL="0" marR="0" indent="0" algn="l" defTabSz="914400" rtl="0" eaLnBrk="1" fontAlgn="auto" latinLnBrk="0" hangingPunct="1">
-                        <a:lnSpc>
-                          <a:spcPct val="100000"/>
-                        </a:lnSpc>
-                        <a:spcBef>
-                          <a:spcPts val="0"/>
-                        </a:spcBef>
-                        <a:spcAft>
-                          <a:spcPts val="0"/>
-                        </a:spcAft>
-                        <a:buClrTx/>
-                        <a:buSzTx/>
-                        <a:buFontTx/>
-                        <a:buNone/>
-                        <a:tabLst/>
-                        <a:defRPr/>
-                      </a:pPr>
-                      <a:r>
-                        <a:rPr lang="en-IN" sz="1800" b="0" i="0" u="none" strike="noStrike" kern="1200" baseline="0" dirty="0" smtClean="0">
-                          <a:solidFill>
-                            <a:schemeClr val="dk1"/>
-                          </a:solidFill>
-                          <a:latin typeface="+mn-lt"/>
-                          <a:ea typeface="+mn-ea"/>
-                          <a:cs typeface="+mn-cs"/>
-                        </a:rPr>
-                        <a:t>Activate 	</a:t>
-                      </a:r>
-                    </a:p>
-                    <a:p>
-                      <a:endParaRPr lang="en-IN" dirty="0"/>
-                    </a:p>
-                  </a:txBody>
-                  <a:tcPr/>
-                </a:tc>
-                <a:tc>
-                  <a:txBody>
-                    <a:bodyPr/>
-                    <a:lstStyle/>
-                    <a:p>
-                      <a:pPr marL="0" marR="0" indent="0" algn="l" defTabSz="914400" rtl="0" eaLnBrk="1" fontAlgn="auto" latinLnBrk="0" hangingPunct="1">
-                        <a:lnSpc>
-                          <a:spcPct val="100000"/>
-                        </a:lnSpc>
-                        <a:spcBef>
-                          <a:spcPts val="0"/>
-                        </a:spcBef>
-                        <a:spcAft>
-                          <a:spcPts val="0"/>
-                        </a:spcAft>
-                        <a:buClrTx/>
-                        <a:buSzTx/>
-                        <a:buFontTx/>
-                        <a:buNone/>
-                        <a:tabLst/>
-                        <a:defRPr/>
-                      </a:pPr>
-                      <a:r>
-                        <a:rPr lang="en-IN" sz="1800" b="0" i="0" u="none" strike="noStrike" kern="1200" baseline="0" dirty="0" smtClean="0">
-                          <a:solidFill>
-                            <a:schemeClr val="dk1"/>
-                          </a:solidFill>
-                          <a:latin typeface="+mn-lt"/>
-                          <a:ea typeface="+mn-ea"/>
-                          <a:cs typeface="+mn-cs"/>
-                        </a:rPr>
-                        <a:t>Changes a specific status to AC (active) 	</a:t>
-                      </a:r>
-                    </a:p>
-                    <a:p>
-                      <a:pPr marL="0" marR="0" indent="0" algn="l" defTabSz="914400" rtl="0" eaLnBrk="1" fontAlgn="auto" latinLnBrk="0" hangingPunct="1">
-                        <a:lnSpc>
-                          <a:spcPct val="100000"/>
-                        </a:lnSpc>
-                        <a:spcBef>
-                          <a:spcPts val="0"/>
-                        </a:spcBef>
-                        <a:spcAft>
-                          <a:spcPts val="0"/>
-                        </a:spcAft>
-                        <a:buClrTx/>
-                        <a:buSzTx/>
-                        <a:buFontTx/>
-                        <a:buNone/>
-                        <a:tabLst/>
-                        <a:defRPr/>
-                      </a:pPr>
-                      <a:endParaRPr lang="en-IN" dirty="0"/>
-                    </a:p>
-                  </a:txBody>
-                  <a:tcPr/>
-                </a:tc>
-                <a:tc>
-                  <a:txBody>
-                    <a:bodyPr/>
-                    <a:lstStyle/>
-                    <a:p>
-                      <a:pPr marL="0" marR="0" indent="0" algn="l" defTabSz="914400" rtl="0" eaLnBrk="1" fontAlgn="auto" latinLnBrk="0" hangingPunct="1">
-                        <a:lnSpc>
-                          <a:spcPct val="100000"/>
-                        </a:lnSpc>
-                        <a:spcBef>
-                          <a:spcPts val="0"/>
-                        </a:spcBef>
-                        <a:spcAft>
-                          <a:spcPts val="0"/>
-                        </a:spcAft>
-                        <a:buClrTx/>
-                        <a:buSzTx/>
-                        <a:buFontTx/>
-                        <a:buNone/>
-                        <a:tabLst/>
-                        <a:defRPr/>
-                      </a:pPr>
-                      <a:r>
-                        <a:rPr lang="en-IN" sz="1800" b="0" i="0" u="none" strike="noStrike" kern="1200" baseline="0" dirty="0" err="1" smtClean="0">
-                          <a:solidFill>
-                            <a:schemeClr val="dk1"/>
-                          </a:solidFill>
-                          <a:latin typeface="+mn-lt"/>
-                          <a:ea typeface="+mn-ea"/>
-                          <a:cs typeface="+mn-cs"/>
-                        </a:rPr>
-                        <a:t>profileActivate</a:t>
-                      </a:r>
-                      <a:r>
-                        <a:rPr lang="en-IN" sz="1800" b="0" i="0" u="none" strike="noStrike" kern="1200" baseline="0" dirty="0" smtClean="0">
-                          <a:solidFill>
-                            <a:schemeClr val="dk1"/>
-                          </a:solidFill>
-                          <a:latin typeface="+mn-lt"/>
-                          <a:ea typeface="+mn-ea"/>
-                          <a:cs typeface="+mn-cs"/>
-                        </a:rPr>
-                        <a:t> 	</a:t>
-                      </a:r>
-                    </a:p>
-                    <a:p>
-                      <a:endParaRPr lang="en-IN" dirty="0"/>
-                    </a:p>
-                  </a:txBody>
-                  <a:tcPr/>
-                </a:tc>
-              </a:tr>
-              <a:tr h="370840">
-                <a:tc>
-                  <a:txBody>
-                    <a:bodyPr/>
-                    <a:lstStyle/>
-                    <a:p>
-                      <a:pPr marL="0" marR="0" indent="0" algn="l" defTabSz="914400" rtl="0" eaLnBrk="1" fontAlgn="auto" latinLnBrk="0" hangingPunct="1">
-                        <a:lnSpc>
-                          <a:spcPct val="100000"/>
-                        </a:lnSpc>
-                        <a:spcBef>
-                          <a:spcPts val="0"/>
-                        </a:spcBef>
-                        <a:spcAft>
-                          <a:spcPts val="0"/>
-                        </a:spcAft>
-                        <a:buClrTx/>
-                        <a:buSzTx/>
-                        <a:buFontTx/>
-                        <a:buNone/>
-                        <a:tabLst/>
-                        <a:defRPr/>
-                      </a:pPr>
-                      <a:r>
-                        <a:rPr lang="en-IN" sz="1800" b="0" i="0" u="none" strike="noStrike" kern="1200" baseline="0" dirty="0" smtClean="0">
-                          <a:solidFill>
-                            <a:schemeClr val="dk1"/>
-                          </a:solidFill>
-                          <a:latin typeface="+mn-lt"/>
-                          <a:ea typeface="+mn-ea"/>
-                          <a:cs typeface="+mn-cs"/>
-                        </a:rPr>
-                        <a:t>Delete 	</a:t>
-                      </a:r>
-                    </a:p>
-                    <a:p>
-                      <a:endParaRPr lang="en-IN" dirty="0"/>
-                    </a:p>
-                  </a:txBody>
-                  <a:tcPr/>
-                </a:tc>
-                <a:tc>
-                  <a:txBody>
-                    <a:bodyPr/>
-                    <a:lstStyle/>
-                    <a:p>
-                      <a:pPr marL="0" marR="0" indent="0" algn="l" defTabSz="914400" rtl="0" eaLnBrk="1" fontAlgn="auto" latinLnBrk="0" hangingPunct="1">
-                        <a:lnSpc>
-                          <a:spcPct val="100000"/>
-                        </a:lnSpc>
-                        <a:spcBef>
-                          <a:spcPts val="0"/>
-                        </a:spcBef>
-                        <a:spcAft>
-                          <a:spcPts val="0"/>
-                        </a:spcAft>
-                        <a:buClrTx/>
-                        <a:buSzTx/>
-                        <a:buFontTx/>
-                        <a:buNone/>
-                        <a:tabLst/>
-                        <a:defRPr/>
-                      </a:pPr>
-                      <a:r>
-                        <a:rPr lang="en-IN" sz="1800" b="0" i="0" u="none" strike="noStrike" kern="1200" baseline="0" dirty="0" smtClean="0">
-                          <a:solidFill>
-                            <a:schemeClr val="dk1"/>
-                          </a:solidFill>
-                          <a:latin typeface="+mn-lt"/>
-                          <a:ea typeface="+mn-ea"/>
-                          <a:cs typeface="+mn-cs"/>
-                        </a:rPr>
-                        <a:t>Deletes (soft delete: set status to DL) a specific entry 	</a:t>
-                      </a:r>
-                    </a:p>
-                    <a:p>
-                      <a:pPr marL="0" marR="0" indent="0" algn="l" defTabSz="914400" rtl="0" eaLnBrk="1" fontAlgn="auto" latinLnBrk="0" hangingPunct="1">
-                        <a:lnSpc>
-                          <a:spcPct val="100000"/>
-                        </a:lnSpc>
-                        <a:spcBef>
-                          <a:spcPts val="0"/>
-                        </a:spcBef>
-                        <a:spcAft>
-                          <a:spcPts val="0"/>
-                        </a:spcAft>
-                        <a:buClrTx/>
-                        <a:buSzTx/>
-                        <a:buFontTx/>
-                        <a:buNone/>
-                        <a:tabLst/>
-                        <a:defRPr/>
-                      </a:pPr>
-                      <a:endParaRPr lang="en-IN" dirty="0"/>
-                    </a:p>
-                  </a:txBody>
-                  <a:tcPr/>
-                </a:tc>
-                <a:tc>
-                  <a:txBody>
-                    <a:bodyPr/>
-                    <a:lstStyle/>
-                    <a:p>
-                      <a:pPr marL="0" marR="0" indent="0" algn="l" defTabSz="914400" rtl="0" eaLnBrk="1" fontAlgn="auto" latinLnBrk="0" hangingPunct="1">
-                        <a:lnSpc>
-                          <a:spcPct val="100000"/>
-                        </a:lnSpc>
-                        <a:spcBef>
-                          <a:spcPts val="0"/>
-                        </a:spcBef>
-                        <a:spcAft>
-                          <a:spcPts val="0"/>
-                        </a:spcAft>
-                        <a:buClrTx/>
-                        <a:buSzTx/>
-                        <a:buFontTx/>
-                        <a:buNone/>
-                        <a:tabLst/>
-                        <a:defRPr/>
-                      </a:pPr>
-                      <a:r>
-                        <a:rPr lang="en-IN" sz="1800" b="0" i="0" u="none" strike="noStrike" kern="1200" baseline="0" dirty="0" err="1" smtClean="0">
-                          <a:solidFill>
-                            <a:schemeClr val="dk1"/>
-                          </a:solidFill>
-                          <a:latin typeface="+mn-lt"/>
-                          <a:ea typeface="+mn-ea"/>
-                          <a:cs typeface="+mn-cs"/>
-                        </a:rPr>
-                        <a:t>profileDelete</a:t>
-                      </a:r>
-                      <a:r>
-                        <a:rPr lang="en-IN" sz="1800" b="0" i="0" u="none" strike="noStrike" kern="1200" baseline="0" dirty="0" smtClean="0">
-                          <a:solidFill>
-                            <a:schemeClr val="dk1"/>
-                          </a:solidFill>
-                          <a:latin typeface="+mn-lt"/>
-                          <a:ea typeface="+mn-ea"/>
-                          <a:cs typeface="+mn-cs"/>
-                        </a:rPr>
-                        <a:t> 	</a:t>
-                      </a:r>
-                    </a:p>
-                    <a:p>
-                      <a:endParaRPr lang="en-IN" dirty="0"/>
-                    </a:p>
-                  </a:txBody>
-                  <a:tcPr/>
-                </a:tc>
-              </a:tr>
-            </a:tbl>
-          </a:graphicData>
-        </a:graphic>
-      </p:graphicFrame>
-      <p:sp>
-        <p:nvSpPr>
-          <p:cNvPr id="4" name="Date Placeholder 3"/>
-          <p:cNvSpPr>
-            <a:spLocks noGrp="1"/>
-          </p:cNvSpPr>
-          <p:nvPr>
-            <p:ph type="dt" sz="half" idx="10"/>
-          </p:nvPr>
-        </p:nvSpPr>
-        <p:spPr/>
-        <p:txBody>
-          <a:bodyPr/>
-          <a:lstStyle/>
-          <a:p>
-            <a:fld id="{4FAE0867-24A8-448F-B507-CC8586AA6B96}" type="datetime4">
-              <a:rPr lang="en-GB" smtClean="0"/>
-              <a:t>09 February 2018</a:t>
-            </a:fld>
-            <a:endParaRPr lang="en-GB" dirty="0"/>
-          </a:p>
-        </p:txBody>
-      </p:sp>
-      <p:sp>
-        <p:nvSpPr>
-          <p:cNvPr id="5" name="Slide Number Placeholder 4"/>
-          <p:cNvSpPr>
-            <a:spLocks noGrp="1"/>
-          </p:cNvSpPr>
-          <p:nvPr>
-            <p:ph type="sldNum" sz="quarter" idx="12"/>
-          </p:nvPr>
-        </p:nvSpPr>
-        <p:spPr/>
-        <p:txBody>
-          <a:bodyPr/>
-          <a:lstStyle/>
-          <a:p>
-            <a:fld id="{04095909-DC86-4C28-AD6E-431C997D4893}" type="slidenum">
-              <a:rPr lang="en-GB" smtClean="0"/>
-              <a:pPr/>
-              <a:t>11</a:t>
-            </a:fld>
-            <a:endParaRPr lang="en-GB" dirty="0"/>
-          </a:p>
-        </p:txBody>
-      </p:sp>
-      <p:sp>
-        <p:nvSpPr>
-          <p:cNvPr id="8" name="Rectangle 7"/>
-          <p:cNvSpPr/>
-          <p:nvPr/>
-        </p:nvSpPr>
-        <p:spPr>
-          <a:xfrm>
-            <a:off x="828604" y="1833404"/>
-            <a:ext cx="9120187" cy="341632"/>
-          </a:xfrm>
-          <a:prstGeom prst="rect">
-            <a:avLst/>
-          </a:prstGeom>
-          <a:ln w="15875" cap="sq" cmpd="sng">
-            <a:noFill/>
-            <a:bevel/>
-          </a:ln>
-        </p:spPr>
-        <p:txBody>
-          <a:bodyPr wrap="square">
-            <a:spAutoFit/>
-          </a:bodyPr>
-          <a:lstStyle/>
-          <a:p>
-            <a:pPr>
-              <a:lnSpc>
-                <a:spcPct val="90000"/>
-              </a:lnSpc>
-              <a:spcBef>
-                <a:spcPts val="1500"/>
-              </a:spcBef>
-              <a:buSzPct val="150000"/>
-            </a:pPr>
-            <a:r>
-              <a:rPr lang="en-IN" dirty="0"/>
-              <a:t>This table includes the </a:t>
-            </a:r>
-            <a:r>
-              <a:rPr lang="en-IN" dirty="0" smtClean="0"/>
-              <a:t>important functions </a:t>
-            </a:r>
-            <a:r>
-              <a:rPr lang="en-IN" dirty="0"/>
-              <a:t>(Static Data Actions) support by this service. </a:t>
-            </a:r>
-            <a:endParaRPr lang="en-US" dirty="0" smtClean="0">
-              <a:solidFill>
-                <a:schemeClr val="tx2"/>
-              </a:solidFill>
-            </a:endParaRPr>
-          </a:p>
-        </p:txBody>
-      </p:sp>
-    </p:spTree>
-    <p:extLst>
-      <p:ext uri="{BB962C8B-B14F-4D97-AF65-F5344CB8AC3E}">
-        <p14:creationId xmlns:p14="http://schemas.microsoft.com/office/powerpoint/2010/main" val="3944211669"/>
-      </p:ext>
-    </p:extLst>
-  </p:cSld>
-  <p:clrMapOvr>
-    <a:masterClrMapping/>
-  </p:clrMapOvr>
-  <p:timing>
-    <p:tnLst>
-      <p:par>
-        <p:cTn id="1" dur="indefinite" restart="never" nodeType="tmRoot"/>
-      </p:par>
-    </p:tnLst>
-  </p:timing>
-</p:sld>
-</file>
-
-<file path=ppt/slides/slide12.xml><?xml version="1.0" encoding="utf-8"?>
-<p:sld xmlns:a="http://schemas.openxmlformats.org/drawingml/2006/main" xmlns:r="http://schemas.openxmlformats.org/officeDocument/2006/relationships" xmlns:p="http://schemas.openxmlformats.org/presentationml/2006/main">
-  <p:cSld>
-    <p:spTree>
-      <p:nvGrpSpPr>
-        <p:cNvPr id="1" name=""/>
-        <p:cNvGrpSpPr/>
-        <p:nvPr/>
-      </p:nvGrpSpPr>
-      <p:grpSpPr>
-        <a:xfrm>
-          <a:off x="0" y="0"/>
-          <a:ext cx="0" cy="0"/>
-          <a:chOff x="0" y="0"/>
-          <a:chExt cx="0" cy="0"/>
-        </a:xfrm>
-      </p:grpSpPr>
-      <p:sp>
-        <p:nvSpPr>
-          <p:cNvPr id="2" name="Text Placeholder 1"/>
-          <p:cNvSpPr>
-            <a:spLocks noGrp="1"/>
-          </p:cNvSpPr>
-          <p:nvPr>
-            <p:ph type="body" sz="quarter" idx="13"/>
-          </p:nvPr>
-        </p:nvSpPr>
-        <p:spPr>
-          <a:xfrm>
-            <a:off x="1284987" y="2262553"/>
-            <a:ext cx="9292028" cy="3264790"/>
-          </a:xfrm>
-        </p:spPr>
-        <p:txBody>
-          <a:bodyPr/>
-          <a:lstStyle/>
-          <a:p>
-            <a:r>
-              <a:rPr lang="en-IN" sz="6600" dirty="0">
-                <a:solidFill>
-                  <a:schemeClr val="tx1">
-                    <a:lumMod val="75000"/>
-                    <a:lumOff val="25000"/>
-                  </a:schemeClr>
-                </a:solidFill>
-              </a:rPr>
-              <a:t>Profile List Service</a:t>
-            </a:r>
-          </a:p>
-        </p:txBody>
-      </p:sp>
-      <p:sp>
-        <p:nvSpPr>
-          <p:cNvPr id="4" name="Date Placeholder 3"/>
-          <p:cNvSpPr>
-            <a:spLocks noGrp="1"/>
-          </p:cNvSpPr>
-          <p:nvPr>
-            <p:ph type="dt" sz="half" idx="10"/>
-          </p:nvPr>
-        </p:nvSpPr>
-        <p:spPr/>
-        <p:txBody>
-          <a:bodyPr/>
-          <a:lstStyle/>
-          <a:p>
-            <a:fld id="{4FAE0867-24A8-448F-B507-CC8586AA6B96}" type="datetime4">
-              <a:rPr lang="en-GB" smtClean="0"/>
-              <a:t>09 February 2018</a:t>
-            </a:fld>
-            <a:endParaRPr lang="en-GB" dirty="0"/>
-          </a:p>
-        </p:txBody>
-      </p:sp>
-      <p:sp>
-        <p:nvSpPr>
-          <p:cNvPr id="5" name="Slide Number Placeholder 4"/>
-          <p:cNvSpPr>
-            <a:spLocks noGrp="1"/>
-          </p:cNvSpPr>
-          <p:nvPr>
-            <p:ph type="sldNum" sz="quarter" idx="12"/>
-          </p:nvPr>
-        </p:nvSpPr>
-        <p:spPr/>
-        <p:txBody>
-          <a:bodyPr/>
-          <a:lstStyle/>
-          <a:p>
-            <a:fld id="{04095909-DC86-4C28-AD6E-431C997D4893}" type="slidenum">
-              <a:rPr lang="en-GB" smtClean="0"/>
-              <a:pPr/>
-              <a:t>12</a:t>
-            </a:fld>
-            <a:endParaRPr lang="en-GB" dirty="0"/>
-          </a:p>
-        </p:txBody>
-      </p:sp>
-    </p:spTree>
-    <p:extLst>
-      <p:ext uri="{BB962C8B-B14F-4D97-AF65-F5344CB8AC3E}">
-        <p14:creationId xmlns:p14="http://schemas.microsoft.com/office/powerpoint/2010/main" val="47757349"/>
-      </p:ext>
-    </p:extLst>
-  </p:cSld>
-  <p:clrMapOvr>
-    <a:masterClrMapping/>
-  </p:clrMapOvr>
-  <p:timing>
-    <p:tnLst>
-      <p:par>
-        <p:cTn id="1" dur="indefinite" restart="never" nodeType="tmRoot"/>
-      </p:par>
-    </p:tnLst>
-  </p:timing>
-</p:sld>
-</file>
-
-<file path=ppt/slides/slide13.xml><?xml version="1.0" encoding="utf-8"?>
-<p:sld xmlns:a="http://schemas.openxmlformats.org/drawingml/2006/main" xmlns:r="http://schemas.openxmlformats.org/officeDocument/2006/relationships" xmlns:p="http://schemas.openxmlformats.org/presentationml/2006/main">
-  <p:cSld>
-    <p:spTree>
-      <p:nvGrpSpPr>
-        <p:cNvPr id="1" name=""/>
-        <p:cNvGrpSpPr/>
-        <p:nvPr/>
-      </p:nvGrpSpPr>
-      <p:grpSpPr>
-        <a:xfrm>
-          <a:off x="0" y="0"/>
-          <a:ext cx="0" cy="0"/>
-          <a:chOff x="0" y="0"/>
-          <a:chExt cx="0" cy="0"/>
-        </a:xfrm>
-      </p:grpSpPr>
-      <p:sp>
-        <p:nvSpPr>
-          <p:cNvPr id="3" name="Content Placeholder 2"/>
-          <p:cNvSpPr>
-            <a:spLocks noGrp="1"/>
-          </p:cNvSpPr>
-          <p:nvPr>
-            <p:ph idx="1"/>
-          </p:nvPr>
-        </p:nvSpPr>
-        <p:spPr>
-          <a:xfrm>
-            <a:off x="955343" y="1296539"/>
-            <a:ext cx="10727140" cy="1241946"/>
-          </a:xfrm>
-        </p:spPr>
-        <p:txBody>
-          <a:bodyPr/>
-          <a:lstStyle/>
-          <a:p>
-            <a:pPr marL="411163" indent="-411163">
-              <a:spcBef>
-                <a:spcPts val="1500"/>
-              </a:spcBef>
-              <a:buSzPct val="150000"/>
-              <a:buBlip>
-                <a:blip r:embed="rId2"/>
-              </a:buBlip>
-            </a:pPr>
-            <a:r>
-              <a:rPr lang="en-IN" sz="2400" b="0" dirty="0"/>
-              <a:t>The </a:t>
-            </a:r>
-            <a:r>
-              <a:rPr lang="en-IN" sz="2400" b="0" dirty="0" smtClean="0"/>
-              <a:t>Profile </a:t>
-            </a:r>
-            <a:r>
-              <a:rPr lang="en-IN" sz="2400" b="0" dirty="0"/>
-              <a:t>List service enables a third party application to retrieve any related reference data (also known as profiles in GPP) by providing a set of query </a:t>
-            </a:r>
-            <a:r>
-              <a:rPr lang="en-IN" sz="2400" b="0" dirty="0" smtClean="0"/>
-              <a:t>criteria.</a:t>
-            </a:r>
-          </a:p>
-        </p:txBody>
-      </p:sp>
-      <p:sp>
-        <p:nvSpPr>
-          <p:cNvPr id="4" name="Date Placeholder 3"/>
-          <p:cNvSpPr>
-            <a:spLocks noGrp="1"/>
-          </p:cNvSpPr>
-          <p:nvPr>
-            <p:ph type="dt" sz="half" idx="10"/>
-          </p:nvPr>
-        </p:nvSpPr>
-        <p:spPr/>
-        <p:txBody>
-          <a:bodyPr/>
-          <a:lstStyle/>
-          <a:p>
-            <a:fld id="{4FAE0867-24A8-448F-B507-CC8586AA6B96}" type="datetime4">
-              <a:rPr lang="en-GB" smtClean="0"/>
-              <a:t>09 February 2018</a:t>
-            </a:fld>
-            <a:endParaRPr lang="en-GB" dirty="0"/>
-          </a:p>
-        </p:txBody>
-      </p:sp>
-      <p:sp>
-        <p:nvSpPr>
-          <p:cNvPr id="5" name="Slide Number Placeholder 4"/>
-          <p:cNvSpPr>
-            <a:spLocks noGrp="1"/>
-          </p:cNvSpPr>
-          <p:nvPr>
-            <p:ph type="sldNum" sz="quarter" idx="12"/>
-          </p:nvPr>
-        </p:nvSpPr>
-        <p:spPr/>
-        <p:txBody>
-          <a:bodyPr/>
-          <a:lstStyle/>
-          <a:p>
-            <a:fld id="{04095909-DC86-4C28-AD6E-431C997D4893}" type="slidenum">
-              <a:rPr lang="en-GB" smtClean="0"/>
-              <a:pPr/>
-              <a:t>13</a:t>
-            </a:fld>
-            <a:endParaRPr lang="en-GB" dirty="0"/>
-          </a:p>
-        </p:txBody>
-      </p:sp>
-      <p:sp>
-        <p:nvSpPr>
-          <p:cNvPr id="6" name="Content Placeholder 2"/>
-          <p:cNvSpPr txBox="1">
-            <a:spLocks/>
-          </p:cNvSpPr>
-          <p:nvPr/>
-        </p:nvSpPr>
-        <p:spPr>
-          <a:xfrm>
-            <a:off x="1518307" y="4030729"/>
-            <a:ext cx="9523867" cy="2110764"/>
-          </a:xfrm>
-          <a:prstGeom prst="rect">
-            <a:avLst/>
-          </a:prstGeom>
-        </p:spPr>
-        <p:txBody>
-          <a:bodyPr vert="horz" lIns="0" tIns="0" rIns="0" bIns="0" rtlCol="0" anchor="t" anchorCtr="0">
-            <a:noAutofit/>
-          </a:bodyPr>
-          <a:lstStyle>
-            <a:lvl1pPr marL="0" indent="0" algn="l" defTabSz="914400" rtl="0" eaLnBrk="1" latinLnBrk="0" hangingPunct="1">
-              <a:lnSpc>
-                <a:spcPct val="90000"/>
-              </a:lnSpc>
-              <a:spcBef>
-                <a:spcPts val="1200"/>
-              </a:spcBef>
-              <a:buFont typeface="Arial" panose="020B0604020202020204" pitchFamily="34" charset="0"/>
-              <a:buNone/>
-              <a:defRPr sz="3600" b="1" kern="1200">
-                <a:solidFill>
-                  <a:schemeClr val="tx2"/>
-                </a:solidFill>
-                <a:latin typeface="+mn-lt"/>
-                <a:ea typeface="+mn-ea"/>
-                <a:cs typeface="+mn-cs"/>
-              </a:defRPr>
-            </a:lvl1pPr>
-            <a:lvl2pPr marL="0" indent="0" algn="l" defTabSz="914400" rtl="0" eaLnBrk="1" latinLnBrk="0" hangingPunct="1">
-              <a:lnSpc>
-                <a:spcPct val="90000"/>
-              </a:lnSpc>
-              <a:spcBef>
-                <a:spcPts val="1800"/>
-              </a:spcBef>
-              <a:buClr>
-                <a:schemeClr val="tx2"/>
-              </a:buClr>
-              <a:buFont typeface="Arial" panose="020B0604020202020204" pitchFamily="34" charset="0"/>
-              <a:buNone/>
-              <a:defRPr sz="1600" b="0" kern="1200">
-                <a:solidFill>
-                  <a:schemeClr val="tx2"/>
-                </a:solidFill>
-                <a:latin typeface="+mn-lt"/>
-                <a:ea typeface="+mn-ea"/>
-                <a:cs typeface="+mn-cs"/>
-              </a:defRPr>
-            </a:lvl2pPr>
-            <a:lvl3pPr marL="395288" indent="-158750" algn="l" defTabSz="914400" rtl="0" eaLnBrk="1" latinLnBrk="0" hangingPunct="1">
-              <a:lnSpc>
-                <a:spcPct val="90000"/>
-              </a:lnSpc>
-              <a:spcBef>
-                <a:spcPts val="500"/>
-              </a:spcBef>
-              <a:buClr>
-                <a:schemeClr val="tx2"/>
-              </a:buClr>
-              <a:buFont typeface="Arial" panose="020B0604020202020204" pitchFamily="34" charset="0"/>
-              <a:buChar char="–"/>
-              <a:defRPr sz="1400" kern="1200">
-                <a:solidFill>
-                  <a:schemeClr val="tx2"/>
-                </a:solidFill>
-                <a:latin typeface="+mn-lt"/>
-                <a:ea typeface="+mn-ea"/>
-                <a:cs typeface="+mn-cs"/>
-              </a:defRPr>
-            </a:lvl3pPr>
-            <a:lvl4pPr marL="587375" indent="-144463" algn="l" defTabSz="914400" rtl="0" eaLnBrk="1" latinLnBrk="0" hangingPunct="1">
-              <a:lnSpc>
-                <a:spcPct val="90000"/>
-              </a:lnSpc>
-              <a:spcBef>
-                <a:spcPts val="300"/>
-              </a:spcBef>
-              <a:buClr>
-                <a:schemeClr val="tx2"/>
-              </a:buClr>
-              <a:buFont typeface="Arial" panose="020B0604020202020204" pitchFamily="34" charset="0"/>
-              <a:buChar char="•"/>
-              <a:defRPr sz="1200" kern="1200">
-                <a:solidFill>
-                  <a:schemeClr val="tx2"/>
-                </a:solidFill>
-                <a:latin typeface="+mn-lt"/>
-                <a:ea typeface="+mn-ea"/>
-                <a:cs typeface="+mn-cs"/>
-              </a:defRPr>
-            </a:lvl4pPr>
-            <a:lvl5pPr marL="766763" indent="-153988" algn="l" defTabSz="914400" rtl="0" eaLnBrk="1" latinLnBrk="0" hangingPunct="1">
-              <a:lnSpc>
-                <a:spcPct val="90000"/>
-              </a:lnSpc>
-              <a:spcBef>
-                <a:spcPts val="300"/>
-              </a:spcBef>
-              <a:buClr>
-                <a:schemeClr val="tx2"/>
-              </a:buClr>
-              <a:buFont typeface="Arial" panose="020B0604020202020204" pitchFamily="34" charset="0"/>
-              <a:buChar char="–"/>
-              <a:defRPr sz="1200" kern="1200">
-                <a:solidFill>
-                  <a:schemeClr val="tx2"/>
-                </a:solidFill>
-                <a:latin typeface="+mn-lt"/>
-                <a:ea typeface="+mn-ea"/>
-                <a:cs typeface="+mn-cs"/>
-              </a:defRPr>
-            </a:lvl5pPr>
-            <a:lvl6pPr marL="2514600" indent="-228600" algn="l" defTabSz="914400" rtl="0" eaLnBrk="1" latinLnBrk="0" hangingPunct="1">
-              <a:lnSpc>
-                <a:spcPct val="90000"/>
-              </a:lnSpc>
-              <a:spcBef>
-                <a:spcPts val="500"/>
-              </a:spcBef>
-              <a:buFont typeface="Arial" panose="020B0604020202020204" pitchFamily="34" charset="0"/>
-              <a:buChar char="•"/>
-              <a:defRPr sz="1800" kern="1200">
-                <a:solidFill>
-                  <a:schemeClr val="tx1"/>
-                </a:solidFill>
-                <a:latin typeface="+mn-lt"/>
-                <a:ea typeface="+mn-ea"/>
-                <a:cs typeface="+mn-cs"/>
-              </a:defRPr>
-            </a:lvl6pPr>
-            <a:lvl7pPr marL="2971800" indent="-228600" algn="l" defTabSz="914400" rtl="0" eaLnBrk="1" latinLnBrk="0" hangingPunct="1">
-              <a:lnSpc>
-                <a:spcPct val="90000"/>
-              </a:lnSpc>
-              <a:spcBef>
-                <a:spcPts val="500"/>
-              </a:spcBef>
-              <a:buFont typeface="Arial" panose="020B0604020202020204" pitchFamily="34" charset="0"/>
-              <a:buChar char="•"/>
-              <a:defRPr sz="1800" kern="1200">
-                <a:solidFill>
-                  <a:schemeClr val="tx1"/>
-                </a:solidFill>
-                <a:latin typeface="+mn-lt"/>
-                <a:ea typeface="+mn-ea"/>
-                <a:cs typeface="+mn-cs"/>
-              </a:defRPr>
-            </a:lvl7pPr>
-            <a:lvl8pPr marL="3429000" indent="-228600" algn="l" defTabSz="914400" rtl="0" eaLnBrk="1" latinLnBrk="0" hangingPunct="1">
-              <a:lnSpc>
-                <a:spcPct val="90000"/>
-              </a:lnSpc>
-              <a:spcBef>
-                <a:spcPts val="500"/>
-              </a:spcBef>
-              <a:buFont typeface="Arial" panose="020B0604020202020204" pitchFamily="34" charset="0"/>
-              <a:buChar char="•"/>
-              <a:defRPr sz="1800" kern="1200">
-                <a:solidFill>
-                  <a:schemeClr val="tx1"/>
-                </a:solidFill>
-                <a:latin typeface="+mn-lt"/>
-                <a:ea typeface="+mn-ea"/>
-                <a:cs typeface="+mn-cs"/>
-              </a:defRPr>
-            </a:lvl8pPr>
-            <a:lvl9pPr marL="3886200" indent="-228600" algn="l" defTabSz="914400" rtl="0" eaLnBrk="1" latinLnBrk="0" hangingPunct="1">
-              <a:lnSpc>
-                <a:spcPct val="90000"/>
-              </a:lnSpc>
-              <a:spcBef>
-                <a:spcPts val="500"/>
-              </a:spcBef>
-              <a:buFont typeface="Arial" panose="020B0604020202020204" pitchFamily="34" charset="0"/>
-              <a:buChar char="•"/>
-              <a:defRPr sz="1800" kern="1200">
-                <a:solidFill>
-                  <a:schemeClr val="tx1"/>
-                </a:solidFill>
-                <a:latin typeface="+mn-lt"/>
-                <a:ea typeface="+mn-ea"/>
-                <a:cs typeface="+mn-cs"/>
-              </a:defRPr>
-            </a:lvl9pPr>
-          </a:lstStyle>
-          <a:p>
-            <a:pPr marL="411163" indent="-411163">
-              <a:spcBef>
-                <a:spcPts val="1500"/>
-              </a:spcBef>
-              <a:buSzPct val="150000"/>
-              <a:buBlip>
-                <a:blip r:embed="rId2"/>
-              </a:buBlip>
-            </a:pPr>
-            <a:r>
-              <a:rPr lang="en-IN" sz="2000" b="0" dirty="0"/>
-              <a:t>The input parameters are validated. </a:t>
-            </a:r>
-          </a:p>
-          <a:p>
-            <a:pPr marL="411163" indent="-411163">
-              <a:spcBef>
-                <a:spcPts val="1500"/>
-              </a:spcBef>
-              <a:buSzPct val="150000"/>
-              <a:buBlip>
-                <a:blip r:embed="rId2"/>
-              </a:buBlip>
-            </a:pPr>
-            <a:r>
-              <a:rPr lang="en-IN" sz="2000" b="0" dirty="0"/>
-              <a:t>Required columns are checked. If a column is not found </a:t>
-            </a:r>
-            <a:r>
-              <a:rPr lang="en-IN" sz="2000" b="0" dirty="0" smtClean="0"/>
-              <a:t>in the </a:t>
-            </a:r>
-            <a:r>
-              <a:rPr lang="en-IN" sz="2000" b="0" dirty="0"/>
-              <a:t>database, it is ignored and a relevant log entry is made in </a:t>
-            </a:r>
-            <a:r>
-              <a:rPr lang="en-IN" sz="2000" b="0" dirty="0" err="1"/>
-              <a:t>nonExistCols</a:t>
-            </a:r>
-            <a:r>
-              <a:rPr lang="en-IN" sz="2000" b="0" dirty="0" smtClean="0"/>
-              <a:t>.</a:t>
-            </a:r>
-          </a:p>
-          <a:p>
-            <a:pPr marL="411163" indent="-411163">
-              <a:spcBef>
-                <a:spcPts val="1500"/>
-              </a:spcBef>
-              <a:buSzPct val="150000"/>
-              <a:buBlip>
-                <a:blip r:embed="rId2"/>
-              </a:buBlip>
-            </a:pPr>
-            <a:r>
-              <a:rPr lang="en-IN" sz="2000" b="0" dirty="0"/>
-              <a:t>Profile query is generated</a:t>
-            </a:r>
-            <a:r>
-              <a:rPr lang="en-IN" sz="2000" b="0" dirty="0" smtClean="0"/>
-              <a:t>.</a:t>
-            </a:r>
-          </a:p>
-          <a:p>
-            <a:pPr marL="411163" indent="-411163">
-              <a:spcBef>
-                <a:spcPts val="1500"/>
-              </a:spcBef>
-              <a:buSzPct val="150000"/>
-              <a:buBlip>
-                <a:blip r:embed="rId2"/>
-              </a:buBlip>
-            </a:pPr>
-            <a:r>
-              <a:rPr lang="en-IN" sz="2000" b="0" dirty="0"/>
-              <a:t>Results are returned</a:t>
-            </a:r>
-          </a:p>
-        </p:txBody>
-      </p:sp>
-      <p:sp>
-        <p:nvSpPr>
-          <p:cNvPr id="7" name="Content Placeholder 2"/>
-          <p:cNvSpPr txBox="1">
-            <a:spLocks/>
-          </p:cNvSpPr>
-          <p:nvPr/>
-        </p:nvSpPr>
-        <p:spPr>
-          <a:xfrm>
-            <a:off x="916671" y="3375604"/>
-            <a:ext cx="10727140" cy="309304"/>
-          </a:xfrm>
-          <a:prstGeom prst="rect">
-            <a:avLst/>
-          </a:prstGeom>
-        </p:spPr>
-        <p:txBody>
-          <a:bodyPr vert="horz" lIns="0" tIns="0" rIns="0" bIns="0" rtlCol="0" anchor="t" anchorCtr="0">
-            <a:noAutofit/>
-          </a:bodyPr>
-          <a:lstStyle>
-            <a:lvl1pPr marL="0" indent="0" algn="l" defTabSz="914400" rtl="0" eaLnBrk="1" latinLnBrk="0" hangingPunct="1">
-              <a:lnSpc>
-                <a:spcPct val="90000"/>
-              </a:lnSpc>
-              <a:spcBef>
-                <a:spcPts val="1200"/>
-              </a:spcBef>
-              <a:buFont typeface="Arial" panose="020B0604020202020204" pitchFamily="34" charset="0"/>
-              <a:buNone/>
-              <a:defRPr sz="3600" b="1" kern="1200">
-                <a:solidFill>
-                  <a:schemeClr val="tx2"/>
-                </a:solidFill>
-                <a:latin typeface="+mn-lt"/>
-                <a:ea typeface="+mn-ea"/>
-                <a:cs typeface="+mn-cs"/>
-              </a:defRPr>
-            </a:lvl1pPr>
-            <a:lvl2pPr marL="0" indent="0" algn="l" defTabSz="914400" rtl="0" eaLnBrk="1" latinLnBrk="0" hangingPunct="1">
-              <a:lnSpc>
-                <a:spcPct val="90000"/>
-              </a:lnSpc>
-              <a:spcBef>
-                <a:spcPts val="1800"/>
-              </a:spcBef>
-              <a:buClr>
-                <a:schemeClr val="tx2"/>
-              </a:buClr>
-              <a:buFont typeface="Arial" panose="020B0604020202020204" pitchFamily="34" charset="0"/>
-              <a:buNone/>
-              <a:defRPr sz="1600" b="0" kern="1200">
-                <a:solidFill>
-                  <a:schemeClr val="tx2"/>
-                </a:solidFill>
-                <a:latin typeface="+mn-lt"/>
-                <a:ea typeface="+mn-ea"/>
-                <a:cs typeface="+mn-cs"/>
-              </a:defRPr>
-            </a:lvl2pPr>
-            <a:lvl3pPr marL="395288" indent="-158750" algn="l" defTabSz="914400" rtl="0" eaLnBrk="1" latinLnBrk="0" hangingPunct="1">
-              <a:lnSpc>
-                <a:spcPct val="90000"/>
-              </a:lnSpc>
-              <a:spcBef>
-                <a:spcPts val="500"/>
-              </a:spcBef>
-              <a:buClr>
-                <a:schemeClr val="tx2"/>
-              </a:buClr>
-              <a:buFont typeface="Arial" panose="020B0604020202020204" pitchFamily="34" charset="0"/>
-              <a:buChar char="–"/>
-              <a:defRPr sz="1400" kern="1200">
-                <a:solidFill>
-                  <a:schemeClr val="tx2"/>
-                </a:solidFill>
-                <a:latin typeface="+mn-lt"/>
-                <a:ea typeface="+mn-ea"/>
-                <a:cs typeface="+mn-cs"/>
-              </a:defRPr>
-            </a:lvl3pPr>
-            <a:lvl4pPr marL="587375" indent="-144463" algn="l" defTabSz="914400" rtl="0" eaLnBrk="1" latinLnBrk="0" hangingPunct="1">
-              <a:lnSpc>
-                <a:spcPct val="90000"/>
-              </a:lnSpc>
-              <a:spcBef>
-                <a:spcPts val="300"/>
-              </a:spcBef>
-              <a:buClr>
-                <a:schemeClr val="tx2"/>
-              </a:buClr>
-              <a:buFont typeface="Arial" panose="020B0604020202020204" pitchFamily="34" charset="0"/>
-              <a:buChar char="•"/>
-              <a:defRPr sz="1200" kern="1200">
-                <a:solidFill>
-                  <a:schemeClr val="tx2"/>
-                </a:solidFill>
-                <a:latin typeface="+mn-lt"/>
-                <a:ea typeface="+mn-ea"/>
-                <a:cs typeface="+mn-cs"/>
-              </a:defRPr>
-            </a:lvl4pPr>
-            <a:lvl5pPr marL="766763" indent="-153988" algn="l" defTabSz="914400" rtl="0" eaLnBrk="1" latinLnBrk="0" hangingPunct="1">
-              <a:lnSpc>
-                <a:spcPct val="90000"/>
-              </a:lnSpc>
-              <a:spcBef>
-                <a:spcPts val="300"/>
-              </a:spcBef>
-              <a:buClr>
-                <a:schemeClr val="tx2"/>
-              </a:buClr>
-              <a:buFont typeface="Arial" panose="020B0604020202020204" pitchFamily="34" charset="0"/>
-              <a:buChar char="–"/>
-              <a:defRPr sz="1200" kern="1200">
-                <a:solidFill>
-                  <a:schemeClr val="tx2"/>
-                </a:solidFill>
-                <a:latin typeface="+mn-lt"/>
-                <a:ea typeface="+mn-ea"/>
-                <a:cs typeface="+mn-cs"/>
-              </a:defRPr>
-            </a:lvl5pPr>
-            <a:lvl6pPr marL="2514600" indent="-228600" algn="l" defTabSz="914400" rtl="0" eaLnBrk="1" latinLnBrk="0" hangingPunct="1">
-              <a:lnSpc>
-                <a:spcPct val="90000"/>
-              </a:lnSpc>
-              <a:spcBef>
-                <a:spcPts val="500"/>
-              </a:spcBef>
-              <a:buFont typeface="Arial" panose="020B0604020202020204" pitchFamily="34" charset="0"/>
-              <a:buChar char="•"/>
-              <a:defRPr sz="1800" kern="1200">
-                <a:solidFill>
-                  <a:schemeClr val="tx1"/>
-                </a:solidFill>
-                <a:latin typeface="+mn-lt"/>
-                <a:ea typeface="+mn-ea"/>
-                <a:cs typeface="+mn-cs"/>
-              </a:defRPr>
-            </a:lvl6pPr>
-            <a:lvl7pPr marL="2971800" indent="-228600" algn="l" defTabSz="914400" rtl="0" eaLnBrk="1" latinLnBrk="0" hangingPunct="1">
-              <a:lnSpc>
-                <a:spcPct val="90000"/>
-              </a:lnSpc>
-              <a:spcBef>
-                <a:spcPts val="500"/>
-              </a:spcBef>
-              <a:buFont typeface="Arial" panose="020B0604020202020204" pitchFamily="34" charset="0"/>
-              <a:buChar char="•"/>
-              <a:defRPr sz="1800" kern="1200">
-                <a:solidFill>
-                  <a:schemeClr val="tx1"/>
-                </a:solidFill>
-                <a:latin typeface="+mn-lt"/>
-                <a:ea typeface="+mn-ea"/>
-                <a:cs typeface="+mn-cs"/>
-              </a:defRPr>
-            </a:lvl7pPr>
-            <a:lvl8pPr marL="3429000" indent="-228600" algn="l" defTabSz="914400" rtl="0" eaLnBrk="1" latinLnBrk="0" hangingPunct="1">
-              <a:lnSpc>
-                <a:spcPct val="90000"/>
-              </a:lnSpc>
-              <a:spcBef>
-                <a:spcPts val="500"/>
-              </a:spcBef>
-              <a:buFont typeface="Arial" panose="020B0604020202020204" pitchFamily="34" charset="0"/>
-              <a:buChar char="•"/>
-              <a:defRPr sz="1800" kern="1200">
-                <a:solidFill>
-                  <a:schemeClr val="tx1"/>
-                </a:solidFill>
-                <a:latin typeface="+mn-lt"/>
-                <a:ea typeface="+mn-ea"/>
-                <a:cs typeface="+mn-cs"/>
-              </a:defRPr>
-            </a:lvl8pPr>
-            <a:lvl9pPr marL="3886200" indent="-228600" algn="l" defTabSz="914400" rtl="0" eaLnBrk="1" latinLnBrk="0" hangingPunct="1">
-              <a:lnSpc>
-                <a:spcPct val="90000"/>
-              </a:lnSpc>
-              <a:spcBef>
-                <a:spcPts val="500"/>
-              </a:spcBef>
-              <a:buFont typeface="Arial" panose="020B0604020202020204" pitchFamily="34" charset="0"/>
-              <a:buChar char="•"/>
-              <a:defRPr sz="1800" kern="1200">
-                <a:solidFill>
-                  <a:schemeClr val="tx1"/>
-                </a:solidFill>
-                <a:latin typeface="+mn-lt"/>
-                <a:ea typeface="+mn-ea"/>
-                <a:cs typeface="+mn-cs"/>
-              </a:defRPr>
-            </a:lvl9pPr>
-          </a:lstStyle>
-          <a:p>
-            <a:pPr>
-              <a:spcBef>
-                <a:spcPts val="1500"/>
-              </a:spcBef>
-              <a:buSzPct val="150000"/>
-            </a:pPr>
-            <a:r>
-              <a:rPr lang="en-IN" sz="2000" b="0" dirty="0" smtClean="0"/>
-              <a:t> </a:t>
-            </a:r>
-            <a:r>
-              <a:rPr lang="en-IN" sz="3200" dirty="0" smtClean="0"/>
-              <a:t>Processing</a:t>
-            </a:r>
-            <a:r>
-              <a:rPr lang="en-IN" sz="2000" b="0" dirty="0" smtClean="0"/>
-              <a:t>. </a:t>
-            </a:r>
-            <a:endParaRPr lang="en-IN" sz="2000" b="0" dirty="0"/>
-          </a:p>
-        </p:txBody>
-      </p:sp>
-    </p:spTree>
-    <p:extLst>
-      <p:ext uri="{BB962C8B-B14F-4D97-AF65-F5344CB8AC3E}">
-        <p14:creationId xmlns:p14="http://schemas.microsoft.com/office/powerpoint/2010/main" val="1503131196"/>
-      </p:ext>
-    </p:extLst>
-  </p:cSld>
-  <p:clrMapOvr>
-    <a:masterClrMapping/>
-  </p:clrMapOvr>
-  <p:timing>
-    <p:tnLst>
-      <p:par>
-        <p:cTn id="1" dur="indefinite" restart="never" nodeType="tmRoot"/>
-      </p:par>
-    </p:tnLst>
-  </p:timing>
-</p:sld>
-</file>
-
-<file path=ppt/slides/slide14.xml><?xml version="1.0" encoding="utf-8"?>
-<p:sld xmlns:a="http://schemas.openxmlformats.org/drawingml/2006/main" xmlns:r="http://schemas.openxmlformats.org/officeDocument/2006/relationships" xmlns:p="http://schemas.openxmlformats.org/presentationml/2006/main">
-  <p:cSld>
-    <p:spTree>
-      <p:nvGrpSpPr>
-        <p:cNvPr id="1" name=""/>
-        <p:cNvGrpSpPr/>
-        <p:nvPr/>
-      </p:nvGrpSpPr>
-      <p:grpSpPr>
-        <a:xfrm>
-          <a:off x="0" y="0"/>
-          <a:ext cx="0" cy="0"/>
-          <a:chOff x="0" y="0"/>
-          <a:chExt cx="0" cy="0"/>
-        </a:xfrm>
-      </p:grpSpPr>
-      <p:sp>
-        <p:nvSpPr>
-          <p:cNvPr id="11" name="Title 1"/>
-          <p:cNvSpPr>
-            <a:spLocks noGrp="1"/>
-          </p:cNvSpPr>
-          <p:nvPr>
-            <p:ph type="title"/>
-          </p:nvPr>
-        </p:nvSpPr>
-        <p:spPr/>
-        <p:txBody>
-          <a:bodyPr/>
-          <a:lstStyle/>
-          <a:p>
-            <a:r>
-              <a:rPr lang="en-US" dirty="0" smtClean="0">
-                <a:solidFill>
-                  <a:schemeClr val="accent2"/>
-                </a:solidFill>
-              </a:rPr>
-              <a:t>Samples</a:t>
-            </a:r>
-            <a:endParaRPr lang="en-GB" dirty="0"/>
-          </a:p>
-        </p:txBody>
-      </p:sp>
-      <p:sp>
-        <p:nvSpPr>
-          <p:cNvPr id="5" name="Date Placeholder 4"/>
-          <p:cNvSpPr>
-            <a:spLocks noGrp="1"/>
-          </p:cNvSpPr>
-          <p:nvPr>
-            <p:ph type="dt" sz="half" idx="10"/>
-          </p:nvPr>
-        </p:nvSpPr>
-        <p:spPr/>
-        <p:txBody>
-          <a:bodyPr/>
-          <a:lstStyle/>
-          <a:p>
-            <a:fld id="{BC3F1638-3586-4527-A760-38AC15BFC248}" type="datetime4">
-              <a:rPr lang="en-GB" smtClean="0"/>
-              <a:pPr/>
-              <a:t>09 February 2018</a:t>
-            </a:fld>
-            <a:endParaRPr lang="en-GB" dirty="0"/>
-          </a:p>
-        </p:txBody>
-      </p:sp>
-      <p:sp>
-        <p:nvSpPr>
-          <p:cNvPr id="6" name="Slide Number Placeholder 5"/>
-          <p:cNvSpPr>
-            <a:spLocks noGrp="1"/>
-          </p:cNvSpPr>
-          <p:nvPr>
-            <p:ph type="sldNum" sz="quarter" idx="12"/>
-          </p:nvPr>
-        </p:nvSpPr>
-        <p:spPr/>
-        <p:txBody>
-          <a:bodyPr/>
-          <a:lstStyle/>
-          <a:p>
-            <a:fld id="{04095909-DC86-4C28-AD6E-431C997D4893}" type="slidenum">
-              <a:rPr lang="en-GB" smtClean="0"/>
-              <a:pPr/>
-              <a:t>14</a:t>
-            </a:fld>
-            <a:endParaRPr lang="en-GB" dirty="0"/>
-          </a:p>
-        </p:txBody>
-      </p:sp>
-      <p:graphicFrame>
-        <p:nvGraphicFramePr>
-          <p:cNvPr id="2" name="Table 1"/>
-          <p:cNvGraphicFramePr>
-            <a:graphicFrameLocks noGrp="1"/>
-          </p:cNvGraphicFramePr>
-          <p:nvPr>
-            <p:extLst>
-              <p:ext uri="{D42A27DB-BD31-4B8C-83A1-F6EECF244321}">
-                <p14:modId xmlns:p14="http://schemas.microsoft.com/office/powerpoint/2010/main" val="483702901"/>
-              </p:ext>
-            </p:extLst>
-          </p:nvPr>
-        </p:nvGraphicFramePr>
-        <p:xfrm>
-          <a:off x="667657" y="1663093"/>
-          <a:ext cx="8127999" cy="3973434"/>
-        </p:xfrm>
-        <a:graphic>
-          <a:graphicData uri="http://schemas.openxmlformats.org/drawingml/2006/table">
-            <a:tbl>
-              <a:tblPr firstRow="1" bandRow="1">
-                <a:tableStyleId>{5C22544A-7EE6-4342-B048-85BDC9FD1C3A}</a:tableStyleId>
-              </a:tblPr>
-              <a:tblGrid>
-                <a:gridCol w="2709333"/>
-                <a:gridCol w="3665255"/>
-                <a:gridCol w="1753411"/>
+                <a:gridCol w="2691363">
+                  <a:extLst>
+                    <a:ext uri="{9D8B030D-6E8A-4147-A177-3AD203B41FA5}">
+                      <a16:colId xmlns:a16="http://schemas.microsoft.com/office/drawing/2014/main" val="20000"/>
+                    </a:ext>
+                  </a:extLst>
+                </a:gridCol>
+                <a:gridCol w="3331028">
+                  <a:extLst>
+                    <a:ext uri="{9D8B030D-6E8A-4147-A177-3AD203B41FA5}">
+                      <a16:colId xmlns:a16="http://schemas.microsoft.com/office/drawing/2014/main" val="20001"/>
+                    </a:ext>
+                  </a:extLst>
+                </a:gridCol>
+                <a:gridCol w="3400669">
+                  <a:extLst>
+                    <a:ext uri="{9D8B030D-6E8A-4147-A177-3AD203B41FA5}">
+                      <a16:colId xmlns:a16="http://schemas.microsoft.com/office/drawing/2014/main" val="20002"/>
+                    </a:ext>
+                  </a:extLst>
+                </a:gridCol>
               </a:tblGrid>
               <a:tr h="659193">
                 <a:tc>
@@ -6358,6 +4226,11 @@
                   </a:txBody>
                   <a:tcPr/>
                 </a:tc>
+                <a:extLst>
+                  <a:ext uri="{0D108BD9-81ED-4DB2-BD59-A6C34878D82A}">
+                    <a16:rowId xmlns:a16="http://schemas.microsoft.com/office/drawing/2014/main" val="10000"/>
+                  </a:ext>
+                </a:extLst>
               </a:tr>
               <a:tr h="816699">
                 <a:tc>
@@ -6394,6 +4267,11 @@
                   </a:txBody>
                   <a:tcPr/>
                 </a:tc>
+                <a:extLst>
+                  <a:ext uri="{0D108BD9-81ED-4DB2-BD59-A6C34878D82A}">
+                    <a16:rowId xmlns:a16="http://schemas.microsoft.com/office/drawing/2014/main" val="10001"/>
+                  </a:ext>
+                </a:extLst>
               </a:tr>
               <a:tr h="832514">
                 <a:tc>
@@ -6430,6 +4308,11 @@
                   </a:txBody>
                   <a:tcPr/>
                 </a:tc>
+                <a:extLst>
+                  <a:ext uri="{0D108BD9-81ED-4DB2-BD59-A6C34878D82A}">
+                    <a16:rowId xmlns:a16="http://schemas.microsoft.com/office/drawing/2014/main" val="10002"/>
+                  </a:ext>
+                </a:extLst>
               </a:tr>
               <a:tr h="832514">
                 <a:tc>
@@ -6466,6 +4349,11 @@
                   </a:txBody>
                   <a:tcPr/>
                 </a:tc>
+                <a:extLst>
+                  <a:ext uri="{0D108BD9-81ED-4DB2-BD59-A6C34878D82A}">
+                    <a16:rowId xmlns:a16="http://schemas.microsoft.com/office/drawing/2014/main" val="10003"/>
+                  </a:ext>
+                </a:extLst>
               </a:tr>
               <a:tr h="832514">
                 <a:tc>
@@ -6502,6 +4390,11 @@
                   </a:txBody>
                   <a:tcPr/>
                 </a:tc>
+                <a:extLst>
+                  <a:ext uri="{0D108BD9-81ED-4DB2-BD59-A6C34878D82A}">
+                    <a16:rowId xmlns:a16="http://schemas.microsoft.com/office/drawing/2014/main" val="10004"/>
+                  </a:ext>
+                </a:extLst>
               </a:tr>
             </a:tbl>
           </a:graphicData>
@@ -6516,25 +4409,25 @@
           <p:nvPr>
             <p:extLst>
               <p:ext uri="{D42A27DB-BD31-4B8C-83A1-F6EECF244321}">
-                <p14:modId xmlns:p14="http://schemas.microsoft.com/office/powerpoint/2010/main" val="2278989374"/>
+                <p14:modId xmlns:p14="http://schemas.microsoft.com/office/powerpoint/2010/main" val="1095070247"/>
               </p:ext>
             </p:extLst>
           </p:nvPr>
         </p:nvGraphicFramePr>
         <p:xfrm>
-          <a:off x="4722505" y="2429349"/>
-          <a:ext cx="1028700" cy="685800"/>
+          <a:off x="5334971" y="2075919"/>
+          <a:ext cx="1023931" cy="685396"/>
         </p:xfrm>
         <a:graphic>
           <a:graphicData uri="http://schemas.openxmlformats.org/presentationml/2006/ole">
             <mc:AlternateContent xmlns:mc="http://schemas.openxmlformats.org/markup-compatibility/2006">
               <mc:Choice xmlns:v="urn:schemas-microsoft-com:vml" Requires="v">
-                <p:oleObj spid="_x0000_s1032" name="Packager Shell Object" showAsIcon="1" r:id="rId4" imgW="1028880" imgH="685800" progId="Package">
+                <p:oleObj spid="_x0000_s1140" name="Packager Shell Object" showAsIcon="1" r:id="rId4" imgW="585000" imgH="392040" progId="Package">
                   <p:embed/>
                 </p:oleObj>
               </mc:Choice>
               <mc:Fallback>
-                <p:oleObj name="Packager Shell Object" showAsIcon="1" r:id="rId4" imgW="1028880" imgH="685800" progId="Package">
+                <p:oleObj name="Packager Shell Object" showAsIcon="1" r:id="rId4" imgW="585000" imgH="392040" progId="Package">
                   <p:embed/>
                   <p:pic>
                     <p:nvPicPr>
@@ -6550,8 +4443,8 @@
                     </p:blipFill>
                     <p:spPr>
                       <a:xfrm>
-                        <a:off x="4722505" y="2429349"/>
-                        <a:ext cx="1028700" cy="685800"/>
+                        <a:off x="5334971" y="2075919"/>
+                        <a:ext cx="1023931" cy="685396"/>
                       </a:xfrm>
                       <a:prstGeom prst="rect">
                         <a:avLst/>
@@ -6573,20 +4466,20 @@
           <p:nvPr>
             <p:extLst>
               <p:ext uri="{D42A27DB-BD31-4B8C-83A1-F6EECF244321}">
-                <p14:modId xmlns:p14="http://schemas.microsoft.com/office/powerpoint/2010/main" val="131625961"/>
+                <p14:modId xmlns:p14="http://schemas.microsoft.com/office/powerpoint/2010/main" val="4111739161"/>
               </p:ext>
             </p:extLst>
           </p:nvPr>
         </p:nvGraphicFramePr>
         <p:xfrm>
-          <a:off x="7343161" y="2401794"/>
+          <a:off x="8763098" y="2079904"/>
           <a:ext cx="1155700" cy="685800"/>
         </p:xfrm>
         <a:graphic>
           <a:graphicData uri="http://schemas.openxmlformats.org/presentationml/2006/ole">
             <mc:AlternateContent xmlns:mc="http://schemas.openxmlformats.org/markup-compatibility/2006">
               <mc:Choice xmlns:v="urn:schemas-microsoft-com:vml" Requires="v">
-                <p:oleObj spid="_x0000_s1033" name="Packager Shell Object" showAsIcon="1" r:id="rId6" imgW="1155960" imgH="685800" progId="Package">
+                <p:oleObj spid="_x0000_s1141" name="Packager Shell Object" showAsIcon="1" r:id="rId6" imgW="1155960" imgH="685800" progId="Package">
                   <p:embed/>
                 </p:oleObj>
               </mc:Choice>
@@ -6607,7 +4500,7 @@
                     </p:blipFill>
                     <p:spPr>
                       <a:xfrm>
-                        <a:off x="7343161" y="2401794"/>
+                        <a:off x="8763098" y="2079904"/>
                         <a:ext cx="1155700" cy="685800"/>
                       </a:xfrm>
                       <a:prstGeom prst="rect">
@@ -6630,20 +4523,20 @@
           <p:nvPr>
             <p:extLst>
               <p:ext uri="{D42A27DB-BD31-4B8C-83A1-F6EECF244321}">
-                <p14:modId xmlns:p14="http://schemas.microsoft.com/office/powerpoint/2010/main" val="3498957608"/>
+                <p14:modId xmlns:p14="http://schemas.microsoft.com/office/powerpoint/2010/main" val="827181417"/>
               </p:ext>
             </p:extLst>
           </p:nvPr>
         </p:nvGraphicFramePr>
         <p:xfrm>
-          <a:off x="4721462" y="3206844"/>
+          <a:off x="5330202" y="2929536"/>
           <a:ext cx="1028700" cy="685800"/>
         </p:xfrm>
         <a:graphic>
           <a:graphicData uri="http://schemas.openxmlformats.org/presentationml/2006/ole">
             <mc:AlternateContent xmlns:mc="http://schemas.openxmlformats.org/markup-compatibility/2006">
               <mc:Choice xmlns:v="urn:schemas-microsoft-com:vml" Requires="v">
-                <p:oleObj spid="_x0000_s1034" name="Packager Shell Object" showAsIcon="1" r:id="rId8" imgW="1028880" imgH="685800" progId="Package">
+                <p:oleObj spid="_x0000_s1142" name="Packager Shell Object" showAsIcon="1" r:id="rId8" imgW="1028880" imgH="685800" progId="Package">
                   <p:embed/>
                 </p:oleObj>
               </mc:Choice>
@@ -6664,7 +4557,7 @@
                     </p:blipFill>
                     <p:spPr>
                       <a:xfrm>
-                        <a:off x="4721462" y="3206844"/>
+                        <a:off x="5330202" y="2929536"/>
                         <a:ext cx="1028700" cy="685800"/>
                       </a:xfrm>
                       <a:prstGeom prst="rect">
@@ -6687,20 +4580,20 @@
           <p:nvPr>
             <p:extLst>
               <p:ext uri="{D42A27DB-BD31-4B8C-83A1-F6EECF244321}">
-                <p14:modId xmlns:p14="http://schemas.microsoft.com/office/powerpoint/2010/main" val="141695875"/>
+                <p14:modId xmlns:p14="http://schemas.microsoft.com/office/powerpoint/2010/main" val="627767431"/>
               </p:ext>
             </p:extLst>
           </p:nvPr>
         </p:nvGraphicFramePr>
         <p:xfrm>
-          <a:off x="7342117" y="3221559"/>
+          <a:off x="8762054" y="2899669"/>
           <a:ext cx="1155700" cy="685800"/>
         </p:xfrm>
         <a:graphic>
           <a:graphicData uri="http://schemas.openxmlformats.org/presentationml/2006/ole">
             <mc:AlternateContent xmlns:mc="http://schemas.openxmlformats.org/markup-compatibility/2006">
               <mc:Choice xmlns:v="urn:schemas-microsoft-com:vml" Requires="v">
-                <p:oleObj spid="_x0000_s1035" name="Packager Shell Object" showAsIcon="1" r:id="rId10" imgW="1155960" imgH="685800" progId="Package">
+                <p:oleObj spid="_x0000_s1143" name="Packager Shell Object" showAsIcon="1" r:id="rId10" imgW="1155960" imgH="685800" progId="Package">
                   <p:embed/>
                 </p:oleObj>
               </mc:Choice>
@@ -6721,7 +4614,7 @@
                     </p:blipFill>
                     <p:spPr>
                       <a:xfrm>
-                        <a:off x="7342117" y="3221559"/>
+                        <a:off x="8762054" y="2899669"/>
                         <a:ext cx="1155700" cy="685800"/>
                       </a:xfrm>
                       <a:prstGeom prst="rect">
@@ -6744,20 +4637,20 @@
           <p:nvPr>
             <p:extLst>
               <p:ext uri="{D42A27DB-BD31-4B8C-83A1-F6EECF244321}">
-                <p14:modId xmlns:p14="http://schemas.microsoft.com/office/powerpoint/2010/main" val="13914208"/>
+                <p14:modId xmlns:p14="http://schemas.microsoft.com/office/powerpoint/2010/main" val="3817542362"/>
               </p:ext>
             </p:extLst>
           </p:nvPr>
         </p:nvGraphicFramePr>
         <p:xfrm>
-          <a:off x="3371542" y="4025616"/>
+          <a:off x="4351257" y="3717706"/>
           <a:ext cx="1282700" cy="685800"/>
         </p:xfrm>
         <a:graphic>
           <a:graphicData uri="http://schemas.openxmlformats.org/presentationml/2006/ole">
             <mc:AlternateContent xmlns:mc="http://schemas.openxmlformats.org/markup-compatibility/2006">
               <mc:Choice xmlns:v="urn:schemas-microsoft-com:vml" Requires="v">
-                <p:oleObj spid="_x0000_s1036" name="Packager Shell Object" showAsIcon="1" r:id="rId12" imgW="1283040" imgH="685800" progId="Package">
+                <p:oleObj spid="_x0000_s1144" name="Packager Shell Object" showAsIcon="1" r:id="rId12" imgW="1283040" imgH="685800" progId="Package">
                   <p:embed/>
                 </p:oleObj>
               </mc:Choice>
@@ -6778,7 +4671,7 @@
                     </p:blipFill>
                     <p:spPr>
                       <a:xfrm>
-                        <a:off x="3371542" y="4025616"/>
+                        <a:off x="4351257" y="3717706"/>
                         <a:ext cx="1282700" cy="685800"/>
                       </a:xfrm>
                       <a:prstGeom prst="rect">
@@ -6801,20 +4694,20 @@
           <p:nvPr>
             <p:extLst>
               <p:ext uri="{D42A27DB-BD31-4B8C-83A1-F6EECF244321}">
-                <p14:modId xmlns:p14="http://schemas.microsoft.com/office/powerpoint/2010/main" val="2942292454"/>
+                <p14:modId xmlns:p14="http://schemas.microsoft.com/office/powerpoint/2010/main" val="3352173295"/>
               </p:ext>
             </p:extLst>
           </p:nvPr>
         </p:nvGraphicFramePr>
         <p:xfrm>
-          <a:off x="4516911" y="4025379"/>
+          <a:off x="5496626" y="3717469"/>
           <a:ext cx="1981200" cy="685800"/>
         </p:xfrm>
         <a:graphic>
           <a:graphicData uri="http://schemas.openxmlformats.org/presentationml/2006/ole">
             <mc:AlternateContent xmlns:mc="http://schemas.openxmlformats.org/markup-compatibility/2006">
               <mc:Choice xmlns:v="urn:schemas-microsoft-com:vml" Requires="v">
-                <p:oleObj spid="_x0000_s1037" name="Packager Shell Object" showAsIcon="1" r:id="rId14" imgW="1981800" imgH="685800" progId="Package">
+                <p:oleObj spid="_x0000_s1145" name="Packager Shell Object" showAsIcon="1" r:id="rId14" imgW="1981800" imgH="685800" progId="Package">
                   <p:embed/>
                 </p:oleObj>
               </mc:Choice>
@@ -6835,7 +4728,7 @@
                     </p:blipFill>
                     <p:spPr>
                       <a:xfrm>
-                        <a:off x="4516911" y="4025379"/>
+                        <a:off x="5496626" y="3717469"/>
                         <a:ext cx="1981200" cy="685800"/>
                       </a:xfrm>
                       <a:prstGeom prst="rect">
@@ -6858,20 +4751,20 @@
           <p:nvPr>
             <p:extLst>
               <p:ext uri="{D42A27DB-BD31-4B8C-83A1-F6EECF244321}">
-                <p14:modId xmlns:p14="http://schemas.microsoft.com/office/powerpoint/2010/main" val="3470088060"/>
+                <p14:modId xmlns:p14="http://schemas.microsoft.com/office/powerpoint/2010/main" val="2962304509"/>
               </p:ext>
             </p:extLst>
           </p:nvPr>
         </p:nvGraphicFramePr>
         <p:xfrm>
-          <a:off x="6891622" y="4025427"/>
+          <a:off x="8311559" y="3703537"/>
           <a:ext cx="2070100" cy="685800"/>
         </p:xfrm>
         <a:graphic>
           <a:graphicData uri="http://schemas.openxmlformats.org/presentationml/2006/ole">
             <mc:AlternateContent xmlns:mc="http://schemas.openxmlformats.org/markup-compatibility/2006">
               <mc:Choice xmlns:v="urn:schemas-microsoft-com:vml" Requires="v">
-                <p:oleObj spid="_x0000_s1038" name="Packager Shell Object" showAsIcon="1" r:id="rId16" imgW="2070720" imgH="685800" progId="Package">
+                <p:oleObj spid="_x0000_s1146" name="Packager Shell Object" showAsIcon="1" r:id="rId16" imgW="2070720" imgH="685800" progId="Package">
                   <p:embed/>
                 </p:oleObj>
               </mc:Choice>
@@ -6892,7 +4785,7 @@
                     </p:blipFill>
                     <p:spPr>
                       <a:xfrm>
-                        <a:off x="6891622" y="4025427"/>
+                        <a:off x="8311559" y="3703537"/>
                         <a:ext cx="2070100" cy="685800"/>
                       </a:xfrm>
                       <a:prstGeom prst="rect">
@@ -6915,20 +4808,20 @@
           <p:nvPr>
             <p:extLst>
               <p:ext uri="{D42A27DB-BD31-4B8C-83A1-F6EECF244321}">
-                <p14:modId xmlns:p14="http://schemas.microsoft.com/office/powerpoint/2010/main" val="3995647283"/>
+                <p14:modId xmlns:p14="http://schemas.microsoft.com/office/powerpoint/2010/main" val="3840245147"/>
               </p:ext>
             </p:extLst>
           </p:nvPr>
         </p:nvGraphicFramePr>
         <p:xfrm>
-          <a:off x="4722315" y="4844813"/>
+          <a:off x="5330202" y="4571490"/>
           <a:ext cx="1028700" cy="685800"/>
         </p:xfrm>
         <a:graphic>
           <a:graphicData uri="http://schemas.openxmlformats.org/presentationml/2006/ole">
             <mc:AlternateContent xmlns:mc="http://schemas.openxmlformats.org/markup-compatibility/2006">
               <mc:Choice xmlns:v="urn:schemas-microsoft-com:vml" Requires="v">
-                <p:oleObj spid="_x0000_s1039" name="Packager Shell Object" showAsIcon="1" r:id="rId18" imgW="1028880" imgH="685800" progId="Package">
+                <p:oleObj spid="_x0000_s1147" name="Packager Shell Object" showAsIcon="1" r:id="rId18" imgW="1028880" imgH="685800" progId="Package">
                   <p:embed/>
                 </p:oleObj>
               </mc:Choice>
@@ -6949,7 +4842,7 @@
                     </p:blipFill>
                     <p:spPr>
                       <a:xfrm>
-                        <a:off x="4722315" y="4844813"/>
+                        <a:off x="5330202" y="4571490"/>
                         <a:ext cx="1028700" cy="685800"/>
                       </a:xfrm>
                       <a:prstGeom prst="rect">
@@ -6972,20 +4865,20 @@
           <p:nvPr>
             <p:extLst>
               <p:ext uri="{D42A27DB-BD31-4B8C-83A1-F6EECF244321}">
-                <p14:modId xmlns:p14="http://schemas.microsoft.com/office/powerpoint/2010/main" val="2557844737"/>
+                <p14:modId xmlns:p14="http://schemas.microsoft.com/office/powerpoint/2010/main" val="1387662221"/>
               </p:ext>
             </p:extLst>
           </p:nvPr>
         </p:nvGraphicFramePr>
         <p:xfrm>
-          <a:off x="7369886" y="4831520"/>
+          <a:off x="8789823" y="4509630"/>
           <a:ext cx="1155700" cy="685800"/>
         </p:xfrm>
         <a:graphic>
           <a:graphicData uri="http://schemas.openxmlformats.org/presentationml/2006/ole">
             <mc:AlternateContent xmlns:mc="http://schemas.openxmlformats.org/markup-compatibility/2006">
               <mc:Choice xmlns:v="urn:schemas-microsoft-com:vml" Requires="v">
-                <p:oleObj spid="_x0000_s1040" name="Packager Shell Object" showAsIcon="1" r:id="rId20" imgW="1155960" imgH="685800" progId="Package">
+                <p:oleObj spid="_x0000_s1148" name="Packager Shell Object" showAsIcon="1" r:id="rId20" imgW="1155960" imgH="685800" progId="Package">
                   <p:embed/>
                 </p:oleObj>
               </mc:Choice>
@@ -7006,7 +4899,7 @@
                     </p:blipFill>
                     <p:spPr>
                       <a:xfrm>
-                        <a:off x="7369886" y="4831520"/>
+                        <a:off x="8789823" y="4509630"/>
                         <a:ext cx="1155700" cy="685800"/>
                       </a:xfrm>
                       <a:prstGeom prst="rect">
@@ -7052,7 +4945,7 @@
 </p:sld>
 </file>
 
-<file path=ppt/slides/slide15.xml><?xml version="1.0" encoding="utf-8"?>
+<file path=ppt/slides/slide11.xml><?xml version="1.0" encoding="utf-8"?>
 <p:sld xmlns:a="http://schemas.openxmlformats.org/drawingml/2006/main" xmlns:r="http://schemas.openxmlformats.org/officeDocument/2006/relationships" xmlns:p="http://schemas.openxmlformats.org/presentationml/2006/main">
   <p:cSld>
     <p:spTree>
@@ -7111,7 +5004,6 @@
               <a:rPr lang="en-GB" dirty="0" smtClean="0"/>
               <a:t>Arnab Podder</a:t>
             </a:r>
-            <a:endParaRPr lang="en-GB" dirty="0" smtClean="0"/>
           </a:p>
           <a:p>
             <a:r>
@@ -7140,7 +5032,7 @@
             <a:fld id="{D98A2CEC-3088-437B-B321-33BEC7D93FCD}" type="datetime4">
               <a:rPr lang="en-GB" smtClean="0"/>
               <a:pPr/>
-              <a:t>09 February 2018</a:t>
+              <a:t>10 March 2018</a:t>
             </a:fld>
             <a:endParaRPr lang="en-GB" dirty="0"/>
           </a:p>
@@ -7299,7 +5191,7 @@
           <a:p>
             <a:fld id="{6096F0BA-ECEE-44D1-ABE9-40C67B221300}" type="datetime4">
               <a:rPr lang="en-GB" smtClean="0"/>
-              <a:t>09 February 2018</a:t>
+              <a:t>10 March 2018</a:t>
             </a:fld>
             <a:endParaRPr lang="en-GB" dirty="0"/>
           </a:p>
@@ -7390,7 +5282,7 @@
         </p:nvSpPr>
         <p:spPr>
           <a:xfrm>
-            <a:off x="1298636" y="538255"/>
+            <a:off x="1412631" y="1306731"/>
             <a:ext cx="1123494" cy="878865"/>
           </a:xfrm>
         </p:spPr>
@@ -7418,8 +5310,8 @@
         </p:nvSpPr>
         <p:spPr>
           <a:xfrm>
-            <a:off x="1412631" y="1737809"/>
-            <a:ext cx="8198568" cy="3857700"/>
+            <a:off x="1412631" y="2456266"/>
+            <a:ext cx="8198568" cy="2181048"/>
           </a:xfrm>
         </p:spPr>
         <p:txBody>
@@ -7431,12 +5323,8 @@
               <a:t>GPP can maintain Static data profiles in its own system and allows users to upload static data profiles in GPP via </a:t>
             </a:r>
             <a:r>
-              <a:rPr lang="en-US" dirty="0" err="1" smtClean="0"/>
-              <a:t>webservices</a:t>
-            </a:r>
-            <a:r>
               <a:rPr lang="en-US" dirty="0" smtClean="0"/>
-              <a:t> </a:t>
+              <a:t>web services </a:t>
             </a:r>
             <a:r>
               <a:rPr lang="en-GB" dirty="0" smtClean="0">
@@ -7446,11 +5334,6 @@
               </a:rPr>
               <a:t>”</a:t>
             </a:r>
-            <a:endParaRPr lang="en-GB" dirty="0" smtClean="0">
-              <a:solidFill>
-                <a:schemeClr val="accent1"/>
-              </a:solidFill>
-            </a:endParaRPr>
           </a:p>
         </p:txBody>
       </p:sp>
@@ -7472,7 +5355,7 @@
             <a:fld id="{014A5046-EA5E-455B-A3BC-352818629394}" type="datetime4">
               <a:rPr lang="en-GB" smtClean="0"/>
               <a:pPr/>
-              <a:t>09 February 2018</a:t>
+              <a:t>10 March 2018</a:t>
             </a:fld>
             <a:endParaRPr lang="en-GB" dirty="0"/>
           </a:p>
@@ -7568,7 +5451,7 @@
           <a:p>
             <a:fld id="{4FAE0867-24A8-448F-B507-CC8586AA6B96}" type="datetime4">
               <a:rPr lang="en-GB" smtClean="0"/>
-              <a:t>09 February 2018</a:t>
+              <a:t>10 March 2018</a:t>
             </a:fld>
             <a:endParaRPr lang="en-GB" dirty="0"/>
           </a:p>
@@ -7810,7 +5693,7 @@
         </p:nvSpPr>
         <p:spPr>
           <a:xfrm>
-            <a:off x="719424" y="216790"/>
+            <a:off x="700763" y="319427"/>
             <a:ext cx="9692420" cy="668216"/>
           </a:xfrm>
           <a:prstGeom prst="rect">
@@ -7855,7 +5738,7 @@
         </p:nvSpPr>
         <p:spPr>
           <a:xfrm>
-            <a:off x="623888" y="1123721"/>
+            <a:off x="614558" y="1643506"/>
             <a:ext cx="9120187" cy="1666610"/>
           </a:xfrm>
           <a:prstGeom prst="rect">
@@ -7885,11 +5768,10 @@
               </a:buBlip>
             </a:pPr>
             <a:r>
-              <a:rPr lang="en-US" b="1" dirty="0" smtClean="0">
+              <a:rPr lang="en-US" dirty="0" smtClean="0">
                 <a:solidFill>
                   <a:schemeClr val="accent2"/>
                 </a:solidFill>
-                <a:latin typeface="Courier" pitchFamily="49" charset="0"/>
               </a:rPr>
               <a:t>Apply Changes Service</a:t>
             </a:r>
@@ -7908,11 +5790,10 @@
               </a:buBlip>
             </a:pPr>
             <a:r>
-              <a:rPr lang="en-US" b="1" dirty="0" smtClean="0">
+              <a:rPr lang="en-US" dirty="0" smtClean="0">
                 <a:solidFill>
                   <a:schemeClr val="accent2"/>
                 </a:solidFill>
-                <a:latin typeface="Courier" pitchFamily="49" charset="0"/>
               </a:rPr>
               <a:t>Load Profile Service</a:t>
             </a:r>
@@ -7931,11 +5812,10 @@
               </a:buBlip>
             </a:pPr>
             <a:r>
-              <a:rPr lang="en-US" b="1" dirty="0" smtClean="0">
+              <a:rPr lang="en-US" dirty="0" smtClean="0">
                 <a:solidFill>
                   <a:schemeClr val="accent2"/>
                 </a:solidFill>
-                <a:latin typeface="Courier" pitchFamily="49" charset="0"/>
               </a:rPr>
               <a:t>Profile Action Service</a:t>
             </a:r>
@@ -7954,11 +5834,10 @@
               </a:buBlip>
             </a:pPr>
             <a:r>
-              <a:rPr lang="en-US" b="1" dirty="0" smtClean="0">
+              <a:rPr lang="en-US" dirty="0" smtClean="0">
                 <a:solidFill>
                   <a:schemeClr val="accent2"/>
                 </a:solidFill>
-                <a:latin typeface="Courier" pitchFamily="49" charset="0"/>
               </a:rPr>
               <a:t>Profile List Service</a:t>
             </a:r>
@@ -8009,43 +5888,74 @@
       </p:grpSpPr>
       <p:sp>
         <p:nvSpPr>
-          <p:cNvPr id="2" name="Text Placeholder 1"/>
+          <p:cNvPr id="3" name="Content Placeholder 2"/>
           <p:cNvSpPr>
             <a:spLocks noGrp="1"/>
           </p:cNvSpPr>
           <p:nvPr>
-            <p:ph type="body" sz="quarter" idx="13"/>
+            <p:ph idx="1"/>
           </p:nvPr>
         </p:nvSpPr>
         <p:spPr>
           <a:xfrm>
-            <a:off x="1284987" y="2262553"/>
-            <a:ext cx="9292028" cy="3264790"/>
+            <a:off x="623888" y="844062"/>
+            <a:ext cx="10022341" cy="1334695"/>
           </a:xfrm>
         </p:spPr>
         <p:txBody>
           <a:bodyPr/>
           <a:lstStyle/>
           <a:p>
-            <a:r>
-              <a:rPr lang="en-IN" sz="6600" dirty="0" smtClean="0">
-                <a:solidFill>
-                  <a:schemeClr val="tx1">
+            <a:pPr>
+              <a:spcBef>
+                <a:spcPts val="1500"/>
+              </a:spcBef>
+              <a:buSzPct val="150000"/>
+            </a:pPr>
+            <a:r>
+              <a:rPr lang="en-IN" sz="2000" b="0" dirty="0"/>
+              <a:t>This service enables a </a:t>
+            </a:r>
+            <a:r>
+              <a:rPr lang="en-IN" sz="2000" dirty="0" smtClean="0">
+                <a:solidFill>
+                  <a:schemeClr val="accent4">
                     <a:lumMod val="75000"/>
-                    <a:lumOff val="25000"/>
                   </a:schemeClr>
                 </a:solidFill>
               </a:rPr>
-              <a:t>APPLY CHANGES SERVICE</a:t>
-            </a:r>
-            <a:endParaRPr lang="en-IN" sz="6600" dirty="0">
-              <a:solidFill>
-                <a:schemeClr val="tx1">
-                  <a:lumMod val="75000"/>
-                  <a:lumOff val="25000"/>
-                </a:schemeClr>
-              </a:solidFill>
-            </a:endParaRPr>
+              <a:t>Third Party Application </a:t>
+            </a:r>
+            <a:r>
+              <a:rPr lang="en-IN" sz="2000" b="0" dirty="0"/>
+              <a:t>to apply recent updates that were made to specific profiles. </a:t>
+            </a:r>
+          </a:p>
+          <a:p>
+            <a:pPr>
+              <a:spcBef>
+                <a:spcPts val="1500"/>
+              </a:spcBef>
+              <a:buSzPct val="150000"/>
+            </a:pPr>
+            <a:r>
+              <a:rPr lang="en-IN" sz="2000" b="0" dirty="0"/>
+              <a:t>The same functionality is accessible using the </a:t>
+            </a:r>
+            <a:r>
+              <a:rPr lang="en-IN" sz="2000" dirty="0">
+                <a:solidFill>
+                  <a:schemeClr val="accent4">
+                    <a:lumMod val="75000"/>
+                  </a:schemeClr>
+                </a:solidFill>
+              </a:rPr>
+              <a:t>Apply Changes</a:t>
+            </a:r>
+            <a:r>
+              <a:rPr lang="en-IN" sz="2000" b="0" dirty="0"/>
+              <a:t> dialog box in the GPP user interface. </a:t>
+            </a:r>
           </a:p>
         </p:txBody>
       </p:sp>
@@ -8066,7 +5976,7 @@
           <a:p>
             <a:fld id="{4FAE0867-24A8-448F-B507-CC8586AA6B96}" type="datetime4">
               <a:rPr lang="en-GB" smtClean="0"/>
-              <a:t>09 February 2018</a:t>
+              <a:t>10 March 2018</a:t>
             </a:fld>
             <a:endParaRPr lang="en-GB" dirty="0"/>
           </a:p>
@@ -8096,10 +6006,429 @@
           </a:p>
         </p:txBody>
       </p:sp>
+      <p:sp>
+        <p:nvSpPr>
+          <p:cNvPr id="6" name="Content Placeholder 2"/>
+          <p:cNvSpPr txBox="1">
+            <a:spLocks/>
+          </p:cNvSpPr>
+          <p:nvPr/>
+        </p:nvSpPr>
+        <p:spPr>
+          <a:xfrm>
+            <a:off x="1677719" y="2846973"/>
+            <a:ext cx="7914677" cy="2630096"/>
+          </a:xfrm>
+          <a:prstGeom prst="rect">
+            <a:avLst/>
+          </a:prstGeom>
+        </p:spPr>
+        <p:txBody>
+          <a:bodyPr vert="horz" lIns="0" tIns="0" rIns="0" bIns="0" rtlCol="0" anchor="t" anchorCtr="0">
+            <a:noAutofit/>
+          </a:bodyPr>
+          <a:lstStyle>
+            <a:lvl1pPr marL="0" indent="0" algn="l" defTabSz="914400" rtl="0" eaLnBrk="1" latinLnBrk="0" hangingPunct="1">
+              <a:lnSpc>
+                <a:spcPct val="90000"/>
+              </a:lnSpc>
+              <a:spcBef>
+                <a:spcPts val="1200"/>
+              </a:spcBef>
+              <a:buFont typeface="Arial" panose="020B0604020202020204" pitchFamily="34" charset="0"/>
+              <a:buNone/>
+              <a:defRPr sz="3600" b="1" kern="1200">
+                <a:solidFill>
+                  <a:schemeClr val="tx2"/>
+                </a:solidFill>
+                <a:latin typeface="+mn-lt"/>
+                <a:ea typeface="+mn-ea"/>
+                <a:cs typeface="+mn-cs"/>
+              </a:defRPr>
+            </a:lvl1pPr>
+            <a:lvl2pPr marL="0" indent="0" algn="l" defTabSz="914400" rtl="0" eaLnBrk="1" latinLnBrk="0" hangingPunct="1">
+              <a:lnSpc>
+                <a:spcPct val="90000"/>
+              </a:lnSpc>
+              <a:spcBef>
+                <a:spcPts val="1800"/>
+              </a:spcBef>
+              <a:buClr>
+                <a:schemeClr val="tx2"/>
+              </a:buClr>
+              <a:buFont typeface="Arial" panose="020B0604020202020204" pitchFamily="34" charset="0"/>
+              <a:buNone/>
+              <a:defRPr sz="1600" b="0" kern="1200">
+                <a:solidFill>
+                  <a:schemeClr val="tx2"/>
+                </a:solidFill>
+                <a:latin typeface="+mn-lt"/>
+                <a:ea typeface="+mn-ea"/>
+                <a:cs typeface="+mn-cs"/>
+              </a:defRPr>
+            </a:lvl2pPr>
+            <a:lvl3pPr marL="395288" indent="-158750" algn="l" defTabSz="914400" rtl="0" eaLnBrk="1" latinLnBrk="0" hangingPunct="1">
+              <a:lnSpc>
+                <a:spcPct val="90000"/>
+              </a:lnSpc>
+              <a:spcBef>
+                <a:spcPts val="500"/>
+              </a:spcBef>
+              <a:buClr>
+                <a:schemeClr val="tx2"/>
+              </a:buClr>
+              <a:buFont typeface="Arial" panose="020B0604020202020204" pitchFamily="34" charset="0"/>
+              <a:buChar char="–"/>
+              <a:defRPr sz="1400" kern="1200">
+                <a:solidFill>
+                  <a:schemeClr val="tx2"/>
+                </a:solidFill>
+                <a:latin typeface="+mn-lt"/>
+                <a:ea typeface="+mn-ea"/>
+                <a:cs typeface="+mn-cs"/>
+              </a:defRPr>
+            </a:lvl3pPr>
+            <a:lvl4pPr marL="587375" indent="-144463" algn="l" defTabSz="914400" rtl="0" eaLnBrk="1" latinLnBrk="0" hangingPunct="1">
+              <a:lnSpc>
+                <a:spcPct val="90000"/>
+              </a:lnSpc>
+              <a:spcBef>
+                <a:spcPts val="300"/>
+              </a:spcBef>
+              <a:buClr>
+                <a:schemeClr val="tx2"/>
+              </a:buClr>
+              <a:buFont typeface="Arial" panose="020B0604020202020204" pitchFamily="34" charset="0"/>
+              <a:buChar char="•"/>
+              <a:defRPr sz="1200" kern="1200">
+                <a:solidFill>
+                  <a:schemeClr val="tx2"/>
+                </a:solidFill>
+                <a:latin typeface="+mn-lt"/>
+                <a:ea typeface="+mn-ea"/>
+                <a:cs typeface="+mn-cs"/>
+              </a:defRPr>
+            </a:lvl4pPr>
+            <a:lvl5pPr marL="766763" indent="-153988" algn="l" defTabSz="914400" rtl="0" eaLnBrk="1" latinLnBrk="0" hangingPunct="1">
+              <a:lnSpc>
+                <a:spcPct val="90000"/>
+              </a:lnSpc>
+              <a:spcBef>
+                <a:spcPts val="300"/>
+              </a:spcBef>
+              <a:buClr>
+                <a:schemeClr val="tx2"/>
+              </a:buClr>
+              <a:buFont typeface="Arial" panose="020B0604020202020204" pitchFamily="34" charset="0"/>
+              <a:buChar char="–"/>
+              <a:defRPr sz="1200" kern="1200">
+                <a:solidFill>
+                  <a:schemeClr val="tx2"/>
+                </a:solidFill>
+                <a:latin typeface="+mn-lt"/>
+                <a:ea typeface="+mn-ea"/>
+                <a:cs typeface="+mn-cs"/>
+              </a:defRPr>
+            </a:lvl5pPr>
+            <a:lvl6pPr marL="2514600" indent="-228600" algn="l" defTabSz="914400" rtl="0" eaLnBrk="1" latinLnBrk="0" hangingPunct="1">
+              <a:lnSpc>
+                <a:spcPct val="90000"/>
+              </a:lnSpc>
+              <a:spcBef>
+                <a:spcPts val="500"/>
+              </a:spcBef>
+              <a:buFont typeface="Arial" panose="020B0604020202020204" pitchFamily="34" charset="0"/>
+              <a:buChar char="•"/>
+              <a:defRPr sz="1800" kern="1200">
+                <a:solidFill>
+                  <a:schemeClr val="tx1"/>
+                </a:solidFill>
+                <a:latin typeface="+mn-lt"/>
+                <a:ea typeface="+mn-ea"/>
+                <a:cs typeface="+mn-cs"/>
+              </a:defRPr>
+            </a:lvl6pPr>
+            <a:lvl7pPr marL="2971800" indent="-228600" algn="l" defTabSz="914400" rtl="0" eaLnBrk="1" latinLnBrk="0" hangingPunct="1">
+              <a:lnSpc>
+                <a:spcPct val="90000"/>
+              </a:lnSpc>
+              <a:spcBef>
+                <a:spcPts val="500"/>
+              </a:spcBef>
+              <a:buFont typeface="Arial" panose="020B0604020202020204" pitchFamily="34" charset="0"/>
+              <a:buChar char="•"/>
+              <a:defRPr sz="1800" kern="1200">
+                <a:solidFill>
+                  <a:schemeClr val="tx1"/>
+                </a:solidFill>
+                <a:latin typeface="+mn-lt"/>
+                <a:ea typeface="+mn-ea"/>
+                <a:cs typeface="+mn-cs"/>
+              </a:defRPr>
+            </a:lvl7pPr>
+            <a:lvl8pPr marL="3429000" indent="-228600" algn="l" defTabSz="914400" rtl="0" eaLnBrk="1" latinLnBrk="0" hangingPunct="1">
+              <a:lnSpc>
+                <a:spcPct val="90000"/>
+              </a:lnSpc>
+              <a:spcBef>
+                <a:spcPts val="500"/>
+              </a:spcBef>
+              <a:buFont typeface="Arial" panose="020B0604020202020204" pitchFamily="34" charset="0"/>
+              <a:buChar char="•"/>
+              <a:defRPr sz="1800" kern="1200">
+                <a:solidFill>
+                  <a:schemeClr val="tx1"/>
+                </a:solidFill>
+                <a:latin typeface="+mn-lt"/>
+                <a:ea typeface="+mn-ea"/>
+                <a:cs typeface="+mn-cs"/>
+              </a:defRPr>
+            </a:lvl8pPr>
+            <a:lvl9pPr marL="3886200" indent="-228600" algn="l" defTabSz="914400" rtl="0" eaLnBrk="1" latinLnBrk="0" hangingPunct="1">
+              <a:lnSpc>
+                <a:spcPct val="90000"/>
+              </a:lnSpc>
+              <a:spcBef>
+                <a:spcPts val="500"/>
+              </a:spcBef>
+              <a:buFont typeface="Arial" panose="020B0604020202020204" pitchFamily="34" charset="0"/>
+              <a:buChar char="•"/>
+              <a:defRPr sz="1800" kern="1200">
+                <a:solidFill>
+                  <a:schemeClr val="tx1"/>
+                </a:solidFill>
+                <a:latin typeface="+mn-lt"/>
+                <a:ea typeface="+mn-ea"/>
+                <a:cs typeface="+mn-cs"/>
+              </a:defRPr>
+            </a:lvl9pPr>
+          </a:lstStyle>
+          <a:p>
+            <a:pPr algn="ctr">
+              <a:spcBef>
+                <a:spcPts val="1500"/>
+              </a:spcBef>
+              <a:buSzPct val="150000"/>
+            </a:pPr>
+            <a:r>
+              <a:rPr lang="en-IN" sz="2000" dirty="0" smtClean="0">
+                <a:solidFill>
+                  <a:schemeClr val="accent2"/>
+                </a:solidFill>
+              </a:rPr>
+              <a:t>Processing </a:t>
+            </a:r>
+          </a:p>
+          <a:p>
+            <a:pPr marL="411163" indent="-411163">
+              <a:spcBef>
+                <a:spcPts val="1500"/>
+              </a:spcBef>
+              <a:buSzPct val="150000"/>
+              <a:buBlip>
+                <a:blip r:embed="rId2"/>
+              </a:buBlip>
+            </a:pPr>
+            <a:r>
+              <a:rPr lang="en-IN" sz="1800" b="0" dirty="0" smtClean="0"/>
+              <a:t>The </a:t>
+            </a:r>
+            <a:r>
+              <a:rPr lang="en-IN" sz="1800" b="0" dirty="0"/>
+              <a:t>profile IDs in the </a:t>
+            </a:r>
+            <a:r>
+              <a:rPr lang="en-IN" sz="1800" dirty="0" smtClean="0">
+                <a:solidFill>
+                  <a:schemeClr val="accent4">
+                    <a:lumMod val="75000"/>
+                  </a:schemeClr>
+                </a:solidFill>
+              </a:rPr>
+              <a:t>&lt;</a:t>
+            </a:r>
+            <a:r>
+              <a:rPr lang="en-IN" sz="1800" dirty="0" err="1" smtClean="0">
+                <a:solidFill>
+                  <a:schemeClr val="accent4">
+                    <a:lumMod val="75000"/>
+                  </a:schemeClr>
+                </a:solidFill>
+              </a:rPr>
+              <a:t>profileIDs</a:t>
+            </a:r>
+            <a:r>
+              <a:rPr lang="en-IN" sz="1800" dirty="0" smtClean="0">
+                <a:solidFill>
+                  <a:schemeClr val="accent4">
+                    <a:lumMod val="75000"/>
+                  </a:schemeClr>
+                </a:solidFill>
+              </a:rPr>
+              <a:t>&gt;</a:t>
+            </a:r>
+            <a:r>
+              <a:rPr lang="en-IN" sz="1800" b="0" dirty="0" smtClean="0"/>
+              <a:t> </a:t>
+            </a:r>
+            <a:r>
+              <a:rPr lang="en-IN" sz="1800" b="0" dirty="0"/>
+              <a:t>tag are converted to cache </a:t>
+            </a:r>
+            <a:r>
+              <a:rPr lang="en-IN" sz="1800" b="0" dirty="0" smtClean="0"/>
+              <a:t>IDs. </a:t>
+            </a:r>
+            <a:endParaRPr lang="en-IN" sz="1800" b="0" dirty="0"/>
+          </a:p>
+          <a:p>
+            <a:pPr marL="411163" indent="-411163">
+              <a:spcBef>
+                <a:spcPts val="1500"/>
+              </a:spcBef>
+              <a:buSzPct val="150000"/>
+              <a:buBlip>
+                <a:blip r:embed="rId2"/>
+              </a:buBlip>
+            </a:pPr>
+            <a:r>
+              <a:rPr lang="en-IN" sz="1800" b="0" dirty="0"/>
+              <a:t>Related caches are </a:t>
+            </a:r>
+            <a:r>
+              <a:rPr lang="en-IN" sz="1800" b="0" dirty="0" smtClean="0"/>
+              <a:t>evaluated </a:t>
+            </a:r>
+          </a:p>
+          <a:p>
+            <a:pPr marL="411163" indent="-411163">
+              <a:spcBef>
+                <a:spcPts val="1500"/>
+              </a:spcBef>
+              <a:buSzPct val="150000"/>
+              <a:buBlip>
+                <a:blip r:embed="rId2"/>
+              </a:buBlip>
+            </a:pPr>
+            <a:r>
+              <a:rPr lang="en-US" sz="1800" b="0" dirty="0" smtClean="0"/>
+              <a:t>Invalid </a:t>
+            </a:r>
+            <a:r>
+              <a:rPr lang="en-US" sz="1800" b="0" dirty="0"/>
+              <a:t>profile IDs are ignored </a:t>
+            </a:r>
+            <a:endParaRPr lang="en-IN" sz="1800" b="0" dirty="0" smtClean="0"/>
+          </a:p>
+          <a:p>
+            <a:pPr marL="411163" indent="-411163">
+              <a:spcBef>
+                <a:spcPts val="1500"/>
+              </a:spcBef>
+              <a:buSzPct val="150000"/>
+              <a:buBlip>
+                <a:blip r:embed="rId2"/>
+              </a:buBlip>
+            </a:pPr>
+            <a:r>
+              <a:rPr lang="en-IN" sz="1800" b="0" dirty="0"/>
+              <a:t>Changes are applied and the cache is refreshed for each valid profile </a:t>
+            </a:r>
+            <a:r>
+              <a:rPr lang="en-IN" sz="1800" b="0" dirty="0" smtClean="0"/>
+              <a:t>ID.</a:t>
+            </a:r>
+          </a:p>
+          <a:p>
+            <a:pPr marL="411163" indent="-411163">
+              <a:spcBef>
+                <a:spcPts val="1500"/>
+              </a:spcBef>
+              <a:buSzPct val="150000"/>
+              <a:buBlip>
+                <a:blip r:embed="rId2"/>
+              </a:buBlip>
+            </a:pPr>
+            <a:r>
+              <a:rPr lang="en-US" sz="1800" b="0" dirty="0" smtClean="0"/>
+              <a:t>A </a:t>
+            </a:r>
+            <a:r>
+              <a:rPr lang="en-US" sz="1800" b="0" dirty="0"/>
+              <a:t>response is returned </a:t>
+            </a:r>
+            <a:endParaRPr lang="en-IN" sz="1800" b="0" dirty="0"/>
+          </a:p>
+        </p:txBody>
+      </p:sp>
+      <p:sp>
+        <p:nvSpPr>
+          <p:cNvPr id="8" name="Title 1"/>
+          <p:cNvSpPr txBox="1">
+            <a:spLocks/>
+          </p:cNvSpPr>
+          <p:nvPr/>
+        </p:nvSpPr>
+        <p:spPr>
+          <a:xfrm>
+            <a:off x="623888" y="175846"/>
+            <a:ext cx="9692420" cy="668216"/>
+          </a:xfrm>
+          <a:prstGeom prst="rect">
+            <a:avLst/>
+          </a:prstGeom>
+        </p:spPr>
+        <p:txBody>
+          <a:bodyPr/>
+          <a:lstStyle>
+            <a:lvl1pPr algn="l" defTabSz="914400" rtl="0" eaLnBrk="1" latinLnBrk="0" hangingPunct="1">
+              <a:lnSpc>
+                <a:spcPct val="80000"/>
+              </a:lnSpc>
+              <a:spcBef>
+                <a:spcPct val="0"/>
+              </a:spcBef>
+              <a:buNone/>
+              <a:defRPr sz="2400" b="1" kern="1200" cap="all" baseline="0">
+                <a:solidFill>
+                  <a:schemeClr val="tx2"/>
+                </a:solidFill>
+                <a:latin typeface="+mj-lt"/>
+                <a:ea typeface="+mj-ea"/>
+                <a:cs typeface="+mj-cs"/>
+              </a:defRPr>
+            </a:lvl1pPr>
+          </a:lstStyle>
+          <a:p>
+            <a:r>
+              <a:rPr lang="en-IN" dirty="0" smtClean="0">
+                <a:solidFill>
+                  <a:schemeClr val="tx1">
+                    <a:lumMod val="75000"/>
+                    <a:lumOff val="25000"/>
+                  </a:schemeClr>
+                </a:solidFill>
+              </a:rPr>
+              <a:t>APPLY CHANGES SERVICE</a:t>
+            </a:r>
+            <a:br>
+              <a:rPr lang="en-IN" dirty="0" smtClean="0">
+                <a:solidFill>
+                  <a:schemeClr val="tx1">
+                    <a:lumMod val="75000"/>
+                    <a:lumOff val="25000"/>
+                  </a:schemeClr>
+                </a:solidFill>
+              </a:rPr>
+            </a:br>
+            <a:endParaRPr lang="en-US" dirty="0"/>
+          </a:p>
+        </p:txBody>
+      </p:sp>
     </p:spTree>
     <p:extLst>
       <p:ext uri="{BB962C8B-B14F-4D97-AF65-F5344CB8AC3E}">
-        <p14:creationId xmlns:p14="http://schemas.microsoft.com/office/powerpoint/2010/main" val="1554111902"/>
+        <p14:creationId xmlns:p14="http://schemas.microsoft.com/office/powerpoint/2010/main" val="434242984"/>
       </p:ext>
     </p:extLst>
   </p:cSld>
@@ -8145,70 +6474,66 @@
         </p:nvSpPr>
         <p:spPr>
           <a:xfrm>
-            <a:off x="955343" y="1296538"/>
-            <a:ext cx="10727140" cy="2129051"/>
+            <a:off x="623888" y="936531"/>
+            <a:ext cx="10063777" cy="937523"/>
           </a:xfrm>
         </p:spPr>
         <p:txBody>
           <a:bodyPr/>
           <a:lstStyle/>
           <a:p>
-            <a:pPr marL="411163" indent="-411163">
+            <a:pPr>
               <a:spcBef>
                 <a:spcPts val="1500"/>
               </a:spcBef>
               <a:buSzPct val="150000"/>
-              <a:buBlip>
-                <a:blip r:embed="rId2"/>
-              </a:buBlip>
             </a:pPr>
             <a:r>
-              <a:rPr lang="en-IN" sz="2000" b="0" dirty="0"/>
-              <a:t>This service enables a </a:t>
-            </a:r>
-            <a:r>
-              <a:rPr lang="en-IN" sz="2000" dirty="0" smtClean="0">
+              <a:rPr lang="en-IN" sz="2400" b="0" dirty="0"/>
+              <a:t>The service enables a third party application to retrieve a single entry per profile by providing both the </a:t>
+            </a:r>
+            <a:r>
+              <a:rPr lang="en-IN" sz="2400" dirty="0">
                 <a:solidFill>
                   <a:schemeClr val="accent4">
                     <a:lumMod val="75000"/>
                   </a:schemeClr>
                 </a:solidFill>
               </a:rPr>
-              <a:t>Third Party Application </a:t>
-            </a:r>
-            <a:r>
-              <a:rPr lang="en-IN" sz="2000" b="0" dirty="0"/>
-              <a:t>to apply recent updates that were made to specific profiles. </a:t>
-            </a:r>
-          </a:p>
-          <a:p>
-            <a:pPr marL="411163" indent="-411163">
+              <a:t>profile unique ID </a:t>
+            </a:r>
+            <a:r>
+              <a:rPr lang="en-IN" sz="2400" b="0" dirty="0"/>
+              <a:t>and the </a:t>
+            </a:r>
+            <a:r>
+              <a:rPr lang="en-IN" sz="2400" dirty="0">
+                <a:solidFill>
+                  <a:schemeClr val="accent4">
+                    <a:lumMod val="75000"/>
+                  </a:schemeClr>
+                </a:solidFill>
+              </a:rPr>
+              <a:t>entry unique ID </a:t>
+            </a:r>
+            <a:r>
+              <a:rPr lang="en-IN" sz="2400" b="0" dirty="0" smtClean="0"/>
+              <a:t>. </a:t>
+            </a:r>
+            <a:endParaRPr lang="en-IN" sz="2400" b="0" dirty="0"/>
+          </a:p>
+          <a:p>
+            <a:pPr>
               <a:spcBef>
                 <a:spcPts val="1500"/>
               </a:spcBef>
               <a:buSzPct val="150000"/>
-              <a:buBlip>
-                <a:blip r:embed="rId2"/>
-              </a:buBlip>
             </a:pPr>
             <a:r>
-              <a:rPr lang="en-IN" sz="2000" b="0" dirty="0"/>
-              <a:t>The same functionality is accessible using the </a:t>
-            </a:r>
-            <a:r>
-              <a:rPr lang="en-IN" sz="2000" dirty="0">
-                <a:solidFill>
-                  <a:schemeClr val="accent4">
-                    <a:lumMod val="75000"/>
-                  </a:schemeClr>
-                </a:solidFill>
-              </a:rPr>
-              <a:t>Apply Changes</a:t>
-            </a:r>
-            <a:r>
-              <a:rPr lang="en-IN" sz="2000" b="0" dirty="0"/>
-              <a:t> dialog box in the GPP user interface. </a:t>
-            </a:r>
+              <a:rPr lang="en-IN" sz="2000" b="0" dirty="0" smtClean="0"/>
+              <a:t> </a:t>
+            </a:r>
+            <a:endParaRPr lang="en-IN" sz="2000" b="0" dirty="0"/>
           </a:p>
         </p:txBody>
       </p:sp>
@@ -8229,7 +6554,7 @@
           <a:p>
             <a:fld id="{4FAE0867-24A8-448F-B507-CC8586AA6B96}" type="datetime4">
               <a:rPr lang="en-GB" smtClean="0"/>
-              <a:t>09 February 2018</a:t>
+              <a:t>10 March 2018</a:t>
             </a:fld>
             <a:endParaRPr lang="en-GB" dirty="0"/>
           </a:p>
@@ -8269,8 +6594,8 @@
         </p:nvSpPr>
         <p:spPr>
           <a:xfrm>
-            <a:off x="1518307" y="4276393"/>
-            <a:ext cx="9523867" cy="1332843"/>
+            <a:off x="2860568" y="2939847"/>
+            <a:ext cx="5590416" cy="1789470"/>
           </a:xfrm>
           <a:prstGeom prst="rect">
             <a:avLst/>
@@ -8457,6 +6782,23 @@
             </a:lvl9pPr>
           </a:lstStyle>
           <a:p>
+            <a:pPr algn="ctr">
+              <a:spcBef>
+                <a:spcPts val="1500"/>
+              </a:spcBef>
+              <a:buSzPct val="150000"/>
+            </a:pPr>
+            <a:r>
+              <a:rPr lang="en-IN" sz="2000" dirty="0">
+                <a:solidFill>
+                  <a:schemeClr val="accent2"/>
+                </a:solidFill>
+              </a:rPr>
+              <a:t>Processing</a:t>
+            </a:r>
+            <a:endParaRPr lang="en-IN" sz="2000" b="0" dirty="0" smtClean="0"/>
+          </a:p>
+          <a:p>
             <a:pPr marL="411163" indent="-411163">
               <a:spcBef>
                 <a:spcPts val="1500"/>
@@ -8467,52 +6809,13 @@
               </a:buBlip>
             </a:pPr>
             <a:r>
-              <a:rPr lang="en-IN" sz="2000" b="0" dirty="0"/>
-              <a:t>The profile IDs in the </a:t>
-            </a:r>
-            <a:r>
-              <a:rPr lang="en-IN" sz="2000" dirty="0" smtClean="0">
-                <a:solidFill>
-                  <a:schemeClr val="accent4">
-                    <a:lumMod val="75000"/>
-                  </a:schemeClr>
-                </a:solidFill>
-              </a:rPr>
-              <a:t>&lt;</a:t>
-            </a:r>
-            <a:r>
-              <a:rPr lang="en-IN" sz="2000" dirty="0" err="1" smtClean="0">
-                <a:solidFill>
-                  <a:schemeClr val="accent4">
-                    <a:lumMod val="75000"/>
-                  </a:schemeClr>
-                </a:solidFill>
-              </a:rPr>
-              <a:t>profileIDs</a:t>
-            </a:r>
-            <a:r>
-              <a:rPr lang="en-IN" sz="2000" dirty="0" smtClean="0">
-                <a:solidFill>
-                  <a:schemeClr val="accent4">
-                    <a:lumMod val="75000"/>
-                  </a:schemeClr>
-                </a:solidFill>
-              </a:rPr>
-              <a:t>&gt;</a:t>
-            </a:r>
-            <a:r>
-              <a:rPr lang="en-IN" sz="2000" b="0" dirty="0" smtClean="0"/>
-              <a:t> </a:t>
-            </a:r>
-            <a:r>
-              <a:rPr lang="en-IN" sz="2000" b="0" dirty="0"/>
-              <a:t>tag are converted to cache </a:t>
-            </a:r>
-            <a:r>
-              <a:rPr lang="en-IN" sz="2000" b="0" dirty="0" smtClean="0"/>
-              <a:t>IDs. </a:t>
-            </a:r>
-            <a:endParaRPr lang="en-IN" sz="2000" b="0" dirty="0"/>
+              <a:rPr lang="en-IN" sz="1800" b="0" dirty="0" smtClean="0"/>
+              <a:t>The </a:t>
+            </a:r>
+            <a:r>
+              <a:rPr lang="en-IN" sz="1800" b="0" dirty="0"/>
+              <a:t>input parameters are validated. </a:t>
+            </a:r>
           </a:p>
           <a:p>
             <a:pPr marL="411163" indent="-411163">
@@ -8525,12 +6828,12 @@
               </a:buBlip>
             </a:pPr>
             <a:r>
-              <a:rPr lang="en-IN" sz="2000" b="0" dirty="0"/>
-              <a:t>Related caches are </a:t>
-            </a:r>
-            <a:r>
-              <a:rPr lang="en-IN" sz="2000" b="0" dirty="0" smtClean="0"/>
-              <a:t>evaluated</a:t>
+              <a:rPr lang="en-IN" sz="1800" b="0" dirty="0"/>
+              <a:t>Profile query is generated</a:t>
+            </a:r>
+            <a:r>
+              <a:rPr lang="en-IN" sz="1800" b="0" dirty="0" smtClean="0"/>
+              <a:t>.</a:t>
             </a:r>
           </a:p>
           <a:p>
@@ -8544,15 +6847,15 @@
               </a:buBlip>
             </a:pPr>
             <a:r>
-              <a:rPr lang="en-IN" sz="2000" b="0" dirty="0"/>
-              <a:t>Changes are applied and the cache is refreshed for each valid profile ID.</a:t>
-            </a:r>
-          </a:p>
-        </p:txBody>
-      </p:sp>
-      <p:sp>
-        <p:nvSpPr>
-          <p:cNvPr id="7" name="Content Placeholder 2"/>
+              <a:rPr lang="en-IN" sz="1800" b="0" dirty="0"/>
+              <a:t>All relevant attributes are returned.</a:t>
+            </a:r>
+          </a:p>
+        </p:txBody>
+      </p:sp>
+      <p:sp>
+        <p:nvSpPr>
+          <p:cNvPr id="8" name="Title 1"/>
           <p:cNvSpPr txBox="1">
             <a:spLocks/>
           </p:cNvSpPr>
@@ -8560,220 +6863,61 @@
         </p:nvSpPr>
         <p:spPr>
           <a:xfrm>
-            <a:off x="916671" y="3512084"/>
-            <a:ext cx="10727140" cy="309304"/>
+            <a:off x="623888" y="175846"/>
+            <a:ext cx="9692420" cy="668216"/>
           </a:xfrm>
           <a:prstGeom prst="rect">
             <a:avLst/>
           </a:prstGeom>
         </p:spPr>
         <p:txBody>
-          <a:bodyPr vert="horz" lIns="0" tIns="0" rIns="0" bIns="0" rtlCol="0" anchor="t" anchorCtr="0">
-            <a:noAutofit/>
-          </a:bodyPr>
+          <a:bodyPr/>
           <a:lstStyle>
-            <a:lvl1pPr marL="0" indent="0" algn="l" defTabSz="914400" rtl="0" eaLnBrk="1" latinLnBrk="0" hangingPunct="1">
+            <a:lvl1pPr algn="l" defTabSz="914400" rtl="0" eaLnBrk="1" latinLnBrk="0" hangingPunct="1">
               <a:lnSpc>
-                <a:spcPct val="90000"/>
+                <a:spcPct val="80000"/>
               </a:lnSpc>
               <a:spcBef>
-                <a:spcPts val="1200"/>
+                <a:spcPct val="0"/>
               </a:spcBef>
-              <a:buFont typeface="Arial" panose="020B0604020202020204" pitchFamily="34" charset="0"/>
               <a:buNone/>
-              <a:defRPr sz="3600" b="1" kern="1200">
+              <a:defRPr sz="2400" b="1" kern="1200" cap="all" baseline="0">
                 <a:solidFill>
                   <a:schemeClr val="tx2"/>
                 </a:solidFill>
-                <a:latin typeface="+mn-lt"/>
-                <a:ea typeface="+mn-ea"/>
-                <a:cs typeface="+mn-cs"/>
+                <a:latin typeface="+mj-lt"/>
+                <a:ea typeface="+mj-ea"/>
+                <a:cs typeface="+mj-cs"/>
               </a:defRPr>
             </a:lvl1pPr>
-            <a:lvl2pPr marL="0" indent="0" algn="l" defTabSz="914400" rtl="0" eaLnBrk="1" latinLnBrk="0" hangingPunct="1">
-              <a:lnSpc>
-                <a:spcPct val="90000"/>
-              </a:lnSpc>
-              <a:spcBef>
-                <a:spcPts val="1800"/>
-              </a:spcBef>
-              <a:buClr>
-                <a:schemeClr val="tx2"/>
-              </a:buClr>
-              <a:buFont typeface="Arial" panose="020B0604020202020204" pitchFamily="34" charset="0"/>
-              <a:buNone/>
-              <a:defRPr sz="1600" b="0" kern="1200">
-                <a:solidFill>
-                  <a:schemeClr val="tx2"/>
-                </a:solidFill>
-                <a:latin typeface="+mn-lt"/>
-                <a:ea typeface="+mn-ea"/>
-                <a:cs typeface="+mn-cs"/>
-              </a:defRPr>
-            </a:lvl2pPr>
-            <a:lvl3pPr marL="395288" indent="-158750" algn="l" defTabSz="914400" rtl="0" eaLnBrk="1" latinLnBrk="0" hangingPunct="1">
-              <a:lnSpc>
-                <a:spcPct val="90000"/>
-              </a:lnSpc>
-              <a:spcBef>
-                <a:spcPts val="500"/>
-              </a:spcBef>
-              <a:buClr>
-                <a:schemeClr val="tx2"/>
-              </a:buClr>
-              <a:buFont typeface="Arial" panose="020B0604020202020204" pitchFamily="34" charset="0"/>
-              <a:buChar char="–"/>
-              <a:defRPr sz="1400" kern="1200">
-                <a:solidFill>
-                  <a:schemeClr val="tx2"/>
-                </a:solidFill>
-                <a:latin typeface="+mn-lt"/>
-                <a:ea typeface="+mn-ea"/>
-                <a:cs typeface="+mn-cs"/>
-              </a:defRPr>
-            </a:lvl3pPr>
-            <a:lvl4pPr marL="587375" indent="-144463" algn="l" defTabSz="914400" rtl="0" eaLnBrk="1" latinLnBrk="0" hangingPunct="1">
-              <a:lnSpc>
-                <a:spcPct val="90000"/>
-              </a:lnSpc>
-              <a:spcBef>
-                <a:spcPts val="300"/>
-              </a:spcBef>
-              <a:buClr>
-                <a:schemeClr val="tx2"/>
-              </a:buClr>
-              <a:buFont typeface="Arial" panose="020B0604020202020204" pitchFamily="34" charset="0"/>
-              <a:buChar char="•"/>
-              <a:defRPr sz="1200" kern="1200">
-                <a:solidFill>
-                  <a:schemeClr val="tx2"/>
-                </a:solidFill>
-                <a:latin typeface="+mn-lt"/>
-                <a:ea typeface="+mn-ea"/>
-                <a:cs typeface="+mn-cs"/>
-              </a:defRPr>
-            </a:lvl4pPr>
-            <a:lvl5pPr marL="766763" indent="-153988" algn="l" defTabSz="914400" rtl="0" eaLnBrk="1" latinLnBrk="0" hangingPunct="1">
-              <a:lnSpc>
-                <a:spcPct val="90000"/>
-              </a:lnSpc>
-              <a:spcBef>
-                <a:spcPts val="300"/>
-              </a:spcBef>
-              <a:buClr>
-                <a:schemeClr val="tx2"/>
-              </a:buClr>
-              <a:buFont typeface="Arial" panose="020B0604020202020204" pitchFamily="34" charset="0"/>
-              <a:buChar char="–"/>
-              <a:defRPr sz="1200" kern="1200">
-                <a:solidFill>
-                  <a:schemeClr val="tx2"/>
-                </a:solidFill>
-                <a:latin typeface="+mn-lt"/>
-                <a:ea typeface="+mn-ea"/>
-                <a:cs typeface="+mn-cs"/>
-              </a:defRPr>
-            </a:lvl5pPr>
-            <a:lvl6pPr marL="2514600" indent="-228600" algn="l" defTabSz="914400" rtl="0" eaLnBrk="1" latinLnBrk="0" hangingPunct="1">
-              <a:lnSpc>
-                <a:spcPct val="90000"/>
-              </a:lnSpc>
-              <a:spcBef>
-                <a:spcPts val="500"/>
-              </a:spcBef>
-              <a:buFont typeface="Arial" panose="020B0604020202020204" pitchFamily="34" charset="0"/>
-              <a:buChar char="•"/>
-              <a:defRPr sz="1800" kern="1200">
-                <a:solidFill>
-                  <a:schemeClr val="tx1"/>
-                </a:solidFill>
-                <a:latin typeface="+mn-lt"/>
-                <a:ea typeface="+mn-ea"/>
-                <a:cs typeface="+mn-cs"/>
-              </a:defRPr>
-            </a:lvl6pPr>
-            <a:lvl7pPr marL="2971800" indent="-228600" algn="l" defTabSz="914400" rtl="0" eaLnBrk="1" latinLnBrk="0" hangingPunct="1">
-              <a:lnSpc>
-                <a:spcPct val="90000"/>
-              </a:lnSpc>
-              <a:spcBef>
-                <a:spcPts val="500"/>
-              </a:spcBef>
-              <a:buFont typeface="Arial" panose="020B0604020202020204" pitchFamily="34" charset="0"/>
-              <a:buChar char="•"/>
-              <a:defRPr sz="1800" kern="1200">
-                <a:solidFill>
-                  <a:schemeClr val="tx1"/>
-                </a:solidFill>
-                <a:latin typeface="+mn-lt"/>
-                <a:ea typeface="+mn-ea"/>
-                <a:cs typeface="+mn-cs"/>
-              </a:defRPr>
-            </a:lvl7pPr>
-            <a:lvl8pPr marL="3429000" indent="-228600" algn="l" defTabSz="914400" rtl="0" eaLnBrk="1" latinLnBrk="0" hangingPunct="1">
-              <a:lnSpc>
-                <a:spcPct val="90000"/>
-              </a:lnSpc>
-              <a:spcBef>
-                <a:spcPts val="500"/>
-              </a:spcBef>
-              <a:buFont typeface="Arial" panose="020B0604020202020204" pitchFamily="34" charset="0"/>
-              <a:buChar char="•"/>
-              <a:defRPr sz="1800" kern="1200">
-                <a:solidFill>
-                  <a:schemeClr val="tx1"/>
-                </a:solidFill>
-                <a:latin typeface="+mn-lt"/>
-                <a:ea typeface="+mn-ea"/>
-                <a:cs typeface="+mn-cs"/>
-              </a:defRPr>
-            </a:lvl8pPr>
-            <a:lvl9pPr marL="3886200" indent="-228600" algn="l" defTabSz="914400" rtl="0" eaLnBrk="1" latinLnBrk="0" hangingPunct="1">
-              <a:lnSpc>
-                <a:spcPct val="90000"/>
-              </a:lnSpc>
-              <a:spcBef>
-                <a:spcPts val="500"/>
-              </a:spcBef>
-              <a:buFont typeface="Arial" panose="020B0604020202020204" pitchFamily="34" charset="0"/>
-              <a:buChar char="•"/>
-              <a:defRPr sz="1800" kern="1200">
-                <a:solidFill>
-                  <a:schemeClr val="tx1"/>
-                </a:solidFill>
-                <a:latin typeface="+mn-lt"/>
-                <a:ea typeface="+mn-ea"/>
-                <a:cs typeface="+mn-cs"/>
-              </a:defRPr>
-            </a:lvl9pPr>
           </a:lstStyle>
           <a:p>
-            <a:pPr>
-              <a:spcBef>
-                <a:spcPts val="1500"/>
-              </a:spcBef>
-              <a:buSzPct val="150000"/>
-            </a:pPr>
-            <a:r>
-              <a:rPr lang="en-IN" sz="2000" b="0" dirty="0" smtClean="0"/>
-              <a:t> </a:t>
-            </a:r>
-            <a:r>
-              <a:rPr lang="en-IN" sz="3200" dirty="0" smtClean="0"/>
-              <a:t>Processing</a:t>
-            </a:r>
-            <a:r>
-              <a:rPr lang="en-IN" sz="2000" b="0" dirty="0" smtClean="0"/>
-              <a:t>. </a:t>
-            </a:r>
-            <a:endParaRPr lang="en-IN" sz="2000" b="0" dirty="0"/>
+            <a:r>
+              <a:rPr lang="en-IN" dirty="0">
+                <a:solidFill>
+                  <a:schemeClr val="tx1">
+                    <a:lumMod val="75000"/>
+                    <a:lumOff val="25000"/>
+                  </a:schemeClr>
+                </a:solidFill>
+              </a:rPr>
+              <a:t>Load Profile Service</a:t>
+            </a:r>
+            <a:endParaRPr lang="en-IN" dirty="0">
+              <a:solidFill>
+                <a:schemeClr val="tx1">
+                  <a:lumMod val="75000"/>
+                  <a:lumOff val="25000"/>
+                </a:schemeClr>
+              </a:solidFill>
+            </a:endParaRPr>
           </a:p>
         </p:txBody>
       </p:sp>
     </p:spTree>
     <p:extLst>
       <p:ext uri="{BB962C8B-B14F-4D97-AF65-F5344CB8AC3E}">
-        <p14:creationId xmlns:p14="http://schemas.microsoft.com/office/powerpoint/2010/main" val="434242984"/>
+        <p14:creationId xmlns:p14="http://schemas.microsoft.com/office/powerpoint/2010/main" val="848341431"/>
       </p:ext>
     </p:extLst>
   </p:cSld>
@@ -8809,35 +6953,136 @@
       </p:grpSpPr>
       <p:sp>
         <p:nvSpPr>
-          <p:cNvPr id="2" name="Text Placeholder 1"/>
+          <p:cNvPr id="3" name="Content Placeholder 2"/>
           <p:cNvSpPr>
             <a:spLocks noGrp="1"/>
           </p:cNvSpPr>
           <p:nvPr>
-            <p:ph type="body" sz="quarter" idx="13"/>
+            <p:ph idx="1"/>
           </p:nvPr>
         </p:nvSpPr>
         <p:spPr>
           <a:xfrm>
-            <a:off x="1284987" y="2262553"/>
-            <a:ext cx="9292028" cy="3264790"/>
+            <a:off x="623888" y="994604"/>
+            <a:ext cx="9820812" cy="1269681"/>
           </a:xfrm>
         </p:spPr>
         <p:txBody>
           <a:bodyPr/>
           <a:lstStyle/>
           <a:p>
-            <a:r>
-              <a:rPr lang="en-IN" sz="6600" dirty="0">
-                <a:solidFill>
-                  <a:schemeClr val="tx1">
+            <a:pPr>
+              <a:spcBef>
+                <a:spcPts val="1500"/>
+              </a:spcBef>
+              <a:buSzPct val="150000"/>
+            </a:pPr>
+            <a:r>
+              <a:rPr lang="en-IN" sz="2000" b="0" dirty="0"/>
+              <a:t>This service enables a third party application to perform different actions on a static data profile, such as </a:t>
+            </a:r>
+            <a:r>
+              <a:rPr lang="en-IN" sz="2000" dirty="0">
+                <a:solidFill>
+                  <a:schemeClr val="accent4">
                     <a:lumMod val="75000"/>
-                    <a:lumOff val="25000"/>
                   </a:schemeClr>
                 </a:solidFill>
               </a:rPr>
-              <a:t>Load Profile Service</a:t>
-            </a:r>
+              <a:t>Save</a:t>
+            </a:r>
+            <a:r>
+              <a:rPr lang="en-IN" sz="2000" b="0" dirty="0"/>
+              <a:t>, </a:t>
+            </a:r>
+            <a:r>
+              <a:rPr lang="en-IN" sz="2000" dirty="0">
+                <a:solidFill>
+                  <a:schemeClr val="accent4">
+                    <a:lumMod val="75000"/>
+                  </a:schemeClr>
+                </a:solidFill>
+              </a:rPr>
+              <a:t>Hold</a:t>
+            </a:r>
+            <a:r>
+              <a:rPr lang="en-IN" sz="2000" b="0" dirty="0"/>
+              <a:t>, </a:t>
+            </a:r>
+            <a:r>
+              <a:rPr lang="en-IN" sz="2000" dirty="0">
+                <a:solidFill>
+                  <a:schemeClr val="accent4">
+                    <a:lumMod val="75000"/>
+                  </a:schemeClr>
+                </a:solidFill>
+              </a:rPr>
+              <a:t>Delete</a:t>
+            </a:r>
+            <a:r>
+              <a:rPr lang="en-IN" sz="2000" b="0" dirty="0">
+                <a:solidFill>
+                  <a:schemeClr val="accent4">
+                    <a:lumMod val="75000"/>
+                  </a:schemeClr>
+                </a:solidFill>
+              </a:rPr>
+              <a:t> </a:t>
+            </a:r>
+            <a:r>
+              <a:rPr lang="en-IN" sz="2000" b="0" dirty="0"/>
+              <a:t>and </a:t>
+            </a:r>
+            <a:r>
+              <a:rPr lang="en-IN" sz="2000" dirty="0">
+                <a:solidFill>
+                  <a:schemeClr val="accent4">
+                    <a:lumMod val="75000"/>
+                  </a:schemeClr>
+                </a:solidFill>
+              </a:rPr>
+              <a:t>Activate</a:t>
+            </a:r>
+            <a:r>
+              <a:rPr lang="en-IN" sz="2000" b="0" dirty="0"/>
+              <a:t>. </a:t>
+            </a:r>
+            <a:endParaRPr lang="en-IN" sz="2000" b="0" dirty="0" smtClean="0"/>
+          </a:p>
+          <a:p>
+            <a:pPr>
+              <a:spcBef>
+                <a:spcPts val="1500"/>
+              </a:spcBef>
+              <a:buSzPct val="150000"/>
+            </a:pPr>
+            <a:r>
+              <a:rPr lang="en-IN" sz="2000" b="0" dirty="0" smtClean="0"/>
+              <a:t>These </a:t>
+            </a:r>
+            <a:r>
+              <a:rPr lang="en-IN" sz="2000" b="0" dirty="0"/>
+              <a:t>action buttons are taken from </a:t>
+            </a:r>
+            <a:r>
+              <a:rPr lang="en-IN" sz="2000" dirty="0">
+                <a:solidFill>
+                  <a:schemeClr val="accent4">
+                    <a:lumMod val="75000"/>
+                  </a:schemeClr>
+                </a:solidFill>
+              </a:rPr>
+              <a:t>GPP user interface</a:t>
+            </a:r>
+            <a:r>
+              <a:rPr lang="en-IN" sz="2000" b="0" dirty="0"/>
+              <a:t>. </a:t>
+            </a:r>
+            <a:r>
+              <a:rPr lang="en-IN" sz="2000" b="0" dirty="0" smtClean="0"/>
+              <a:t> </a:t>
+            </a:r>
+            <a:endParaRPr lang="en-IN" sz="2000" b="0" dirty="0"/>
           </a:p>
         </p:txBody>
       </p:sp>
@@ -8858,7 +7103,7 @@
           <a:p>
             <a:fld id="{4FAE0867-24A8-448F-B507-CC8586AA6B96}" type="datetime4">
               <a:rPr lang="en-GB" smtClean="0"/>
-              <a:t>09 February 2018</a:t>
+              <a:t>10 March 2018</a:t>
             </a:fld>
             <a:endParaRPr lang="en-GB" dirty="0"/>
           </a:p>
@@ -8888,10 +7133,411 @@
           </a:p>
         </p:txBody>
       </p:sp>
+      <p:sp>
+        <p:nvSpPr>
+          <p:cNvPr id="8" name="Title 1"/>
+          <p:cNvSpPr txBox="1">
+            <a:spLocks/>
+          </p:cNvSpPr>
+          <p:nvPr/>
+        </p:nvSpPr>
+        <p:spPr>
+          <a:xfrm>
+            <a:off x="623888" y="175846"/>
+            <a:ext cx="9692420" cy="668216"/>
+          </a:xfrm>
+          <a:prstGeom prst="rect">
+            <a:avLst/>
+          </a:prstGeom>
+        </p:spPr>
+        <p:txBody>
+          <a:bodyPr/>
+          <a:lstStyle>
+            <a:lvl1pPr algn="l" defTabSz="914400" rtl="0" eaLnBrk="1" latinLnBrk="0" hangingPunct="1">
+              <a:lnSpc>
+                <a:spcPct val="80000"/>
+              </a:lnSpc>
+              <a:spcBef>
+                <a:spcPct val="0"/>
+              </a:spcBef>
+              <a:buNone/>
+              <a:defRPr sz="2400" b="1" kern="1200" cap="all" baseline="0">
+                <a:solidFill>
+                  <a:schemeClr val="tx2"/>
+                </a:solidFill>
+                <a:latin typeface="+mj-lt"/>
+                <a:ea typeface="+mj-ea"/>
+                <a:cs typeface="+mj-cs"/>
+              </a:defRPr>
+            </a:lvl1pPr>
+          </a:lstStyle>
+          <a:p>
+            <a:r>
+              <a:rPr lang="en-IN" dirty="0">
+                <a:solidFill>
+                  <a:schemeClr val="tx1">
+                    <a:lumMod val="75000"/>
+                    <a:lumOff val="25000"/>
+                  </a:schemeClr>
+                </a:solidFill>
+              </a:rPr>
+              <a:t>Profile </a:t>
+            </a:r>
+            <a:r>
+              <a:rPr lang="en-IN" dirty="0" smtClean="0">
+                <a:solidFill>
+                  <a:schemeClr val="tx1">
+                    <a:lumMod val="75000"/>
+                    <a:lumOff val="25000"/>
+                  </a:schemeClr>
+                </a:solidFill>
+              </a:rPr>
+              <a:t>Actions </a:t>
+            </a:r>
+            <a:r>
+              <a:rPr lang="en-IN" dirty="0">
+                <a:solidFill>
+                  <a:schemeClr val="tx1">
+                    <a:lumMod val="75000"/>
+                    <a:lumOff val="25000"/>
+                  </a:schemeClr>
+                </a:solidFill>
+              </a:rPr>
+              <a:t>Service</a:t>
+            </a:r>
+            <a:endParaRPr lang="en-IN" dirty="0">
+              <a:solidFill>
+                <a:schemeClr val="tx1">
+                  <a:lumMod val="75000"/>
+                  <a:lumOff val="25000"/>
+                </a:schemeClr>
+              </a:solidFill>
+            </a:endParaRPr>
+          </a:p>
+        </p:txBody>
+      </p:sp>
+      <p:sp>
+        <p:nvSpPr>
+          <p:cNvPr id="9" name="Content Placeholder 2"/>
+          <p:cNvSpPr txBox="1">
+            <a:spLocks/>
+          </p:cNvSpPr>
+          <p:nvPr/>
+        </p:nvSpPr>
+        <p:spPr>
+          <a:xfrm>
+            <a:off x="623888" y="2749419"/>
+            <a:ext cx="7517222" cy="2907742"/>
+          </a:xfrm>
+          <a:prstGeom prst="rect">
+            <a:avLst/>
+          </a:prstGeom>
+        </p:spPr>
+        <p:txBody>
+          <a:bodyPr vert="horz" lIns="0" tIns="0" rIns="0" bIns="0" rtlCol="0" anchor="t" anchorCtr="0">
+            <a:noAutofit/>
+          </a:bodyPr>
+          <a:lstStyle>
+            <a:lvl1pPr marL="0" indent="0" algn="l" defTabSz="914400" rtl="0" eaLnBrk="1" latinLnBrk="0" hangingPunct="1">
+              <a:lnSpc>
+                <a:spcPct val="90000"/>
+              </a:lnSpc>
+              <a:spcBef>
+                <a:spcPts val="1200"/>
+              </a:spcBef>
+              <a:buFont typeface="Arial" panose="020B0604020202020204" pitchFamily="34" charset="0"/>
+              <a:buNone/>
+              <a:defRPr sz="3600" b="1" kern="1200">
+                <a:solidFill>
+                  <a:schemeClr val="tx2"/>
+                </a:solidFill>
+                <a:latin typeface="+mn-lt"/>
+                <a:ea typeface="+mn-ea"/>
+                <a:cs typeface="+mn-cs"/>
+              </a:defRPr>
+            </a:lvl1pPr>
+            <a:lvl2pPr marL="0" indent="0" algn="l" defTabSz="914400" rtl="0" eaLnBrk="1" latinLnBrk="0" hangingPunct="1">
+              <a:lnSpc>
+                <a:spcPct val="90000"/>
+              </a:lnSpc>
+              <a:spcBef>
+                <a:spcPts val="1800"/>
+              </a:spcBef>
+              <a:buClr>
+                <a:schemeClr val="tx2"/>
+              </a:buClr>
+              <a:buFont typeface="Arial" panose="020B0604020202020204" pitchFamily="34" charset="0"/>
+              <a:buNone/>
+              <a:defRPr sz="1600" b="0" kern="1200">
+                <a:solidFill>
+                  <a:schemeClr val="tx2"/>
+                </a:solidFill>
+                <a:latin typeface="+mn-lt"/>
+                <a:ea typeface="+mn-ea"/>
+                <a:cs typeface="+mn-cs"/>
+              </a:defRPr>
+            </a:lvl2pPr>
+            <a:lvl3pPr marL="395288" indent="-158750" algn="l" defTabSz="914400" rtl="0" eaLnBrk="1" latinLnBrk="0" hangingPunct="1">
+              <a:lnSpc>
+                <a:spcPct val="90000"/>
+              </a:lnSpc>
+              <a:spcBef>
+                <a:spcPts val="500"/>
+              </a:spcBef>
+              <a:buClr>
+                <a:schemeClr val="tx2"/>
+              </a:buClr>
+              <a:buFont typeface="Arial" panose="020B0604020202020204" pitchFamily="34" charset="0"/>
+              <a:buChar char="–"/>
+              <a:defRPr sz="1400" kern="1200">
+                <a:solidFill>
+                  <a:schemeClr val="tx2"/>
+                </a:solidFill>
+                <a:latin typeface="+mn-lt"/>
+                <a:ea typeface="+mn-ea"/>
+                <a:cs typeface="+mn-cs"/>
+              </a:defRPr>
+            </a:lvl3pPr>
+            <a:lvl4pPr marL="587375" indent="-144463" algn="l" defTabSz="914400" rtl="0" eaLnBrk="1" latinLnBrk="0" hangingPunct="1">
+              <a:lnSpc>
+                <a:spcPct val="90000"/>
+              </a:lnSpc>
+              <a:spcBef>
+                <a:spcPts val="300"/>
+              </a:spcBef>
+              <a:buClr>
+                <a:schemeClr val="tx2"/>
+              </a:buClr>
+              <a:buFont typeface="Arial" panose="020B0604020202020204" pitchFamily="34" charset="0"/>
+              <a:buChar char="•"/>
+              <a:defRPr sz="1200" kern="1200">
+                <a:solidFill>
+                  <a:schemeClr val="tx2"/>
+                </a:solidFill>
+                <a:latin typeface="+mn-lt"/>
+                <a:ea typeface="+mn-ea"/>
+                <a:cs typeface="+mn-cs"/>
+              </a:defRPr>
+            </a:lvl4pPr>
+            <a:lvl5pPr marL="766763" indent="-153988" algn="l" defTabSz="914400" rtl="0" eaLnBrk="1" latinLnBrk="0" hangingPunct="1">
+              <a:lnSpc>
+                <a:spcPct val="90000"/>
+              </a:lnSpc>
+              <a:spcBef>
+                <a:spcPts val="300"/>
+              </a:spcBef>
+              <a:buClr>
+                <a:schemeClr val="tx2"/>
+              </a:buClr>
+              <a:buFont typeface="Arial" panose="020B0604020202020204" pitchFamily="34" charset="0"/>
+              <a:buChar char="–"/>
+              <a:defRPr sz="1200" kern="1200">
+                <a:solidFill>
+                  <a:schemeClr val="tx2"/>
+                </a:solidFill>
+                <a:latin typeface="+mn-lt"/>
+                <a:ea typeface="+mn-ea"/>
+                <a:cs typeface="+mn-cs"/>
+              </a:defRPr>
+            </a:lvl5pPr>
+            <a:lvl6pPr marL="2514600" indent="-228600" algn="l" defTabSz="914400" rtl="0" eaLnBrk="1" latinLnBrk="0" hangingPunct="1">
+              <a:lnSpc>
+                <a:spcPct val="90000"/>
+              </a:lnSpc>
+              <a:spcBef>
+                <a:spcPts val="500"/>
+              </a:spcBef>
+              <a:buFont typeface="Arial" panose="020B0604020202020204" pitchFamily="34" charset="0"/>
+              <a:buChar char="•"/>
+              <a:defRPr sz="1800" kern="1200">
+                <a:solidFill>
+                  <a:schemeClr val="tx1"/>
+                </a:solidFill>
+                <a:latin typeface="+mn-lt"/>
+                <a:ea typeface="+mn-ea"/>
+                <a:cs typeface="+mn-cs"/>
+              </a:defRPr>
+            </a:lvl6pPr>
+            <a:lvl7pPr marL="2971800" indent="-228600" algn="l" defTabSz="914400" rtl="0" eaLnBrk="1" latinLnBrk="0" hangingPunct="1">
+              <a:lnSpc>
+                <a:spcPct val="90000"/>
+              </a:lnSpc>
+              <a:spcBef>
+                <a:spcPts val="500"/>
+              </a:spcBef>
+              <a:buFont typeface="Arial" panose="020B0604020202020204" pitchFamily="34" charset="0"/>
+              <a:buChar char="•"/>
+              <a:defRPr sz="1800" kern="1200">
+                <a:solidFill>
+                  <a:schemeClr val="tx1"/>
+                </a:solidFill>
+                <a:latin typeface="+mn-lt"/>
+                <a:ea typeface="+mn-ea"/>
+                <a:cs typeface="+mn-cs"/>
+              </a:defRPr>
+            </a:lvl7pPr>
+            <a:lvl8pPr marL="3429000" indent="-228600" algn="l" defTabSz="914400" rtl="0" eaLnBrk="1" latinLnBrk="0" hangingPunct="1">
+              <a:lnSpc>
+                <a:spcPct val="90000"/>
+              </a:lnSpc>
+              <a:spcBef>
+                <a:spcPts val="500"/>
+              </a:spcBef>
+              <a:buFont typeface="Arial" panose="020B0604020202020204" pitchFamily="34" charset="0"/>
+              <a:buChar char="•"/>
+              <a:defRPr sz="1800" kern="1200">
+                <a:solidFill>
+                  <a:schemeClr val="tx1"/>
+                </a:solidFill>
+                <a:latin typeface="+mn-lt"/>
+                <a:ea typeface="+mn-ea"/>
+                <a:cs typeface="+mn-cs"/>
+              </a:defRPr>
+            </a:lvl8pPr>
+            <a:lvl9pPr marL="3886200" indent="-228600" algn="l" defTabSz="914400" rtl="0" eaLnBrk="1" latinLnBrk="0" hangingPunct="1">
+              <a:lnSpc>
+                <a:spcPct val="90000"/>
+              </a:lnSpc>
+              <a:spcBef>
+                <a:spcPts val="500"/>
+              </a:spcBef>
+              <a:buFont typeface="Arial" panose="020B0604020202020204" pitchFamily="34" charset="0"/>
+              <a:buChar char="•"/>
+              <a:defRPr sz="1800" kern="1200">
+                <a:solidFill>
+                  <a:schemeClr val="tx1"/>
+                </a:solidFill>
+                <a:latin typeface="+mn-lt"/>
+                <a:ea typeface="+mn-ea"/>
+                <a:cs typeface="+mn-cs"/>
+              </a:defRPr>
+            </a:lvl9pPr>
+          </a:lstStyle>
+          <a:p>
+            <a:pPr algn="ctr">
+              <a:spcBef>
+                <a:spcPts val="1500"/>
+              </a:spcBef>
+              <a:buSzPct val="150000"/>
+            </a:pPr>
+            <a:r>
+              <a:rPr lang="en-IN" sz="2000" dirty="0">
+                <a:solidFill>
+                  <a:schemeClr val="accent2"/>
+                </a:solidFill>
+              </a:rPr>
+              <a:t>Processing</a:t>
+            </a:r>
+            <a:endParaRPr lang="en-IN" sz="2000" b="0" dirty="0" smtClean="0"/>
+          </a:p>
+          <a:p>
+            <a:pPr marL="411163" indent="-411163">
+              <a:spcBef>
+                <a:spcPts val="1500"/>
+              </a:spcBef>
+              <a:buSzPct val="150000"/>
+              <a:buBlip>
+                <a:blip r:embed="rId2"/>
+              </a:buBlip>
+            </a:pPr>
+            <a:r>
+              <a:rPr lang="en-IN" sz="1800" b="0" dirty="0"/>
+              <a:t>The input parameters are validated. </a:t>
+            </a:r>
+            <a:r>
+              <a:rPr lang="en-US" sz="1800" b="0" dirty="0"/>
+              <a:t>When the profile ID cannot be found or is not provided, an error is </a:t>
+            </a:r>
+            <a:r>
+              <a:rPr lang="en-US" sz="1800" b="0" dirty="0" smtClean="0"/>
+              <a:t>generated</a:t>
+            </a:r>
+            <a:r>
+              <a:rPr lang="en-IN" sz="1800" b="0" dirty="0" smtClean="0"/>
+              <a:t>. </a:t>
+            </a:r>
+          </a:p>
+          <a:p>
+            <a:pPr marL="411163" indent="-411163">
+              <a:spcBef>
+                <a:spcPts val="1500"/>
+              </a:spcBef>
+              <a:buSzPct val="150000"/>
+              <a:buBlip>
+                <a:blip r:embed="rId2"/>
+              </a:buBlip>
+            </a:pPr>
+            <a:r>
+              <a:rPr lang="en-US" sz="1800" b="0" dirty="0"/>
+              <a:t>The list of applicable profile IDs is defined in the system (MENU_ITEMS.ITEM_ID). </a:t>
+            </a:r>
+            <a:endParaRPr lang="en-IN" sz="1800" b="0" dirty="0"/>
+          </a:p>
+          <a:p>
+            <a:pPr marL="411163" indent="-411163">
+              <a:spcBef>
+                <a:spcPts val="1500"/>
+              </a:spcBef>
+              <a:buSzPct val="150000"/>
+              <a:buBlip>
+                <a:blip r:embed="rId2"/>
+              </a:buBlip>
+            </a:pPr>
+            <a:r>
+              <a:rPr lang="en-IN" sz="1800" b="0" dirty="0"/>
+              <a:t>Profile query is generated</a:t>
+            </a:r>
+            <a:r>
+              <a:rPr lang="en-IN" sz="1800" b="0" dirty="0" smtClean="0"/>
+              <a:t>.</a:t>
+            </a:r>
+          </a:p>
+          <a:p>
+            <a:pPr marL="411163" indent="-411163">
+              <a:spcBef>
+                <a:spcPts val="1500"/>
+              </a:spcBef>
+              <a:buSzPct val="150000"/>
+              <a:buBlip>
+                <a:blip r:embed="rId2"/>
+              </a:buBlip>
+            </a:pPr>
+            <a:r>
+              <a:rPr lang="en-US" sz="1800" b="0" dirty="0"/>
+              <a:t>These are valid statuses (selection from system table FIELDS_VALUES with FIELD_TYPE = 'REC_STAT’). </a:t>
+            </a:r>
+            <a:endParaRPr lang="en-US" sz="1800" b="0" dirty="0"/>
+          </a:p>
+        </p:txBody>
+      </p:sp>
+      <p:pic>
+        <p:nvPicPr>
+          <p:cNvPr id="2" name="Picture 1"/>
+          <p:cNvPicPr>
+            <a:picLocks noChangeAspect="1"/>
+          </p:cNvPicPr>
+          <p:nvPr/>
+        </p:nvPicPr>
+        <p:blipFill>
+          <a:blip r:embed="rId3"/>
+          <a:stretch>
+            <a:fillRect/>
+          </a:stretch>
+        </p:blipFill>
+        <p:spPr>
+          <a:xfrm>
+            <a:off x="8244022" y="3116826"/>
+            <a:ext cx="3675200" cy="2172929"/>
+          </a:xfrm>
+          <a:prstGeom prst="rect">
+            <a:avLst/>
+          </a:prstGeom>
+        </p:spPr>
+      </p:pic>
     </p:spTree>
     <p:extLst>
       <p:ext uri="{BB962C8B-B14F-4D97-AF65-F5344CB8AC3E}">
-        <p14:creationId xmlns:p14="http://schemas.microsoft.com/office/powerpoint/2010/main" val="47757349"/>
+        <p14:creationId xmlns:p14="http://schemas.microsoft.com/office/powerpoint/2010/main" val="1839648047"/>
       </p:ext>
     </p:extLst>
   </p:cSld>
@@ -8927,100 +7573,22 @@
       </p:grpSpPr>
       <p:sp>
         <p:nvSpPr>
-          <p:cNvPr id="3" name="Content Placeholder 2"/>
+          <p:cNvPr id="4" name="Date Placeholder 3"/>
           <p:cNvSpPr>
             <a:spLocks noGrp="1"/>
           </p:cNvSpPr>
           <p:nvPr>
-            <p:ph idx="1"/>
-          </p:nvPr>
-        </p:nvSpPr>
-        <p:spPr>
-          <a:xfrm>
-            <a:off x="955343" y="1296538"/>
-            <a:ext cx="10727140" cy="2129051"/>
-          </a:xfrm>
-        </p:spPr>
+            <p:ph type="dt" sz="half" idx="10"/>
+          </p:nvPr>
+        </p:nvSpPr>
+        <p:spPr/>
         <p:txBody>
           <a:bodyPr/>
           <a:lstStyle/>
           <a:p>
-            <a:pPr marL="411163" indent="-411163">
-              <a:spcBef>
-                <a:spcPts val="1500"/>
-              </a:spcBef>
-              <a:buSzPct val="150000"/>
-              <a:buBlip>
-                <a:blip r:embed="rId2"/>
-              </a:buBlip>
-            </a:pPr>
-            <a:r>
-              <a:rPr lang="en-IN" sz="2400" b="0" dirty="0"/>
-              <a:t>The service enables a third party application to retrieve a single entry per profile by providing both the </a:t>
-            </a:r>
-            <a:r>
-              <a:rPr lang="en-IN" sz="2400" dirty="0">
-                <a:solidFill>
-                  <a:schemeClr val="accent4">
-                    <a:lumMod val="75000"/>
-                  </a:schemeClr>
-                </a:solidFill>
-              </a:rPr>
-              <a:t>profile unique ID </a:t>
-            </a:r>
-            <a:r>
-              <a:rPr lang="en-IN" sz="2400" b="0" dirty="0"/>
-              <a:t>and the </a:t>
-            </a:r>
-            <a:r>
-              <a:rPr lang="en-IN" sz="2400" dirty="0">
-                <a:solidFill>
-                  <a:schemeClr val="accent4">
-                    <a:lumMod val="75000"/>
-                  </a:schemeClr>
-                </a:solidFill>
-              </a:rPr>
-              <a:t>entry unique ID </a:t>
-            </a:r>
-            <a:r>
-              <a:rPr lang="en-IN" sz="2400" b="0" dirty="0" smtClean="0"/>
-              <a:t>. </a:t>
-            </a:r>
-            <a:endParaRPr lang="en-IN" sz="2400" b="0" dirty="0"/>
-          </a:p>
-          <a:p>
-            <a:pPr>
-              <a:spcBef>
-                <a:spcPts val="1500"/>
-              </a:spcBef>
-              <a:buSzPct val="150000"/>
-            </a:pPr>
-            <a:r>
-              <a:rPr lang="en-IN" sz="2000" b="0" dirty="0" smtClean="0"/>
-              <a:t> </a:t>
-            </a:r>
-            <a:endParaRPr lang="en-IN" sz="2000" b="0" dirty="0"/>
-          </a:p>
-        </p:txBody>
-      </p:sp>
-      <p:sp>
-        <p:nvSpPr>
-          <p:cNvPr id="4" name="Date Placeholder 3"/>
-          <p:cNvSpPr>
-            <a:spLocks noGrp="1"/>
-          </p:cNvSpPr>
-          <p:nvPr>
-            <p:ph type="dt" sz="half" idx="10"/>
-          </p:nvPr>
-        </p:nvSpPr>
-        <p:spPr/>
-        <p:txBody>
-          <a:bodyPr/>
-          <a:lstStyle/>
-          <a:p>
             <a:fld id="{4FAE0867-24A8-448F-B507-CC8586AA6B96}" type="datetime4">
               <a:rPr lang="en-GB" smtClean="0"/>
-              <a:t>09 February 2018</a:t>
+              <a:t>10 March 2018</a:t>
             </a:fld>
             <a:endParaRPr lang="en-GB" dirty="0"/>
           </a:p>
@@ -9052,7 +7620,61 @@
       </p:sp>
       <p:sp>
         <p:nvSpPr>
-          <p:cNvPr id="6" name="Content Placeholder 2"/>
+          <p:cNvPr id="8" name="Rectangle 7"/>
+          <p:cNvSpPr/>
+          <p:nvPr/>
+        </p:nvSpPr>
+        <p:spPr>
+          <a:xfrm>
+            <a:off x="623888" y="673246"/>
+            <a:ext cx="9120187" cy="341632"/>
+          </a:xfrm>
+          <a:prstGeom prst="rect">
+            <a:avLst/>
+          </a:prstGeom>
+          <a:ln w="15875" cap="sq" cmpd="sng">
+            <a:noFill/>
+            <a:bevel/>
+          </a:ln>
+        </p:spPr>
+        <p:txBody>
+          <a:bodyPr wrap="square">
+            <a:spAutoFit/>
+          </a:bodyPr>
+          <a:lstStyle/>
+          <a:p>
+            <a:pPr>
+              <a:lnSpc>
+                <a:spcPct val="90000"/>
+              </a:lnSpc>
+              <a:spcBef>
+                <a:spcPts val="1500"/>
+              </a:spcBef>
+              <a:buSzPct val="150000"/>
+            </a:pPr>
+            <a:r>
+              <a:rPr lang="en-IN" dirty="0"/>
+              <a:t>This table includes the </a:t>
+            </a:r>
+            <a:r>
+              <a:rPr lang="en-IN" dirty="0" smtClean="0"/>
+              <a:t>important functions </a:t>
+            </a:r>
+            <a:r>
+              <a:rPr lang="en-IN" dirty="0"/>
+              <a:t>(Static Data Actions) support by this service. </a:t>
+            </a:r>
+            <a:endParaRPr lang="en-US" dirty="0" smtClean="0">
+              <a:solidFill>
+                <a:schemeClr val="tx2"/>
+              </a:solidFill>
+            </a:endParaRPr>
+          </a:p>
+        </p:txBody>
+      </p:sp>
+      <p:sp>
+        <p:nvSpPr>
+          <p:cNvPr id="9" name="Title 1"/>
           <p:cNvSpPr txBox="1">
             <a:spLocks/>
           </p:cNvSpPr>
@@ -9060,468 +7682,120 @@
         </p:nvSpPr>
         <p:spPr>
           <a:xfrm>
-            <a:off x="1518307" y="4276393"/>
-            <a:ext cx="9523867" cy="1332843"/>
+            <a:off x="623888" y="175846"/>
+            <a:ext cx="9692420" cy="668216"/>
           </a:xfrm>
           <a:prstGeom prst="rect">
             <a:avLst/>
           </a:prstGeom>
         </p:spPr>
         <p:txBody>
-          <a:bodyPr vert="horz" lIns="0" tIns="0" rIns="0" bIns="0" rtlCol="0" anchor="t" anchorCtr="0">
-            <a:noAutofit/>
-          </a:bodyPr>
+          <a:bodyPr/>
           <a:lstStyle>
-            <a:lvl1pPr marL="0" indent="0" algn="l" defTabSz="914400" rtl="0" eaLnBrk="1" latinLnBrk="0" hangingPunct="1">
+            <a:lvl1pPr algn="l" defTabSz="914400" rtl="0" eaLnBrk="1" latinLnBrk="0" hangingPunct="1">
               <a:lnSpc>
-                <a:spcPct val="90000"/>
+                <a:spcPct val="80000"/>
               </a:lnSpc>
               <a:spcBef>
-                <a:spcPts val="1200"/>
+                <a:spcPct val="0"/>
               </a:spcBef>
-              <a:buFont typeface="Arial" panose="020B0604020202020204" pitchFamily="34" charset="0"/>
               <a:buNone/>
-              <a:defRPr sz="3600" b="1" kern="1200">
+              <a:defRPr sz="2400" b="1" kern="1200" cap="all" baseline="0">
                 <a:solidFill>
                   <a:schemeClr val="tx2"/>
                 </a:solidFill>
-                <a:latin typeface="+mn-lt"/>
-                <a:ea typeface="+mn-ea"/>
-                <a:cs typeface="+mn-cs"/>
+                <a:latin typeface="+mj-lt"/>
+                <a:ea typeface="+mj-ea"/>
+                <a:cs typeface="+mj-cs"/>
               </a:defRPr>
             </a:lvl1pPr>
-            <a:lvl2pPr marL="0" indent="0" algn="l" defTabSz="914400" rtl="0" eaLnBrk="1" latinLnBrk="0" hangingPunct="1">
-              <a:lnSpc>
-                <a:spcPct val="90000"/>
-              </a:lnSpc>
-              <a:spcBef>
-                <a:spcPts val="1800"/>
-              </a:spcBef>
-              <a:buClr>
-                <a:schemeClr val="tx2"/>
-              </a:buClr>
-              <a:buFont typeface="Arial" panose="020B0604020202020204" pitchFamily="34" charset="0"/>
-              <a:buNone/>
-              <a:defRPr sz="1600" b="0" kern="1200">
-                <a:solidFill>
-                  <a:schemeClr val="tx2"/>
-                </a:solidFill>
-                <a:latin typeface="+mn-lt"/>
-                <a:ea typeface="+mn-ea"/>
-                <a:cs typeface="+mn-cs"/>
-              </a:defRPr>
-            </a:lvl2pPr>
-            <a:lvl3pPr marL="395288" indent="-158750" algn="l" defTabSz="914400" rtl="0" eaLnBrk="1" latinLnBrk="0" hangingPunct="1">
-              <a:lnSpc>
-                <a:spcPct val="90000"/>
-              </a:lnSpc>
-              <a:spcBef>
-                <a:spcPts val="500"/>
-              </a:spcBef>
-              <a:buClr>
-                <a:schemeClr val="tx2"/>
-              </a:buClr>
-              <a:buFont typeface="Arial" panose="020B0604020202020204" pitchFamily="34" charset="0"/>
-              <a:buChar char="–"/>
-              <a:defRPr sz="1400" kern="1200">
-                <a:solidFill>
-                  <a:schemeClr val="tx2"/>
-                </a:solidFill>
-                <a:latin typeface="+mn-lt"/>
-                <a:ea typeface="+mn-ea"/>
-                <a:cs typeface="+mn-cs"/>
-              </a:defRPr>
-            </a:lvl3pPr>
-            <a:lvl4pPr marL="587375" indent="-144463" algn="l" defTabSz="914400" rtl="0" eaLnBrk="1" latinLnBrk="0" hangingPunct="1">
-              <a:lnSpc>
-                <a:spcPct val="90000"/>
-              </a:lnSpc>
-              <a:spcBef>
-                <a:spcPts val="300"/>
-              </a:spcBef>
-              <a:buClr>
-                <a:schemeClr val="tx2"/>
-              </a:buClr>
-              <a:buFont typeface="Arial" panose="020B0604020202020204" pitchFamily="34" charset="0"/>
-              <a:buChar char="•"/>
-              <a:defRPr sz="1200" kern="1200">
-                <a:solidFill>
-                  <a:schemeClr val="tx2"/>
-                </a:solidFill>
-                <a:latin typeface="+mn-lt"/>
-                <a:ea typeface="+mn-ea"/>
-                <a:cs typeface="+mn-cs"/>
-              </a:defRPr>
-            </a:lvl4pPr>
-            <a:lvl5pPr marL="766763" indent="-153988" algn="l" defTabSz="914400" rtl="0" eaLnBrk="1" latinLnBrk="0" hangingPunct="1">
-              <a:lnSpc>
-                <a:spcPct val="90000"/>
-              </a:lnSpc>
-              <a:spcBef>
-                <a:spcPts val="300"/>
-              </a:spcBef>
-              <a:buClr>
-                <a:schemeClr val="tx2"/>
-              </a:buClr>
-              <a:buFont typeface="Arial" panose="020B0604020202020204" pitchFamily="34" charset="0"/>
-              <a:buChar char="–"/>
-              <a:defRPr sz="1200" kern="1200">
-                <a:solidFill>
-                  <a:schemeClr val="tx2"/>
-                </a:solidFill>
-                <a:latin typeface="+mn-lt"/>
-                <a:ea typeface="+mn-ea"/>
-                <a:cs typeface="+mn-cs"/>
-              </a:defRPr>
-            </a:lvl5pPr>
-            <a:lvl6pPr marL="2514600" indent="-228600" algn="l" defTabSz="914400" rtl="0" eaLnBrk="1" latinLnBrk="0" hangingPunct="1">
-              <a:lnSpc>
-                <a:spcPct val="90000"/>
-              </a:lnSpc>
-              <a:spcBef>
-                <a:spcPts val="500"/>
-              </a:spcBef>
-              <a:buFont typeface="Arial" panose="020B0604020202020204" pitchFamily="34" charset="0"/>
-              <a:buChar char="•"/>
-              <a:defRPr sz="1800" kern="1200">
-                <a:solidFill>
-                  <a:schemeClr val="tx1"/>
-                </a:solidFill>
-                <a:latin typeface="+mn-lt"/>
-                <a:ea typeface="+mn-ea"/>
-                <a:cs typeface="+mn-cs"/>
-              </a:defRPr>
-            </a:lvl6pPr>
-            <a:lvl7pPr marL="2971800" indent="-228600" algn="l" defTabSz="914400" rtl="0" eaLnBrk="1" latinLnBrk="0" hangingPunct="1">
-              <a:lnSpc>
-                <a:spcPct val="90000"/>
-              </a:lnSpc>
-              <a:spcBef>
-                <a:spcPts val="500"/>
-              </a:spcBef>
-              <a:buFont typeface="Arial" panose="020B0604020202020204" pitchFamily="34" charset="0"/>
-              <a:buChar char="•"/>
-              <a:defRPr sz="1800" kern="1200">
-                <a:solidFill>
-                  <a:schemeClr val="tx1"/>
-                </a:solidFill>
-                <a:latin typeface="+mn-lt"/>
-                <a:ea typeface="+mn-ea"/>
-                <a:cs typeface="+mn-cs"/>
-              </a:defRPr>
-            </a:lvl7pPr>
-            <a:lvl8pPr marL="3429000" indent="-228600" algn="l" defTabSz="914400" rtl="0" eaLnBrk="1" latinLnBrk="0" hangingPunct="1">
-              <a:lnSpc>
-                <a:spcPct val="90000"/>
-              </a:lnSpc>
-              <a:spcBef>
-                <a:spcPts val="500"/>
-              </a:spcBef>
-              <a:buFont typeface="Arial" panose="020B0604020202020204" pitchFamily="34" charset="0"/>
-              <a:buChar char="•"/>
-              <a:defRPr sz="1800" kern="1200">
-                <a:solidFill>
-                  <a:schemeClr val="tx1"/>
-                </a:solidFill>
-                <a:latin typeface="+mn-lt"/>
-                <a:ea typeface="+mn-ea"/>
-                <a:cs typeface="+mn-cs"/>
-              </a:defRPr>
-            </a:lvl8pPr>
-            <a:lvl9pPr marL="3886200" indent="-228600" algn="l" defTabSz="914400" rtl="0" eaLnBrk="1" latinLnBrk="0" hangingPunct="1">
-              <a:lnSpc>
-                <a:spcPct val="90000"/>
-              </a:lnSpc>
-              <a:spcBef>
-                <a:spcPts val="500"/>
-              </a:spcBef>
-              <a:buFont typeface="Arial" panose="020B0604020202020204" pitchFamily="34" charset="0"/>
-              <a:buChar char="•"/>
-              <a:defRPr sz="1800" kern="1200">
-                <a:solidFill>
-                  <a:schemeClr val="tx1"/>
-                </a:solidFill>
-                <a:latin typeface="+mn-lt"/>
-                <a:ea typeface="+mn-ea"/>
-                <a:cs typeface="+mn-cs"/>
-              </a:defRPr>
-            </a:lvl9pPr>
           </a:lstStyle>
           <a:p>
-            <a:pPr marL="411163" indent="-411163">
-              <a:spcBef>
-                <a:spcPts val="1500"/>
-              </a:spcBef>
-              <a:buSzPct val="150000"/>
-              <a:buBlip>
-                <a:blip r:embed="rId2"/>
-              </a:buBlip>
-            </a:pPr>
-            <a:r>
-              <a:rPr lang="en-IN" sz="2000" b="0" dirty="0"/>
-              <a:t>The input parameters are validated. </a:t>
-            </a:r>
-          </a:p>
-          <a:p>
-            <a:pPr marL="411163" indent="-411163">
-              <a:spcBef>
-                <a:spcPts val="1500"/>
-              </a:spcBef>
-              <a:buSzPct val="150000"/>
-              <a:buBlip>
-                <a:blip r:embed="rId2"/>
-              </a:buBlip>
-            </a:pPr>
-            <a:r>
-              <a:rPr lang="en-IN" sz="2000" b="0" dirty="0"/>
-              <a:t>Profile query is generated</a:t>
-            </a:r>
-            <a:r>
-              <a:rPr lang="en-IN" sz="2000" b="0" dirty="0" smtClean="0"/>
-              <a:t>.</a:t>
-            </a:r>
-          </a:p>
-          <a:p>
-            <a:pPr marL="411163" indent="-411163">
-              <a:spcBef>
-                <a:spcPts val="1500"/>
-              </a:spcBef>
-              <a:buSzPct val="150000"/>
-              <a:buBlip>
-                <a:blip r:embed="rId2"/>
-              </a:buBlip>
-            </a:pPr>
-            <a:r>
-              <a:rPr lang="en-IN" sz="2000" b="0" dirty="0"/>
-              <a:t>All relevant attributes are returned.</a:t>
-            </a:r>
-          </a:p>
-        </p:txBody>
-      </p:sp>
-      <p:sp>
-        <p:nvSpPr>
-          <p:cNvPr id="7" name="Content Placeholder 2"/>
-          <p:cNvSpPr txBox="1">
-            <a:spLocks/>
-          </p:cNvSpPr>
+            <a:r>
+              <a:rPr lang="en-IN" dirty="0">
+                <a:solidFill>
+                  <a:schemeClr val="tx1">
+                    <a:lumMod val="75000"/>
+                    <a:lumOff val="25000"/>
+                  </a:schemeClr>
+                </a:solidFill>
+              </a:rPr>
+              <a:t>Profile </a:t>
+            </a:r>
+            <a:r>
+              <a:rPr lang="en-IN" dirty="0" smtClean="0">
+                <a:solidFill>
+                  <a:schemeClr val="tx1">
+                    <a:lumMod val="75000"/>
+                    <a:lumOff val="25000"/>
+                  </a:schemeClr>
+                </a:solidFill>
+              </a:rPr>
+              <a:t>Actions Service - function</a:t>
+            </a:r>
+            <a:endParaRPr lang="en-IN" dirty="0">
+              <a:solidFill>
+                <a:schemeClr val="tx1">
+                  <a:lumMod val="75000"/>
+                  <a:lumOff val="25000"/>
+                </a:schemeClr>
+              </a:solidFill>
+            </a:endParaRPr>
+          </a:p>
+        </p:txBody>
+      </p:sp>
+      <p:pic>
+        <p:nvPicPr>
+          <p:cNvPr id="10" name="Picture 9"/>
+          <p:cNvPicPr>
+            <a:picLocks noChangeAspect="1"/>
+          </p:cNvPicPr>
           <p:nvPr/>
-        </p:nvSpPr>
+        </p:nvPicPr>
+        <p:blipFill>
+          <a:blip r:embed="rId2"/>
+          <a:stretch>
+            <a:fillRect/>
+          </a:stretch>
+        </p:blipFill>
         <p:spPr>
           <a:xfrm>
-            <a:off x="916671" y="3512084"/>
-            <a:ext cx="10727140" cy="309304"/>
+            <a:off x="6091237" y="1036833"/>
+            <a:ext cx="5815628" cy="2099326"/>
           </a:xfrm>
           <a:prstGeom prst="rect">
             <a:avLst/>
           </a:prstGeom>
         </p:spPr>
-        <p:txBody>
-          <a:bodyPr vert="horz" lIns="0" tIns="0" rIns="0" bIns="0" rtlCol="0" anchor="t" anchorCtr="0">
-            <a:noAutofit/>
-          </a:bodyPr>
-          <a:lstStyle>
-            <a:lvl1pPr marL="0" indent="0" algn="l" defTabSz="914400" rtl="0" eaLnBrk="1" latinLnBrk="0" hangingPunct="1">
-              <a:lnSpc>
-                <a:spcPct val="90000"/>
-              </a:lnSpc>
-              <a:spcBef>
-                <a:spcPts val="1200"/>
-              </a:spcBef>
-              <a:buFont typeface="Arial" panose="020B0604020202020204" pitchFamily="34" charset="0"/>
-              <a:buNone/>
-              <a:defRPr sz="3600" b="1" kern="1200">
-                <a:solidFill>
-                  <a:schemeClr val="tx2"/>
-                </a:solidFill>
-                <a:latin typeface="+mn-lt"/>
-                <a:ea typeface="+mn-ea"/>
-                <a:cs typeface="+mn-cs"/>
-              </a:defRPr>
-            </a:lvl1pPr>
-            <a:lvl2pPr marL="0" indent="0" algn="l" defTabSz="914400" rtl="0" eaLnBrk="1" latinLnBrk="0" hangingPunct="1">
-              <a:lnSpc>
-                <a:spcPct val="90000"/>
-              </a:lnSpc>
-              <a:spcBef>
-                <a:spcPts val="1800"/>
-              </a:spcBef>
-              <a:buClr>
-                <a:schemeClr val="tx2"/>
-              </a:buClr>
-              <a:buFont typeface="Arial" panose="020B0604020202020204" pitchFamily="34" charset="0"/>
-              <a:buNone/>
-              <a:defRPr sz="1600" b="0" kern="1200">
-                <a:solidFill>
-                  <a:schemeClr val="tx2"/>
-                </a:solidFill>
-                <a:latin typeface="+mn-lt"/>
-                <a:ea typeface="+mn-ea"/>
-                <a:cs typeface="+mn-cs"/>
-              </a:defRPr>
-            </a:lvl2pPr>
-            <a:lvl3pPr marL="395288" indent="-158750" algn="l" defTabSz="914400" rtl="0" eaLnBrk="1" latinLnBrk="0" hangingPunct="1">
-              <a:lnSpc>
-                <a:spcPct val="90000"/>
-              </a:lnSpc>
-              <a:spcBef>
-                <a:spcPts val="500"/>
-              </a:spcBef>
-              <a:buClr>
-                <a:schemeClr val="tx2"/>
-              </a:buClr>
-              <a:buFont typeface="Arial" panose="020B0604020202020204" pitchFamily="34" charset="0"/>
-              <a:buChar char="–"/>
-              <a:defRPr sz="1400" kern="1200">
-                <a:solidFill>
-                  <a:schemeClr val="tx2"/>
-                </a:solidFill>
-                <a:latin typeface="+mn-lt"/>
-                <a:ea typeface="+mn-ea"/>
-                <a:cs typeface="+mn-cs"/>
-              </a:defRPr>
-            </a:lvl3pPr>
-            <a:lvl4pPr marL="587375" indent="-144463" algn="l" defTabSz="914400" rtl="0" eaLnBrk="1" latinLnBrk="0" hangingPunct="1">
-              <a:lnSpc>
-                <a:spcPct val="90000"/>
-              </a:lnSpc>
-              <a:spcBef>
-                <a:spcPts val="300"/>
-              </a:spcBef>
-              <a:buClr>
-                <a:schemeClr val="tx2"/>
-              </a:buClr>
-              <a:buFont typeface="Arial" panose="020B0604020202020204" pitchFamily="34" charset="0"/>
-              <a:buChar char="•"/>
-              <a:defRPr sz="1200" kern="1200">
-                <a:solidFill>
-                  <a:schemeClr val="tx2"/>
-                </a:solidFill>
-                <a:latin typeface="+mn-lt"/>
-                <a:ea typeface="+mn-ea"/>
-                <a:cs typeface="+mn-cs"/>
-              </a:defRPr>
-            </a:lvl4pPr>
-            <a:lvl5pPr marL="766763" indent="-153988" algn="l" defTabSz="914400" rtl="0" eaLnBrk="1" latinLnBrk="0" hangingPunct="1">
-              <a:lnSpc>
-                <a:spcPct val="90000"/>
-              </a:lnSpc>
-              <a:spcBef>
-                <a:spcPts val="300"/>
-              </a:spcBef>
-              <a:buClr>
-                <a:schemeClr val="tx2"/>
-              </a:buClr>
-              <a:buFont typeface="Arial" panose="020B0604020202020204" pitchFamily="34" charset="0"/>
-              <a:buChar char="–"/>
-              <a:defRPr sz="1200" kern="1200">
-                <a:solidFill>
-                  <a:schemeClr val="tx2"/>
-                </a:solidFill>
-                <a:latin typeface="+mn-lt"/>
-                <a:ea typeface="+mn-ea"/>
-                <a:cs typeface="+mn-cs"/>
-              </a:defRPr>
-            </a:lvl5pPr>
-            <a:lvl6pPr marL="2514600" indent="-228600" algn="l" defTabSz="914400" rtl="0" eaLnBrk="1" latinLnBrk="0" hangingPunct="1">
-              <a:lnSpc>
-                <a:spcPct val="90000"/>
-              </a:lnSpc>
-              <a:spcBef>
-                <a:spcPts val="500"/>
-              </a:spcBef>
-              <a:buFont typeface="Arial" panose="020B0604020202020204" pitchFamily="34" charset="0"/>
-              <a:buChar char="•"/>
-              <a:defRPr sz="1800" kern="1200">
-                <a:solidFill>
-                  <a:schemeClr val="tx1"/>
-                </a:solidFill>
-                <a:latin typeface="+mn-lt"/>
-                <a:ea typeface="+mn-ea"/>
-                <a:cs typeface="+mn-cs"/>
-              </a:defRPr>
-            </a:lvl6pPr>
-            <a:lvl7pPr marL="2971800" indent="-228600" algn="l" defTabSz="914400" rtl="0" eaLnBrk="1" latinLnBrk="0" hangingPunct="1">
-              <a:lnSpc>
-                <a:spcPct val="90000"/>
-              </a:lnSpc>
-              <a:spcBef>
-                <a:spcPts val="500"/>
-              </a:spcBef>
-              <a:buFont typeface="Arial" panose="020B0604020202020204" pitchFamily="34" charset="0"/>
-              <a:buChar char="•"/>
-              <a:defRPr sz="1800" kern="1200">
-                <a:solidFill>
-                  <a:schemeClr val="tx1"/>
-                </a:solidFill>
-                <a:latin typeface="+mn-lt"/>
-                <a:ea typeface="+mn-ea"/>
-                <a:cs typeface="+mn-cs"/>
-              </a:defRPr>
-            </a:lvl7pPr>
-            <a:lvl8pPr marL="3429000" indent="-228600" algn="l" defTabSz="914400" rtl="0" eaLnBrk="1" latinLnBrk="0" hangingPunct="1">
-              <a:lnSpc>
-                <a:spcPct val="90000"/>
-              </a:lnSpc>
-              <a:spcBef>
-                <a:spcPts val="500"/>
-              </a:spcBef>
-              <a:buFont typeface="Arial" panose="020B0604020202020204" pitchFamily="34" charset="0"/>
-              <a:buChar char="•"/>
-              <a:defRPr sz="1800" kern="1200">
-                <a:solidFill>
-                  <a:schemeClr val="tx1"/>
-                </a:solidFill>
-                <a:latin typeface="+mn-lt"/>
-                <a:ea typeface="+mn-ea"/>
-                <a:cs typeface="+mn-cs"/>
-              </a:defRPr>
-            </a:lvl8pPr>
-            <a:lvl9pPr marL="3886200" indent="-228600" algn="l" defTabSz="914400" rtl="0" eaLnBrk="1" latinLnBrk="0" hangingPunct="1">
-              <a:lnSpc>
-                <a:spcPct val="90000"/>
-              </a:lnSpc>
-              <a:spcBef>
-                <a:spcPts val="500"/>
-              </a:spcBef>
-              <a:buFont typeface="Arial" panose="020B0604020202020204" pitchFamily="34" charset="0"/>
-              <a:buChar char="•"/>
-              <a:defRPr sz="1800" kern="1200">
-                <a:solidFill>
-                  <a:schemeClr val="tx1"/>
-                </a:solidFill>
-                <a:latin typeface="+mn-lt"/>
-                <a:ea typeface="+mn-ea"/>
-                <a:cs typeface="+mn-cs"/>
-              </a:defRPr>
-            </a:lvl9pPr>
-          </a:lstStyle>
-          <a:p>
-            <a:pPr>
-              <a:spcBef>
-                <a:spcPts val="1500"/>
-              </a:spcBef>
-              <a:buSzPct val="150000"/>
-            </a:pPr>
-            <a:r>
-              <a:rPr lang="en-IN" sz="2000" b="0" dirty="0" smtClean="0"/>
-              <a:t> </a:t>
-            </a:r>
-            <a:r>
-              <a:rPr lang="en-IN" sz="3200" dirty="0" smtClean="0"/>
-              <a:t>Processing</a:t>
-            </a:r>
-            <a:r>
-              <a:rPr lang="en-IN" sz="2000" b="0" dirty="0" smtClean="0"/>
-              <a:t>. </a:t>
-            </a:r>
-            <a:endParaRPr lang="en-IN" sz="2000" b="0" dirty="0"/>
-          </a:p>
-        </p:txBody>
-      </p:sp>
+      </p:pic>
+      <p:pic>
+        <p:nvPicPr>
+          <p:cNvPr id="11" name="Picture 10"/>
+          <p:cNvPicPr>
+            <a:picLocks noChangeAspect="1"/>
+          </p:cNvPicPr>
+          <p:nvPr/>
+        </p:nvPicPr>
+        <p:blipFill>
+          <a:blip r:embed="rId3"/>
+          <a:stretch>
+            <a:fillRect/>
+          </a:stretch>
+        </p:blipFill>
+        <p:spPr>
+          <a:xfrm>
+            <a:off x="747252" y="1036833"/>
+            <a:ext cx="5343985" cy="5356588"/>
+          </a:xfrm>
+          <a:prstGeom prst="rect">
+            <a:avLst/>
+          </a:prstGeom>
+        </p:spPr>
+      </p:pic>
     </p:spTree>
     <p:extLst>
       <p:ext uri="{BB962C8B-B14F-4D97-AF65-F5344CB8AC3E}">
-        <p14:creationId xmlns:p14="http://schemas.microsoft.com/office/powerpoint/2010/main" val="848341431"/>
+        <p14:creationId xmlns:p14="http://schemas.microsoft.com/office/powerpoint/2010/main" val="3944211669"/>
       </p:ext>
     </p:extLst>
   </p:cSld>
@@ -9557,35 +7831,39 @@
       </p:grpSpPr>
       <p:sp>
         <p:nvSpPr>
-          <p:cNvPr id="2" name="Text Placeholder 1"/>
+          <p:cNvPr id="3" name="Content Placeholder 2"/>
           <p:cNvSpPr>
             <a:spLocks noGrp="1"/>
           </p:cNvSpPr>
           <p:nvPr>
-            <p:ph type="body" sz="quarter" idx="13"/>
+            <p:ph idx="1"/>
           </p:nvPr>
         </p:nvSpPr>
         <p:spPr>
           <a:xfrm>
-            <a:off x="1284987" y="2262553"/>
-            <a:ext cx="9292028" cy="3264790"/>
+            <a:off x="623888" y="844062"/>
+            <a:ext cx="10122770" cy="1663468"/>
           </a:xfrm>
         </p:spPr>
         <p:txBody>
           <a:bodyPr/>
           <a:lstStyle/>
           <a:p>
-            <a:r>
-              <a:rPr lang="en-IN" sz="6600" dirty="0">
-                <a:solidFill>
-                  <a:schemeClr val="tx1">
-                    <a:lumMod val="75000"/>
-                    <a:lumOff val="25000"/>
-                  </a:schemeClr>
-                </a:solidFill>
-              </a:rPr>
-              <a:t>Profile Action Service</a:t>
-            </a:r>
+            <a:pPr>
+              <a:spcBef>
+                <a:spcPts val="1500"/>
+              </a:spcBef>
+              <a:buSzPct val="150000"/>
+            </a:pPr>
+            <a:r>
+              <a:rPr lang="en-US" sz="2000" b="0" dirty="0" smtClean="0"/>
+              <a:t>The </a:t>
+            </a:r>
+            <a:r>
+              <a:rPr lang="en-US" sz="2000" b="0" dirty="0"/>
+              <a:t>Get Profile List service enables a third party application to retrieve any related reference data (also known as profiles in GPP) by providing a set of query criteria. The service assesses the relevant selected profile and returns the matching results. For example, from the Parties profile, get a list of parties (BIC, party name and address) where BIC is like ’FNDTGB22%’. The service response would be all entries from the Parties profiles that meet this search criterion.</a:t>
+            </a:r>
+            <a:endParaRPr lang="en-IN" sz="2000" b="0" dirty="0" smtClean="0"/>
           </a:p>
         </p:txBody>
       </p:sp>
@@ -9606,7 +7884,7 @@
           <a:p>
             <a:fld id="{4FAE0867-24A8-448F-B507-CC8586AA6B96}" type="datetime4">
               <a:rPr lang="en-GB" smtClean="0"/>
-              <a:t>09 February 2018</a:t>
+              <a:t>10 March 2018</a:t>
             </a:fld>
             <a:endParaRPr lang="en-GB" dirty="0"/>
           </a:p>
@@ -9636,10 +7914,406 @@
           </a:p>
         </p:txBody>
       </p:sp>
+      <p:sp>
+        <p:nvSpPr>
+          <p:cNvPr id="6" name="Content Placeholder 2"/>
+          <p:cNvSpPr txBox="1">
+            <a:spLocks/>
+          </p:cNvSpPr>
+          <p:nvPr/>
+        </p:nvSpPr>
+        <p:spPr>
+          <a:xfrm>
+            <a:off x="1294644" y="3076506"/>
+            <a:ext cx="9523867" cy="2822355"/>
+          </a:xfrm>
+          <a:prstGeom prst="rect">
+            <a:avLst/>
+          </a:prstGeom>
+        </p:spPr>
+        <p:txBody>
+          <a:bodyPr vert="horz" lIns="0" tIns="0" rIns="0" bIns="0" rtlCol="0" anchor="t" anchorCtr="0">
+            <a:noAutofit/>
+          </a:bodyPr>
+          <a:lstStyle>
+            <a:lvl1pPr marL="0" indent="0" algn="l" defTabSz="914400" rtl="0" eaLnBrk="1" latinLnBrk="0" hangingPunct="1">
+              <a:lnSpc>
+                <a:spcPct val="90000"/>
+              </a:lnSpc>
+              <a:spcBef>
+                <a:spcPts val="1200"/>
+              </a:spcBef>
+              <a:buFont typeface="Arial" panose="020B0604020202020204" pitchFamily="34" charset="0"/>
+              <a:buNone/>
+              <a:defRPr sz="3600" b="1" kern="1200">
+                <a:solidFill>
+                  <a:schemeClr val="tx2"/>
+                </a:solidFill>
+                <a:latin typeface="+mn-lt"/>
+                <a:ea typeface="+mn-ea"/>
+                <a:cs typeface="+mn-cs"/>
+              </a:defRPr>
+            </a:lvl1pPr>
+            <a:lvl2pPr marL="0" indent="0" algn="l" defTabSz="914400" rtl="0" eaLnBrk="1" latinLnBrk="0" hangingPunct="1">
+              <a:lnSpc>
+                <a:spcPct val="90000"/>
+              </a:lnSpc>
+              <a:spcBef>
+                <a:spcPts val="1800"/>
+              </a:spcBef>
+              <a:buClr>
+                <a:schemeClr val="tx2"/>
+              </a:buClr>
+              <a:buFont typeface="Arial" panose="020B0604020202020204" pitchFamily="34" charset="0"/>
+              <a:buNone/>
+              <a:defRPr sz="1600" b="0" kern="1200">
+                <a:solidFill>
+                  <a:schemeClr val="tx2"/>
+                </a:solidFill>
+                <a:latin typeface="+mn-lt"/>
+                <a:ea typeface="+mn-ea"/>
+                <a:cs typeface="+mn-cs"/>
+              </a:defRPr>
+            </a:lvl2pPr>
+            <a:lvl3pPr marL="395288" indent="-158750" algn="l" defTabSz="914400" rtl="0" eaLnBrk="1" latinLnBrk="0" hangingPunct="1">
+              <a:lnSpc>
+                <a:spcPct val="90000"/>
+              </a:lnSpc>
+              <a:spcBef>
+                <a:spcPts val="500"/>
+              </a:spcBef>
+              <a:buClr>
+                <a:schemeClr val="tx2"/>
+              </a:buClr>
+              <a:buFont typeface="Arial" panose="020B0604020202020204" pitchFamily="34" charset="0"/>
+              <a:buChar char="–"/>
+              <a:defRPr sz="1400" kern="1200">
+                <a:solidFill>
+                  <a:schemeClr val="tx2"/>
+                </a:solidFill>
+                <a:latin typeface="+mn-lt"/>
+                <a:ea typeface="+mn-ea"/>
+                <a:cs typeface="+mn-cs"/>
+              </a:defRPr>
+            </a:lvl3pPr>
+            <a:lvl4pPr marL="587375" indent="-144463" algn="l" defTabSz="914400" rtl="0" eaLnBrk="1" latinLnBrk="0" hangingPunct="1">
+              <a:lnSpc>
+                <a:spcPct val="90000"/>
+              </a:lnSpc>
+              <a:spcBef>
+                <a:spcPts val="300"/>
+              </a:spcBef>
+              <a:buClr>
+                <a:schemeClr val="tx2"/>
+              </a:buClr>
+              <a:buFont typeface="Arial" panose="020B0604020202020204" pitchFamily="34" charset="0"/>
+              <a:buChar char="•"/>
+              <a:defRPr sz="1200" kern="1200">
+                <a:solidFill>
+                  <a:schemeClr val="tx2"/>
+                </a:solidFill>
+                <a:latin typeface="+mn-lt"/>
+                <a:ea typeface="+mn-ea"/>
+                <a:cs typeface="+mn-cs"/>
+              </a:defRPr>
+            </a:lvl4pPr>
+            <a:lvl5pPr marL="766763" indent="-153988" algn="l" defTabSz="914400" rtl="0" eaLnBrk="1" latinLnBrk="0" hangingPunct="1">
+              <a:lnSpc>
+                <a:spcPct val="90000"/>
+              </a:lnSpc>
+              <a:spcBef>
+                <a:spcPts val="300"/>
+              </a:spcBef>
+              <a:buClr>
+                <a:schemeClr val="tx2"/>
+              </a:buClr>
+              <a:buFont typeface="Arial" panose="020B0604020202020204" pitchFamily="34" charset="0"/>
+              <a:buChar char="–"/>
+              <a:defRPr sz="1200" kern="1200">
+                <a:solidFill>
+                  <a:schemeClr val="tx2"/>
+                </a:solidFill>
+                <a:latin typeface="+mn-lt"/>
+                <a:ea typeface="+mn-ea"/>
+                <a:cs typeface="+mn-cs"/>
+              </a:defRPr>
+            </a:lvl5pPr>
+            <a:lvl6pPr marL="2514600" indent="-228600" algn="l" defTabSz="914400" rtl="0" eaLnBrk="1" latinLnBrk="0" hangingPunct="1">
+              <a:lnSpc>
+                <a:spcPct val="90000"/>
+              </a:lnSpc>
+              <a:spcBef>
+                <a:spcPts val="500"/>
+              </a:spcBef>
+              <a:buFont typeface="Arial" panose="020B0604020202020204" pitchFamily="34" charset="0"/>
+              <a:buChar char="•"/>
+              <a:defRPr sz="1800" kern="1200">
+                <a:solidFill>
+                  <a:schemeClr val="tx1"/>
+                </a:solidFill>
+                <a:latin typeface="+mn-lt"/>
+                <a:ea typeface="+mn-ea"/>
+                <a:cs typeface="+mn-cs"/>
+              </a:defRPr>
+            </a:lvl6pPr>
+            <a:lvl7pPr marL="2971800" indent="-228600" algn="l" defTabSz="914400" rtl="0" eaLnBrk="1" latinLnBrk="0" hangingPunct="1">
+              <a:lnSpc>
+                <a:spcPct val="90000"/>
+              </a:lnSpc>
+              <a:spcBef>
+                <a:spcPts val="500"/>
+              </a:spcBef>
+              <a:buFont typeface="Arial" panose="020B0604020202020204" pitchFamily="34" charset="0"/>
+              <a:buChar char="•"/>
+              <a:defRPr sz="1800" kern="1200">
+                <a:solidFill>
+                  <a:schemeClr val="tx1"/>
+                </a:solidFill>
+                <a:latin typeface="+mn-lt"/>
+                <a:ea typeface="+mn-ea"/>
+                <a:cs typeface="+mn-cs"/>
+              </a:defRPr>
+            </a:lvl7pPr>
+            <a:lvl8pPr marL="3429000" indent="-228600" algn="l" defTabSz="914400" rtl="0" eaLnBrk="1" latinLnBrk="0" hangingPunct="1">
+              <a:lnSpc>
+                <a:spcPct val="90000"/>
+              </a:lnSpc>
+              <a:spcBef>
+                <a:spcPts val="500"/>
+              </a:spcBef>
+              <a:buFont typeface="Arial" panose="020B0604020202020204" pitchFamily="34" charset="0"/>
+              <a:buChar char="•"/>
+              <a:defRPr sz="1800" kern="1200">
+                <a:solidFill>
+                  <a:schemeClr val="tx1"/>
+                </a:solidFill>
+                <a:latin typeface="+mn-lt"/>
+                <a:ea typeface="+mn-ea"/>
+                <a:cs typeface="+mn-cs"/>
+              </a:defRPr>
+            </a:lvl8pPr>
+            <a:lvl9pPr marL="3886200" indent="-228600" algn="l" defTabSz="914400" rtl="0" eaLnBrk="1" latinLnBrk="0" hangingPunct="1">
+              <a:lnSpc>
+                <a:spcPct val="90000"/>
+              </a:lnSpc>
+              <a:spcBef>
+                <a:spcPts val="500"/>
+              </a:spcBef>
+              <a:buFont typeface="Arial" panose="020B0604020202020204" pitchFamily="34" charset="0"/>
+              <a:buChar char="•"/>
+              <a:defRPr sz="1800" kern="1200">
+                <a:solidFill>
+                  <a:schemeClr val="tx1"/>
+                </a:solidFill>
+                <a:latin typeface="+mn-lt"/>
+                <a:ea typeface="+mn-ea"/>
+                <a:cs typeface="+mn-cs"/>
+              </a:defRPr>
+            </a:lvl9pPr>
+          </a:lstStyle>
+          <a:p>
+            <a:pPr algn="ctr">
+              <a:spcBef>
+                <a:spcPts val="1500"/>
+              </a:spcBef>
+              <a:buSzPct val="150000"/>
+            </a:pPr>
+            <a:r>
+              <a:rPr lang="en-IN" sz="2000" dirty="0">
+                <a:solidFill>
+                  <a:schemeClr val="accent2"/>
+                </a:solidFill>
+              </a:rPr>
+              <a:t>Processing</a:t>
+            </a:r>
+            <a:endParaRPr lang="en-IN" sz="2000" b="0" dirty="0" smtClean="0"/>
+          </a:p>
+          <a:p>
+            <a:pPr marL="411163" indent="-411163">
+              <a:spcBef>
+                <a:spcPts val="1500"/>
+              </a:spcBef>
+              <a:buSzPct val="150000"/>
+              <a:buBlip>
+                <a:blip r:embed="rId2"/>
+              </a:buBlip>
+            </a:pPr>
+            <a:r>
+              <a:rPr lang="en-IN" sz="1800" b="0" dirty="0" smtClean="0"/>
+              <a:t>The </a:t>
+            </a:r>
+            <a:r>
+              <a:rPr lang="en-IN" sz="1800" b="0" dirty="0"/>
+              <a:t>input parameters are validated</a:t>
+            </a:r>
+            <a:r>
+              <a:rPr lang="en-IN" sz="1800" b="0" dirty="0" smtClean="0"/>
+              <a:t>. </a:t>
+            </a:r>
+            <a:r>
+              <a:rPr lang="en-US" sz="1800" b="0" dirty="0"/>
+              <a:t>When the profile ID cannot be found or is not provided, an error is generated</a:t>
+            </a:r>
+            <a:r>
+              <a:rPr lang="en-IN" sz="1800" b="0" dirty="0"/>
+              <a:t>. </a:t>
+            </a:r>
+            <a:endParaRPr lang="en-IN" sz="1800" b="0" dirty="0"/>
+          </a:p>
+          <a:p>
+            <a:pPr marL="411163" indent="-411163">
+              <a:spcBef>
+                <a:spcPts val="1500"/>
+              </a:spcBef>
+              <a:buSzPct val="150000"/>
+              <a:buBlip>
+                <a:blip r:embed="rId2"/>
+              </a:buBlip>
+            </a:pPr>
+            <a:r>
+              <a:rPr lang="en-IN" sz="1800" b="0" dirty="0"/>
+              <a:t>Required columns are checked. If a column is not found </a:t>
+            </a:r>
+            <a:r>
+              <a:rPr lang="en-IN" sz="1800" b="0" dirty="0" smtClean="0"/>
+              <a:t>in the </a:t>
+            </a:r>
+            <a:r>
+              <a:rPr lang="en-IN" sz="1800" b="0" dirty="0"/>
+              <a:t>database, it is ignored and a relevant log entry is made in </a:t>
+            </a:r>
+            <a:r>
+              <a:rPr lang="en-IN" sz="1800" dirty="0" err="1"/>
+              <a:t>nonExistCols</a:t>
+            </a:r>
+            <a:r>
+              <a:rPr lang="en-IN" sz="1800" b="0" dirty="0" smtClean="0"/>
+              <a:t>.</a:t>
+            </a:r>
+          </a:p>
+          <a:p>
+            <a:pPr marL="411163" indent="-411163">
+              <a:spcBef>
+                <a:spcPts val="1500"/>
+              </a:spcBef>
+              <a:buSzPct val="150000"/>
+              <a:buBlip>
+                <a:blip r:embed="rId2"/>
+              </a:buBlip>
+            </a:pPr>
+            <a:r>
+              <a:rPr lang="en-IN" sz="1800" b="0" dirty="0"/>
+              <a:t>Profile query is generated</a:t>
+            </a:r>
+            <a:r>
+              <a:rPr lang="en-IN" sz="1800" b="0" dirty="0" smtClean="0"/>
+              <a:t>.</a:t>
+            </a:r>
+          </a:p>
+          <a:p>
+            <a:pPr marL="411163" indent="-411163">
+              <a:spcBef>
+                <a:spcPts val="1500"/>
+              </a:spcBef>
+              <a:buSzPct val="150000"/>
+              <a:buBlip>
+                <a:blip r:embed="rId2"/>
+              </a:buBlip>
+            </a:pPr>
+            <a:r>
+              <a:rPr lang="en-IN" sz="1800" b="0" dirty="0"/>
+              <a:t>Results are returned</a:t>
+            </a:r>
+          </a:p>
+        </p:txBody>
+      </p:sp>
+      <p:sp>
+        <p:nvSpPr>
+          <p:cNvPr id="8" name="Title 1"/>
+          <p:cNvSpPr txBox="1">
+            <a:spLocks/>
+          </p:cNvSpPr>
+          <p:nvPr/>
+        </p:nvSpPr>
+        <p:spPr>
+          <a:xfrm>
+            <a:off x="623888" y="175846"/>
+            <a:ext cx="9692420" cy="668216"/>
+          </a:xfrm>
+          <a:prstGeom prst="rect">
+            <a:avLst/>
+          </a:prstGeom>
+        </p:spPr>
+        <p:txBody>
+          <a:bodyPr/>
+          <a:lstStyle>
+            <a:lvl1pPr algn="l" defTabSz="914400" rtl="0" eaLnBrk="1" latinLnBrk="0" hangingPunct="1">
+              <a:lnSpc>
+                <a:spcPct val="80000"/>
+              </a:lnSpc>
+              <a:spcBef>
+                <a:spcPct val="0"/>
+              </a:spcBef>
+              <a:buNone/>
+              <a:defRPr sz="2400" b="1" kern="1200" cap="all" baseline="0">
+                <a:solidFill>
+                  <a:schemeClr val="tx2"/>
+                </a:solidFill>
+                <a:latin typeface="+mj-lt"/>
+                <a:ea typeface="+mj-ea"/>
+                <a:cs typeface="+mj-cs"/>
+              </a:defRPr>
+            </a:lvl1pPr>
+          </a:lstStyle>
+          <a:p>
+            <a:r>
+              <a:rPr lang="en-IN" dirty="0">
+                <a:solidFill>
+                  <a:schemeClr val="tx1">
+                    <a:lumMod val="75000"/>
+                    <a:lumOff val="25000"/>
+                  </a:schemeClr>
+                </a:solidFill>
+              </a:rPr>
+              <a:t>Profile </a:t>
+            </a:r>
+            <a:r>
+              <a:rPr lang="en-IN" dirty="0" smtClean="0">
+                <a:solidFill>
+                  <a:schemeClr val="tx1">
+                    <a:lumMod val="75000"/>
+                    <a:lumOff val="25000"/>
+                  </a:schemeClr>
+                </a:solidFill>
+              </a:rPr>
+              <a:t>list </a:t>
+            </a:r>
+            <a:r>
+              <a:rPr lang="en-IN" dirty="0">
+                <a:solidFill>
+                  <a:schemeClr val="tx1">
+                    <a:lumMod val="75000"/>
+                    <a:lumOff val="25000"/>
+                  </a:schemeClr>
+                </a:solidFill>
+              </a:rPr>
+              <a:t>Service</a:t>
+            </a:r>
+            <a:endParaRPr lang="en-IN" dirty="0">
+              <a:solidFill>
+                <a:schemeClr val="tx1">
+                  <a:lumMod val="75000"/>
+                  <a:lumOff val="25000"/>
+                </a:schemeClr>
+              </a:solidFill>
+            </a:endParaRPr>
+          </a:p>
+        </p:txBody>
+      </p:sp>
     </p:spTree>
     <p:extLst>
       <p:ext uri="{BB962C8B-B14F-4D97-AF65-F5344CB8AC3E}">
-        <p14:creationId xmlns:p14="http://schemas.microsoft.com/office/powerpoint/2010/main" val="47757349"/>
+        <p14:creationId xmlns:p14="http://schemas.microsoft.com/office/powerpoint/2010/main" val="1503131196"/>
       </p:ext>
     </p:extLst>
   </p:cSld>
@@ -9958,7 +8632,7 @@
   <a:extraClrSchemeLst/>
   <a:extLst>
     <a:ext uri="{05A4C25C-085E-4340-85A3-A5531E510DB2}">
-      <thm15:themeFamily xmlns:thm15="http://schemas.microsoft.com/office/thememl/2012/main" xmlns="" name="Finastra_PowerPoint_Template_LIGHT.potx" id="{E28E15CF-D4AF-4030-9C27-4521403959F6}" vid="{3C581112-1A15-4DD8-9762-0CCB35449E2C}"/>
+      <thm15:themeFamily xmlns:thm15="http://schemas.microsoft.com/office/thememl/2012/main" name="Finastra_PowerPoint_Template_LIGHT.potx" id="{E28E15CF-D4AF-4030-9C27-4521403959F6}" vid="{3C581112-1A15-4DD8-9762-0CCB35449E2C}"/>
     </a:ext>
   </a:extLst>
 </a:theme>
@@ -10219,7 +8893,7 @@
   <a:extraClrSchemeLst/>
   <a:extLst>
     <a:ext uri="{05A4C25C-085E-4340-85A3-A5531E510DB2}">
-      <thm15:themeFamily xmlns:thm15="http://schemas.microsoft.com/office/thememl/2012/main" xmlns="" name="Office Theme" id="{62F939B6-93AF-4DB8-9C6B-D6C7DFDC589F}" vid="{4A3C46E8-61CC-4603-A589-7422A47A8E4A}"/>
+      <thm15:themeFamily xmlns:thm15="http://schemas.microsoft.com/office/thememl/2012/main" name="Office Theme" id="{62F939B6-93AF-4DB8-9C6B-D6C7DFDC589F}" vid="{4A3C46E8-61CC-4603-A589-7422A47A8E4A}"/>
     </a:ext>
   </a:extLst>
 </a:theme>
@@ -10480,22 +9154,13 @@
   <a:extraClrSchemeLst/>
   <a:extLst>
     <a:ext uri="{05A4C25C-085E-4340-85A3-A5531E510DB2}">
-      <thm15:themeFamily xmlns:thm15="http://schemas.microsoft.com/office/thememl/2012/main" xmlns="" name="Office Theme" id="{62F939B6-93AF-4DB8-9C6B-D6C7DFDC589F}" vid="{4A3C46E8-61CC-4603-A589-7422A47A8E4A}"/>
+      <thm15:themeFamily xmlns:thm15="http://schemas.microsoft.com/office/thememl/2012/main" name="Office Theme" id="{62F939B6-93AF-4DB8-9C6B-D6C7DFDC589F}" vid="{4A3C46E8-61CC-4603-A589-7422A47A8E4A}"/>
     </a:ext>
   </a:extLst>
 </a:theme>
 </file>
 
 <file path=customXml/item1.xml><?xml version="1.0" encoding="utf-8"?>
-<p:properties xmlns:p="http://schemas.microsoft.com/office/2006/metadata/properties" xmlns:xsi="http://www.w3.org/2001/XMLSchema-instance" xmlns:pc="http://schemas.microsoft.com/office/infopath/2007/PartnerControls">
-  <documentManagement>
-    <PublishingExpirationDate xmlns="http://schemas.microsoft.com/sharepoint/v3" xsi:nil="true"/>
-    <PublishingStartDate xmlns="http://schemas.microsoft.com/sharepoint/v3" xsi:nil="true"/>
-  </documentManagement>
-</p:properties>
-</file>
-
-<file path=customXml/item2.xml><?xml version="1.0" encoding="utf-8"?>
 <ct:contentTypeSchema xmlns:ct="http://schemas.microsoft.com/office/2006/metadata/contentType" xmlns:ma="http://schemas.microsoft.com/office/2006/metadata/properties/metaAttributes" ct:_="" ma:_="" ma:contentTypeName="Document" ma:contentTypeID="0x0101009AFDA2510A45954CB46081864A6D864F" ma:contentTypeVersion="5" ma:contentTypeDescription="Create a new document." ma:contentTypeScope="" ma:versionID="5b475eef84496e2b7a4205b1d00d7d4c">
   <xsd:schema xmlns:xsd="http://www.w3.org/2001/XMLSchema" xmlns:xs="http://www.w3.org/2001/XMLSchema" xmlns:p="http://schemas.microsoft.com/office/2006/metadata/properties" xmlns:ns1="http://schemas.microsoft.com/sharepoint/v3" xmlns:ns2="1913475e-a030-45ec-9e8a-a2630205b38f" xmlns:ns3="0ae7057e-292f-4fd1-bead-5494e4c66c6d" targetNamespace="http://schemas.microsoft.com/office/2006/metadata/properties" ma:root="true" ma:fieldsID="85738e600c763465eda532a3d229a01a" ns1:_="" ns2:_="" ns3:_="">
     <xsd:import namespace="http://schemas.microsoft.com/sharepoint/v3"/>
@@ -10677,6 +9342,15 @@
 </ct:contentTypeSchema>
 </file>
 
+<file path=customXml/item2.xml><?xml version="1.0" encoding="utf-8"?>
+<p:properties xmlns:p="http://schemas.microsoft.com/office/2006/metadata/properties" xmlns:xsi="http://www.w3.org/2001/XMLSchema-instance" xmlns:pc="http://schemas.microsoft.com/office/infopath/2007/PartnerControls">
+  <documentManagement>
+    <PublishingExpirationDate xmlns="http://schemas.microsoft.com/sharepoint/v3" xsi:nil="true"/>
+    <PublishingStartDate xmlns="http://schemas.microsoft.com/sharepoint/v3" xsi:nil="true"/>
+  </documentManagement>
+</p:properties>
+</file>
+
 <file path=customXml/item3.xml><?xml version="1.0" encoding="utf-8"?>
 <?mso-contentType ?>
 <FormTemplates xmlns="http://schemas.microsoft.com/sharepoint/v3/contenttype/forms">
@@ -10687,24 +9361,6 @@
 </file>
 
 <file path=customXml/itemProps1.xml><?xml version="1.0" encoding="utf-8"?>
-<ds:datastoreItem xmlns:ds="http://schemas.openxmlformats.org/officeDocument/2006/customXml" ds:itemID="{D7186F62-2954-471E-9368-38BF5704F41F}">
-  <ds:schemaRefs>
-    <ds:schemaRef ds:uri="http://schemas.microsoft.com/sharepoint/v3"/>
-    <ds:schemaRef ds:uri="http://schemas.microsoft.com/office/2006/documentManagement/types"/>
-    <ds:schemaRef ds:uri="http://purl.org/dc/terms/"/>
-    <ds:schemaRef ds:uri="http://www.w3.org/XML/1998/namespace"/>
-    <ds:schemaRef ds:uri="0ae7057e-292f-4fd1-bead-5494e4c66c6d"/>
-    <ds:schemaRef ds:uri="http://schemas.microsoft.com/office/2006/metadata/properties"/>
-    <ds:schemaRef ds:uri="http://schemas.openxmlformats.org/package/2006/metadata/core-properties"/>
-    <ds:schemaRef ds:uri="http://purl.org/dc/dcmitype/"/>
-    <ds:schemaRef ds:uri="1913475e-a030-45ec-9e8a-a2630205b38f"/>
-    <ds:schemaRef ds:uri="http://schemas.microsoft.com/office/infopath/2007/PartnerControls"/>
-    <ds:schemaRef ds:uri="http://purl.org/dc/elements/1.1/"/>
-  </ds:schemaRefs>
-</ds:datastoreItem>
-</file>
-
-<file path=customXml/itemProps2.xml><?xml version="1.0" encoding="utf-8"?>
 <ds:datastoreItem xmlns:ds="http://schemas.openxmlformats.org/officeDocument/2006/customXml" ds:itemID="{F6B4073B-771D-450A-9EDA-ABAA77B0531E}">
   <ds:schemaRefs>
     <ds:schemaRef ds:uri="http://schemas.microsoft.com/office/2006/metadata/contentType"/>
@@ -10724,6 +9380,24 @@
 </ds:datastoreItem>
 </file>
 
+<file path=customXml/itemProps2.xml><?xml version="1.0" encoding="utf-8"?>
+<ds:datastoreItem xmlns:ds="http://schemas.openxmlformats.org/officeDocument/2006/customXml" ds:itemID="{D7186F62-2954-471E-9368-38BF5704F41F}">
+  <ds:schemaRefs>
+    <ds:schemaRef ds:uri="http://schemas.microsoft.com/sharepoint/v3"/>
+    <ds:schemaRef ds:uri="http://schemas.microsoft.com/office/2006/documentManagement/types"/>
+    <ds:schemaRef ds:uri="http://purl.org/dc/terms/"/>
+    <ds:schemaRef ds:uri="http://www.w3.org/XML/1998/namespace"/>
+    <ds:schemaRef ds:uri="0ae7057e-292f-4fd1-bead-5494e4c66c6d"/>
+    <ds:schemaRef ds:uri="http://schemas.microsoft.com/office/2006/metadata/properties"/>
+    <ds:schemaRef ds:uri="http://schemas.openxmlformats.org/package/2006/metadata/core-properties"/>
+    <ds:schemaRef ds:uri="http://purl.org/dc/dcmitype/"/>
+    <ds:schemaRef ds:uri="1913475e-a030-45ec-9e8a-a2630205b38f"/>
+    <ds:schemaRef ds:uri="http://schemas.microsoft.com/office/infopath/2007/PartnerControls"/>
+    <ds:schemaRef ds:uri="http://purl.org/dc/elements/1.1/"/>
+  </ds:schemaRefs>
+</ds:datastoreItem>
+</file>
+
 <file path=customXml/itemProps3.xml><?xml version="1.0" encoding="utf-8"?>
 <ds:datastoreItem xmlns:ds="http://schemas.openxmlformats.org/officeDocument/2006/customXml" ds:itemID="{CA1AEAF9-C730-4098-99F1-230B2FED747B}">
   <ds:schemaRefs>

--- a/documentation/11 SOA Services - Static Data.pptx
+++ b/documentation/11 SOA Services - Static Data.pptx
@@ -224,7 +224,7 @@
           <a:p>
             <a:fld id="{CE53DE84-D7B3-4797-B14D-77424657396D}" type="datetimeFigureOut">
               <a:rPr lang="en-GB" smtClean="0"/>
-              <a:t>10/03/2018</a:t>
+              <a:t>24/03/2019</a:t>
             </a:fld>
             <a:endParaRPr lang="en-GB" dirty="0"/>
           </a:p>
@@ -389,7 +389,7 @@
           <a:p>
             <a:fld id="{D1C597EC-6BB0-461C-B045-D257C6C8821E}" type="datetimeFigureOut">
               <a:rPr lang="en-GB" smtClean="0"/>
-              <a:t>10/03/2018</a:t>
+              <a:t>24/03/2019</a:t>
             </a:fld>
             <a:endParaRPr lang="en-GB" dirty="0"/>
           </a:p>
@@ -1243,7 +1243,7 @@
           <a:p>
             <a:fld id="{22E7AA2F-F619-4723-B6E7-545F24B9918D}" type="datetime4">
               <a:rPr lang="en-GB" smtClean="0"/>
-              <a:t>10 March 2018</a:t>
+              <a:t>24 March 2019</a:t>
             </a:fld>
             <a:endParaRPr lang="en-GB" dirty="0"/>
           </a:p>
@@ -1447,7 +1447,7 @@
           <a:p>
             <a:fld id="{2A4201E0-34F3-46A7-AE44-D99163B13904}" type="datetime4">
               <a:rPr lang="en-GB" smtClean="0"/>
-              <a:t>10 March 2018</a:t>
+              <a:t>24 March 2019</a:t>
             </a:fld>
             <a:endParaRPr lang="en-GB" dirty="0"/>
           </a:p>
@@ -1695,7 +1695,7 @@
           <a:p>
             <a:fld id="{4FAE0867-24A8-448F-B507-CC8586AA6B96}" type="datetime4">
               <a:rPr lang="en-GB" smtClean="0"/>
-              <a:t>10 March 2018</a:t>
+              <a:t>24 March 2019</a:t>
             </a:fld>
             <a:endParaRPr lang="en-GB" dirty="0"/>
           </a:p>
@@ -1879,7 +1879,7 @@
           <a:p>
             <a:fld id="{54BE1DED-F17D-40BA-964F-A1C8DEDCEF61}" type="datetime4">
               <a:rPr lang="en-GB" smtClean="0"/>
-              <a:t>10 March 2018</a:t>
+              <a:t>24 March 2019</a:t>
             </a:fld>
             <a:endParaRPr lang="en-GB" dirty="0"/>
           </a:p>
@@ -2255,7 +2255,7 @@
             <a:fld id="{D9FBC6CA-9941-44FF-B65D-C7A23CB5A4BE}" type="datetime4">
               <a:rPr lang="en-GB" smtClean="0"/>
               <a:pPr/>
-              <a:t>10 March 2018</a:t>
+              <a:t>24 March 2019</a:t>
             </a:fld>
             <a:endParaRPr lang="en-GB" dirty="0"/>
           </a:p>
@@ -2441,7 +2441,7 @@
           <a:p>
             <a:fld id="{D473304B-F8FC-4BC7-8FE8-C50BC87E1FAB}" type="datetime4">
               <a:rPr lang="en-GB" smtClean="0"/>
-              <a:t>10 March 2018</a:t>
+              <a:t>24 March 2019</a:t>
             </a:fld>
             <a:endParaRPr lang="en-GB" dirty="0"/>
           </a:p>
@@ -2536,7 +2536,7 @@
           <a:p>
             <a:fld id="{D3D7C3DF-C1B2-4C30-9BDA-F5EE790E7213}" type="datetime4">
               <a:rPr lang="en-GB" smtClean="0"/>
-              <a:t>10 March 2018</a:t>
+              <a:t>24 March 2019</a:t>
             </a:fld>
             <a:endParaRPr lang="en-GB" dirty="0"/>
           </a:p>
@@ -2761,7 +2761,7 @@
           <a:p>
             <a:fld id="{7A1E630C-C3F3-4A66-A20B-F3CE4CC3331D}" type="datetime4">
               <a:rPr lang="en-GB" smtClean="0"/>
-              <a:t>10 March 2018</a:t>
+              <a:t>24 March 2019</a:t>
             </a:fld>
             <a:endParaRPr lang="en-GB" dirty="0"/>
           </a:p>
@@ -3395,7 +3395,7 @@
           <a:p>
             <a:fld id="{D22C19FE-D082-4640-BFED-203C0E583774}" type="datetime4">
               <a:rPr lang="en-GB" smtClean="0"/>
-              <a:t>10 March 2018</a:t>
+              <a:t>24 March 2019</a:t>
             </a:fld>
             <a:endParaRPr lang="en-GB" dirty="0"/>
           </a:p>
@@ -4000,8 +4000,9 @@
             <a:pPr lvl="1"/>
             <a:r>
               <a:rPr lang="en-GB" dirty="0" smtClean="0"/>
-              <a:t>February 2018</a:t>
-            </a:r>
+              <a:t>2019</a:t>
+            </a:r>
+            <a:endParaRPr lang="en-GB" dirty="0" smtClean="0"/>
           </a:p>
           <a:p>
             <a:pPr lvl="1"/>
@@ -4103,7 +4104,7 @@
             <a:fld id="{BC3F1638-3586-4527-A760-38AC15BFC248}" type="datetime4">
               <a:rPr lang="en-GB" smtClean="0"/>
               <a:pPr/>
-              <a:t>10 March 2018</a:t>
+              <a:t>24 March 2019</a:t>
             </a:fld>
             <a:endParaRPr lang="en-GB" dirty="0"/>
           </a:p>
@@ -4422,7 +4423,7 @@
           <a:graphicData uri="http://schemas.openxmlformats.org/presentationml/2006/ole">
             <mc:AlternateContent xmlns:mc="http://schemas.openxmlformats.org/markup-compatibility/2006">
               <mc:Choice xmlns:v="urn:schemas-microsoft-com:vml" Requires="v">
-                <p:oleObj spid="_x0000_s1140" name="Packager Shell Object" showAsIcon="1" r:id="rId4" imgW="585000" imgH="392040" progId="Package">
+                <p:oleObj spid="_x0000_s1149" name="Packager Shell Object" showAsIcon="1" r:id="rId4" imgW="585000" imgH="392040" progId="Package">
                   <p:embed/>
                 </p:oleObj>
               </mc:Choice>
@@ -4479,7 +4480,7 @@
           <a:graphicData uri="http://schemas.openxmlformats.org/presentationml/2006/ole">
             <mc:AlternateContent xmlns:mc="http://schemas.openxmlformats.org/markup-compatibility/2006">
               <mc:Choice xmlns:v="urn:schemas-microsoft-com:vml" Requires="v">
-                <p:oleObj spid="_x0000_s1141" name="Packager Shell Object" showAsIcon="1" r:id="rId6" imgW="1155960" imgH="685800" progId="Package">
+                <p:oleObj spid="_x0000_s1150" name="Packager Shell Object" showAsIcon="1" r:id="rId6" imgW="1155960" imgH="685800" progId="Package">
                   <p:embed/>
                 </p:oleObj>
               </mc:Choice>
@@ -4536,7 +4537,7 @@
           <a:graphicData uri="http://schemas.openxmlformats.org/presentationml/2006/ole">
             <mc:AlternateContent xmlns:mc="http://schemas.openxmlformats.org/markup-compatibility/2006">
               <mc:Choice xmlns:v="urn:schemas-microsoft-com:vml" Requires="v">
-                <p:oleObj spid="_x0000_s1142" name="Packager Shell Object" showAsIcon="1" r:id="rId8" imgW="1028880" imgH="685800" progId="Package">
+                <p:oleObj spid="_x0000_s1151" name="Packager Shell Object" showAsIcon="1" r:id="rId8" imgW="1028880" imgH="685800" progId="Package">
                   <p:embed/>
                 </p:oleObj>
               </mc:Choice>
@@ -4593,7 +4594,7 @@
           <a:graphicData uri="http://schemas.openxmlformats.org/presentationml/2006/ole">
             <mc:AlternateContent xmlns:mc="http://schemas.openxmlformats.org/markup-compatibility/2006">
               <mc:Choice xmlns:v="urn:schemas-microsoft-com:vml" Requires="v">
-                <p:oleObj spid="_x0000_s1143" name="Packager Shell Object" showAsIcon="1" r:id="rId10" imgW="1155960" imgH="685800" progId="Package">
+                <p:oleObj spid="_x0000_s1152" name="Packager Shell Object" showAsIcon="1" r:id="rId10" imgW="1155960" imgH="685800" progId="Package">
                   <p:embed/>
                 </p:oleObj>
               </mc:Choice>
@@ -4650,7 +4651,7 @@
           <a:graphicData uri="http://schemas.openxmlformats.org/presentationml/2006/ole">
             <mc:AlternateContent xmlns:mc="http://schemas.openxmlformats.org/markup-compatibility/2006">
               <mc:Choice xmlns:v="urn:schemas-microsoft-com:vml" Requires="v">
-                <p:oleObj spid="_x0000_s1144" name="Packager Shell Object" showAsIcon="1" r:id="rId12" imgW="1283040" imgH="685800" progId="Package">
+                <p:oleObj spid="_x0000_s1153" name="Packager Shell Object" showAsIcon="1" r:id="rId12" imgW="1283040" imgH="685800" progId="Package">
                   <p:embed/>
                 </p:oleObj>
               </mc:Choice>
@@ -4707,7 +4708,7 @@
           <a:graphicData uri="http://schemas.openxmlformats.org/presentationml/2006/ole">
             <mc:AlternateContent xmlns:mc="http://schemas.openxmlformats.org/markup-compatibility/2006">
               <mc:Choice xmlns:v="urn:schemas-microsoft-com:vml" Requires="v">
-                <p:oleObj spid="_x0000_s1145" name="Packager Shell Object" showAsIcon="1" r:id="rId14" imgW="1981800" imgH="685800" progId="Package">
+                <p:oleObj spid="_x0000_s1154" name="Packager Shell Object" showAsIcon="1" r:id="rId14" imgW="1981800" imgH="685800" progId="Package">
                   <p:embed/>
                 </p:oleObj>
               </mc:Choice>
@@ -4764,7 +4765,7 @@
           <a:graphicData uri="http://schemas.openxmlformats.org/presentationml/2006/ole">
             <mc:AlternateContent xmlns:mc="http://schemas.openxmlformats.org/markup-compatibility/2006">
               <mc:Choice xmlns:v="urn:schemas-microsoft-com:vml" Requires="v">
-                <p:oleObj spid="_x0000_s1146" name="Packager Shell Object" showAsIcon="1" r:id="rId16" imgW="2070720" imgH="685800" progId="Package">
+                <p:oleObj spid="_x0000_s1155" name="Packager Shell Object" showAsIcon="1" r:id="rId16" imgW="2070720" imgH="685800" progId="Package">
                   <p:embed/>
                 </p:oleObj>
               </mc:Choice>
@@ -4821,7 +4822,7 @@
           <a:graphicData uri="http://schemas.openxmlformats.org/presentationml/2006/ole">
             <mc:AlternateContent xmlns:mc="http://schemas.openxmlformats.org/markup-compatibility/2006">
               <mc:Choice xmlns:v="urn:schemas-microsoft-com:vml" Requires="v">
-                <p:oleObj spid="_x0000_s1147" name="Packager Shell Object" showAsIcon="1" r:id="rId18" imgW="1028880" imgH="685800" progId="Package">
+                <p:oleObj spid="_x0000_s1156" name="Packager Shell Object" showAsIcon="1" r:id="rId18" imgW="1028880" imgH="685800" progId="Package">
                   <p:embed/>
                 </p:oleObj>
               </mc:Choice>
@@ -4878,7 +4879,7 @@
           <a:graphicData uri="http://schemas.openxmlformats.org/presentationml/2006/ole">
             <mc:AlternateContent xmlns:mc="http://schemas.openxmlformats.org/markup-compatibility/2006">
               <mc:Choice xmlns:v="urn:schemas-microsoft-com:vml" Requires="v">
-                <p:oleObj spid="_x0000_s1148" name="Packager Shell Object" showAsIcon="1" r:id="rId20" imgW="1155960" imgH="685800" progId="Package">
+                <p:oleObj spid="_x0000_s1157" name="Packager Shell Object" showAsIcon="1" r:id="rId20" imgW="1155960" imgH="685800" progId="Package">
                   <p:embed/>
                 </p:oleObj>
               </mc:Choice>
@@ -5001,14 +5002,12 @@
           <a:lstStyle/>
           <a:p>
             <a:r>
-              <a:rPr lang="en-GB" dirty="0" smtClean="0"/>
-              <a:t>Arnab Podder</a:t>
-            </a:r>
-          </a:p>
-          <a:p>
-            <a:r>
               <a:rPr lang="en-GB" b="0" dirty="0" smtClean="0"/>
-              <a:t>Integration Team</a:t>
+              <a:t>Integration </a:t>
+            </a:r>
+            <a:r>
+              <a:rPr lang="en-GB" b="0" dirty="0" smtClean="0"/>
+              <a:t>Team</a:t>
             </a:r>
             <a:endParaRPr lang="en-GB" b="0" dirty="0"/>
           </a:p>
@@ -5032,7 +5031,7 @@
             <a:fld id="{D98A2CEC-3088-437B-B321-33BEC7D93FCD}" type="datetime4">
               <a:rPr lang="en-GB" smtClean="0"/>
               <a:pPr/>
-              <a:t>10 March 2018</a:t>
+              <a:t>24 March 2019</a:t>
             </a:fld>
             <a:endParaRPr lang="en-GB" dirty="0"/>
           </a:p>
@@ -5191,7 +5190,7 @@
           <a:p>
             <a:fld id="{6096F0BA-ECEE-44D1-ABE9-40C67B221300}" type="datetime4">
               <a:rPr lang="en-GB" smtClean="0"/>
-              <a:t>10 March 2018</a:t>
+              <a:t>24 March 2019</a:t>
             </a:fld>
             <a:endParaRPr lang="en-GB" dirty="0"/>
           </a:p>
@@ -5320,11 +5319,7 @@
           <a:p>
             <a:r>
               <a:rPr lang="en-US" dirty="0" smtClean="0"/>
-              <a:t>GPP can maintain Static data profiles in its own system and allows users to upload static data profiles in GPP via </a:t>
-            </a:r>
-            <a:r>
-              <a:rPr lang="en-US" dirty="0" smtClean="0"/>
-              <a:t>web services </a:t>
+              <a:t>GPP can maintain Static data profiles in its own system and allows users to upload static data profiles in GPP via web services </a:t>
             </a:r>
             <a:r>
               <a:rPr lang="en-GB" dirty="0" smtClean="0">
@@ -5355,7 +5350,7 @@
             <a:fld id="{014A5046-EA5E-455B-A3BC-352818629394}" type="datetime4">
               <a:rPr lang="en-GB" smtClean="0"/>
               <a:pPr/>
-              <a:t>10 March 2018</a:t>
+              <a:t>24 March 2019</a:t>
             </a:fld>
             <a:endParaRPr lang="en-GB" dirty="0"/>
           </a:p>
@@ -5451,7 +5446,7 @@
           <a:p>
             <a:fld id="{4FAE0867-24A8-448F-B507-CC8586AA6B96}" type="datetime4">
               <a:rPr lang="en-GB" smtClean="0"/>
-              <a:t>10 March 2018</a:t>
+              <a:t>24 March 2019</a:t>
             </a:fld>
             <a:endParaRPr lang="en-GB" dirty="0"/>
           </a:p>
@@ -5976,7 +5971,7 @@
           <a:p>
             <a:fld id="{4FAE0867-24A8-448F-B507-CC8586AA6B96}" type="datetime4">
               <a:rPr lang="en-GB" smtClean="0"/>
-              <a:t>10 March 2018</a:t>
+              <a:t>24 March 2019</a:t>
             </a:fld>
             <a:endParaRPr lang="en-GB" dirty="0"/>
           </a:p>
@@ -6554,7 +6549,7 @@
           <a:p>
             <a:fld id="{4FAE0867-24A8-448F-B507-CC8586AA6B96}" type="datetime4">
               <a:rPr lang="en-GB" smtClean="0"/>
-              <a:t>10 March 2018</a:t>
+              <a:t>24 March 2019</a:t>
             </a:fld>
             <a:endParaRPr lang="en-GB" dirty="0"/>
           </a:p>
@@ -6903,14 +6898,6 @@
               </a:rPr>
               <a:t>Load Profile Service</a:t>
             </a:r>
-            <a:endParaRPr lang="en-IN" dirty="0">
-              <a:solidFill>
-                <a:schemeClr val="tx1">
-                  <a:lumMod val="75000"/>
-                  <a:lumOff val="25000"/>
-                </a:schemeClr>
-              </a:solidFill>
-            </a:endParaRPr>
           </a:p>
         </p:txBody>
       </p:sp>
@@ -7103,7 +7090,7 @@
           <a:p>
             <a:fld id="{4FAE0867-24A8-448F-B507-CC8586AA6B96}" type="datetime4">
               <a:rPr lang="en-GB" smtClean="0"/>
-              <a:t>10 March 2018</a:t>
+              <a:t>24 March 2019</a:t>
             </a:fld>
             <a:endParaRPr lang="en-GB" dirty="0"/>
           </a:p>
@@ -7205,14 +7192,6 @@
               </a:rPr>
               <a:t>Service</a:t>
             </a:r>
-            <a:endParaRPr lang="en-IN" dirty="0">
-              <a:solidFill>
-                <a:schemeClr val="tx1">
-                  <a:lumMod val="75000"/>
-                  <a:lumOff val="25000"/>
-                </a:schemeClr>
-              </a:solidFill>
-            </a:endParaRPr>
           </a:p>
         </p:txBody>
       </p:sp>
@@ -7506,7 +7485,6 @@
               <a:rPr lang="en-US" sz="1800" b="0" dirty="0"/>
               <a:t>These are valid statuses (selection from system table FIELDS_VALUES with FIELD_TYPE = 'REC_STAT’). </a:t>
             </a:r>
-            <a:endParaRPr lang="en-US" sz="1800" b="0" dirty="0"/>
           </a:p>
         </p:txBody>
       </p:sp>
@@ -7588,7 +7566,7 @@
           <a:p>
             <a:fld id="{4FAE0867-24A8-448F-B507-CC8586AA6B96}" type="datetime4">
               <a:rPr lang="en-GB" smtClean="0"/>
-              <a:t>10 March 2018</a:t>
+              <a:t>24 March 2019</a:t>
             </a:fld>
             <a:endParaRPr lang="en-GB" dirty="0"/>
           </a:p>
@@ -7884,7 +7862,7 @@
           <a:p>
             <a:fld id="{4FAE0867-24A8-448F-B507-CC8586AA6B96}" type="datetime4">
               <a:rPr lang="en-GB" smtClean="0"/>
-              <a:t>10 March 2018</a:t>
+              <a:t>24 March 2019</a:t>
             </a:fld>
             <a:endParaRPr lang="en-GB" dirty="0"/>
           </a:p>
@@ -8158,7 +8136,6 @@
               <a:rPr lang="en-IN" sz="1800" b="0" dirty="0"/>
               <a:t>. </a:t>
             </a:r>
-            <a:endParaRPr lang="en-IN" sz="1800" b="0" dirty="0"/>
           </a:p>
           <a:p>
             <a:pPr marL="411163" indent="-411163">
@@ -8299,14 +8276,6 @@
               </a:rPr>
               <a:t>Service</a:t>
             </a:r>
-            <a:endParaRPr lang="en-IN" dirty="0">
-              <a:solidFill>
-                <a:schemeClr val="tx1">
-                  <a:lumMod val="75000"/>
-                  <a:lumOff val="25000"/>
-                </a:schemeClr>
-              </a:solidFill>
-            </a:endParaRPr>
           </a:p>
         </p:txBody>
       </p:sp>
@@ -9161,6 +9130,15 @@
 </file>
 
 <file path=customXml/item1.xml><?xml version="1.0" encoding="utf-8"?>
+<p:properties xmlns:p="http://schemas.microsoft.com/office/2006/metadata/properties" xmlns:xsi="http://www.w3.org/2001/XMLSchema-instance" xmlns:pc="http://schemas.microsoft.com/office/infopath/2007/PartnerControls">
+  <documentManagement>
+    <PublishingExpirationDate xmlns="http://schemas.microsoft.com/sharepoint/v3" xsi:nil="true"/>
+    <PublishingStartDate xmlns="http://schemas.microsoft.com/sharepoint/v3" xsi:nil="true"/>
+  </documentManagement>
+</p:properties>
+</file>
+
+<file path=customXml/item2.xml><?xml version="1.0" encoding="utf-8"?>
 <ct:contentTypeSchema xmlns:ct="http://schemas.microsoft.com/office/2006/metadata/contentType" xmlns:ma="http://schemas.microsoft.com/office/2006/metadata/properties/metaAttributes" ct:_="" ma:_="" ma:contentTypeName="Document" ma:contentTypeID="0x0101009AFDA2510A45954CB46081864A6D864F" ma:contentTypeVersion="5" ma:contentTypeDescription="Create a new document." ma:contentTypeScope="" ma:versionID="5b475eef84496e2b7a4205b1d00d7d4c">
   <xsd:schema xmlns:xsd="http://www.w3.org/2001/XMLSchema" xmlns:xs="http://www.w3.org/2001/XMLSchema" xmlns:p="http://schemas.microsoft.com/office/2006/metadata/properties" xmlns:ns1="http://schemas.microsoft.com/sharepoint/v3" xmlns:ns2="1913475e-a030-45ec-9e8a-a2630205b38f" xmlns:ns3="0ae7057e-292f-4fd1-bead-5494e4c66c6d" targetNamespace="http://schemas.microsoft.com/office/2006/metadata/properties" ma:root="true" ma:fieldsID="85738e600c763465eda532a3d229a01a" ns1:_="" ns2:_="" ns3:_="">
     <xsd:import namespace="http://schemas.microsoft.com/sharepoint/v3"/>
@@ -9342,15 +9320,6 @@
 </ct:contentTypeSchema>
 </file>
 
-<file path=customXml/item2.xml><?xml version="1.0" encoding="utf-8"?>
-<p:properties xmlns:p="http://schemas.microsoft.com/office/2006/metadata/properties" xmlns:xsi="http://www.w3.org/2001/XMLSchema-instance" xmlns:pc="http://schemas.microsoft.com/office/infopath/2007/PartnerControls">
-  <documentManagement>
-    <PublishingExpirationDate xmlns="http://schemas.microsoft.com/sharepoint/v3" xsi:nil="true"/>
-    <PublishingStartDate xmlns="http://schemas.microsoft.com/sharepoint/v3" xsi:nil="true"/>
-  </documentManagement>
-</p:properties>
-</file>
-
 <file path=customXml/item3.xml><?xml version="1.0" encoding="utf-8"?>
 <?mso-contentType ?>
 <FormTemplates xmlns="http://schemas.microsoft.com/sharepoint/v3/contenttype/forms">
@@ -9361,6 +9330,24 @@
 </file>
 
 <file path=customXml/itemProps1.xml><?xml version="1.0" encoding="utf-8"?>
+<ds:datastoreItem xmlns:ds="http://schemas.openxmlformats.org/officeDocument/2006/customXml" ds:itemID="{D7186F62-2954-471E-9368-38BF5704F41F}">
+  <ds:schemaRefs>
+    <ds:schemaRef ds:uri="http://schemas.microsoft.com/sharepoint/v3"/>
+    <ds:schemaRef ds:uri="http://schemas.microsoft.com/office/2006/documentManagement/types"/>
+    <ds:schemaRef ds:uri="http://purl.org/dc/terms/"/>
+    <ds:schemaRef ds:uri="http://www.w3.org/XML/1998/namespace"/>
+    <ds:schemaRef ds:uri="0ae7057e-292f-4fd1-bead-5494e4c66c6d"/>
+    <ds:schemaRef ds:uri="http://schemas.microsoft.com/office/2006/metadata/properties"/>
+    <ds:schemaRef ds:uri="http://schemas.openxmlformats.org/package/2006/metadata/core-properties"/>
+    <ds:schemaRef ds:uri="http://purl.org/dc/dcmitype/"/>
+    <ds:schemaRef ds:uri="1913475e-a030-45ec-9e8a-a2630205b38f"/>
+    <ds:schemaRef ds:uri="http://schemas.microsoft.com/office/infopath/2007/PartnerControls"/>
+    <ds:schemaRef ds:uri="http://purl.org/dc/elements/1.1/"/>
+  </ds:schemaRefs>
+</ds:datastoreItem>
+</file>
+
+<file path=customXml/itemProps2.xml><?xml version="1.0" encoding="utf-8"?>
 <ds:datastoreItem xmlns:ds="http://schemas.openxmlformats.org/officeDocument/2006/customXml" ds:itemID="{F6B4073B-771D-450A-9EDA-ABAA77B0531E}">
   <ds:schemaRefs>
     <ds:schemaRef ds:uri="http://schemas.microsoft.com/office/2006/metadata/contentType"/>
@@ -9380,24 +9367,6 @@
 </ds:datastoreItem>
 </file>
 
-<file path=customXml/itemProps2.xml><?xml version="1.0" encoding="utf-8"?>
-<ds:datastoreItem xmlns:ds="http://schemas.openxmlformats.org/officeDocument/2006/customXml" ds:itemID="{D7186F62-2954-471E-9368-38BF5704F41F}">
-  <ds:schemaRefs>
-    <ds:schemaRef ds:uri="http://schemas.microsoft.com/sharepoint/v3"/>
-    <ds:schemaRef ds:uri="http://schemas.microsoft.com/office/2006/documentManagement/types"/>
-    <ds:schemaRef ds:uri="http://purl.org/dc/terms/"/>
-    <ds:schemaRef ds:uri="http://www.w3.org/XML/1998/namespace"/>
-    <ds:schemaRef ds:uri="0ae7057e-292f-4fd1-bead-5494e4c66c6d"/>
-    <ds:schemaRef ds:uri="http://schemas.microsoft.com/office/2006/metadata/properties"/>
-    <ds:schemaRef ds:uri="http://schemas.openxmlformats.org/package/2006/metadata/core-properties"/>
-    <ds:schemaRef ds:uri="http://purl.org/dc/dcmitype/"/>
-    <ds:schemaRef ds:uri="1913475e-a030-45ec-9e8a-a2630205b38f"/>
-    <ds:schemaRef ds:uri="http://schemas.microsoft.com/office/infopath/2007/PartnerControls"/>
-    <ds:schemaRef ds:uri="http://purl.org/dc/elements/1.1/"/>
-  </ds:schemaRefs>
-</ds:datastoreItem>
-</file>
-
 <file path=customXml/itemProps3.xml><?xml version="1.0" encoding="utf-8"?>
 <ds:datastoreItem xmlns:ds="http://schemas.openxmlformats.org/officeDocument/2006/customXml" ds:itemID="{CA1AEAF9-C730-4098-99F1-230B2FED747B}">
   <ds:schemaRefs>
